--- a/Data/static/Esqueleto.pptx
+++ b/Data/static/Esqueleto.pptx
@@ -4,21 +4,32 @@
   <p:sldMasterIdLst>
     <p:sldMasterId id="2147483726" r:id="rId1"/>
   </p:sldMasterIdLst>
+  <p:notesMasterIdLst>
+    <p:notesMasterId r:id="rId24"/>
+  </p:notesMasterIdLst>
   <p:sldIdLst>
     <p:sldId id="265" r:id="rId2"/>
     <p:sldId id="266" r:id="rId3"/>
     <p:sldId id="267" r:id="rId4"/>
     <p:sldId id="268" r:id="rId5"/>
     <p:sldId id="269" r:id="rId6"/>
-    <p:sldId id="257" r:id="rId7"/>
-    <p:sldId id="256" r:id="rId8"/>
-    <p:sldId id="258" r:id="rId9"/>
-    <p:sldId id="259" r:id="rId10"/>
-    <p:sldId id="260" r:id="rId11"/>
-    <p:sldId id="263" r:id="rId12"/>
-    <p:sldId id="264" r:id="rId13"/>
-    <p:sldId id="262" r:id="rId14"/>
-    <p:sldId id="261" r:id="rId15"/>
+    <p:sldId id="281" r:id="rId7"/>
+    <p:sldId id="283" r:id="rId8"/>
+    <p:sldId id="284" r:id="rId9"/>
+    <p:sldId id="274" r:id="rId10"/>
+    <p:sldId id="275" r:id="rId11"/>
+    <p:sldId id="285" r:id="rId12"/>
+    <p:sldId id="277" r:id="rId13"/>
+    <p:sldId id="257" r:id="rId14"/>
+    <p:sldId id="256" r:id="rId15"/>
+    <p:sldId id="258" r:id="rId16"/>
+    <p:sldId id="259" r:id="rId17"/>
+    <p:sldId id="260" r:id="rId18"/>
+    <p:sldId id="263" r:id="rId19"/>
+    <p:sldId id="264" r:id="rId20"/>
+    <p:sldId id="262" r:id="rId21"/>
+    <p:sldId id="278" r:id="rId22"/>
+    <p:sldId id="279" r:id="rId23"/>
   </p:sldIdLst>
   <p:sldSz cx="12192000" cy="6858000"/>
   <p:notesSz cx="6858000" cy="9144000"/>
@@ -117,7 +128,778 @@
       </a:defRPr>
     </a:lvl9pPr>
   </p:defaultTextStyle>
+  <p:extLst>
+    <p:ext uri="{EFAFB233-063F-42B5-8137-9DF3F51BA10A}">
+      <p15:sldGuideLst xmlns:p15="http://schemas.microsoft.com/office/powerpoint/2012/main"/>
+    </p:ext>
+  </p:extLst>
 </p:presentation>
+</file>
+
+<file path=ppt/notesMasters/notesMaster1.xml><?xml version="1.0" encoding="utf-8"?>
+<p:notesMaster xmlns:a="http://schemas.openxmlformats.org/drawingml/2006/main" xmlns:r="http://schemas.openxmlformats.org/officeDocument/2006/relationships" xmlns:p="http://schemas.openxmlformats.org/presentationml/2006/main">
+  <p:cSld>
+    <p:bg>
+      <p:bgRef idx="1001">
+        <a:schemeClr val="bg1"/>
+      </p:bgRef>
+    </p:bg>
+    <p:spTree>
+      <p:nvGrpSpPr>
+        <p:cNvPr id="1" name=""/>
+        <p:cNvGrpSpPr/>
+        <p:nvPr/>
+      </p:nvGrpSpPr>
+      <p:grpSpPr>
+        <a:xfrm>
+          <a:off x="0" y="0"/>
+          <a:ext cx="0" cy="0"/>
+          <a:chOff x="0" y="0"/>
+          <a:chExt cx="0" cy="0"/>
+        </a:xfrm>
+      </p:grpSpPr>
+      <p:sp>
+        <p:nvSpPr>
+          <p:cNvPr id="2" name="Marcador de encabezado 1"/>
+          <p:cNvSpPr>
+            <a:spLocks noGrp="1"/>
+          </p:cNvSpPr>
+          <p:nvPr>
+            <p:ph type="hdr" sz="quarter"/>
+          </p:nvPr>
+        </p:nvSpPr>
+        <p:spPr>
+          <a:xfrm>
+            <a:off x="0" y="0"/>
+            <a:ext cx="2971800" cy="458788"/>
+          </a:xfrm>
+          <a:prstGeom prst="rect">
+            <a:avLst/>
+          </a:prstGeom>
+        </p:spPr>
+        <p:txBody>
+          <a:bodyPr vert="horz" lIns="91440" tIns="45720" rIns="91440" bIns="45720" rtlCol="0"/>
+          <a:lstStyle>
+            <a:lvl1pPr algn="l">
+              <a:defRPr sz="1200"/>
+            </a:lvl1pPr>
+          </a:lstStyle>
+          <a:p>
+            <a:endParaRPr lang="es-MX"/>
+          </a:p>
+        </p:txBody>
+      </p:sp>
+      <p:sp>
+        <p:nvSpPr>
+          <p:cNvPr id="3" name="Marcador de fecha 2"/>
+          <p:cNvSpPr>
+            <a:spLocks noGrp="1"/>
+          </p:cNvSpPr>
+          <p:nvPr>
+            <p:ph type="dt" idx="1"/>
+          </p:nvPr>
+        </p:nvSpPr>
+        <p:spPr>
+          <a:xfrm>
+            <a:off x="3884613" y="0"/>
+            <a:ext cx="2971800" cy="458788"/>
+          </a:xfrm>
+          <a:prstGeom prst="rect">
+            <a:avLst/>
+          </a:prstGeom>
+        </p:spPr>
+        <p:txBody>
+          <a:bodyPr vert="horz" lIns="91440" tIns="45720" rIns="91440" bIns="45720" rtlCol="0"/>
+          <a:lstStyle>
+            <a:lvl1pPr algn="r">
+              <a:defRPr sz="1200"/>
+            </a:lvl1pPr>
+          </a:lstStyle>
+          <a:p>
+            <a:fld id="{10F5C5FC-7EF0-4480-A018-BCFCCC1081B3}" type="datetimeFigureOut">
+              <a:rPr lang="es-MX" smtClean="0"/>
+              <a:t>05/07/2024</a:t>
+            </a:fld>
+            <a:endParaRPr lang="es-MX"/>
+          </a:p>
+        </p:txBody>
+      </p:sp>
+      <p:sp>
+        <p:nvSpPr>
+          <p:cNvPr id="4" name="Marcador de imagen de diapositiva 3"/>
+          <p:cNvSpPr>
+            <a:spLocks noGrp="1" noRot="1" noChangeAspect="1"/>
+          </p:cNvSpPr>
+          <p:nvPr>
+            <p:ph type="sldImg" idx="2"/>
+          </p:nvPr>
+        </p:nvSpPr>
+        <p:spPr>
+          <a:xfrm>
+            <a:off x="685800" y="1143000"/>
+            <a:ext cx="5486400" cy="3086100"/>
+          </a:xfrm>
+          <a:prstGeom prst="rect">
+            <a:avLst/>
+          </a:prstGeom>
+          <a:noFill/>
+          <a:ln w="12700">
+            <a:solidFill>
+              <a:prstClr val="black"/>
+            </a:solidFill>
+          </a:ln>
+        </p:spPr>
+        <p:txBody>
+          <a:bodyPr vert="horz" lIns="91440" tIns="45720" rIns="91440" bIns="45720" rtlCol="0" anchor="ctr"/>
+          <a:lstStyle/>
+          <a:p>
+            <a:endParaRPr lang="es-MX"/>
+          </a:p>
+        </p:txBody>
+      </p:sp>
+      <p:sp>
+        <p:nvSpPr>
+          <p:cNvPr id="5" name="Marcador de notas 4"/>
+          <p:cNvSpPr>
+            <a:spLocks noGrp="1"/>
+          </p:cNvSpPr>
+          <p:nvPr>
+            <p:ph type="body" sz="quarter" idx="3"/>
+          </p:nvPr>
+        </p:nvSpPr>
+        <p:spPr>
+          <a:xfrm>
+            <a:off x="685800" y="4400550"/>
+            <a:ext cx="5486400" cy="3600450"/>
+          </a:xfrm>
+          <a:prstGeom prst="rect">
+            <a:avLst/>
+          </a:prstGeom>
+        </p:spPr>
+        <p:txBody>
+          <a:bodyPr vert="horz" lIns="91440" tIns="45720" rIns="91440" bIns="45720" rtlCol="0"/>
+          <a:lstStyle/>
+          <a:p>
+            <a:pPr lvl="0"/>
+            <a:r>
+              <a:rPr lang="es-ES"/>
+              <a:t>Haga clic para modificar los estilos de texto del patrón</a:t>
+            </a:r>
+          </a:p>
+          <a:p>
+            <a:pPr lvl="1"/>
+            <a:r>
+              <a:rPr lang="es-ES"/>
+              <a:t>Segundo nivel</a:t>
+            </a:r>
+          </a:p>
+          <a:p>
+            <a:pPr lvl="2"/>
+            <a:r>
+              <a:rPr lang="es-ES"/>
+              <a:t>Tercer nivel</a:t>
+            </a:r>
+          </a:p>
+          <a:p>
+            <a:pPr lvl="3"/>
+            <a:r>
+              <a:rPr lang="es-ES"/>
+              <a:t>Cuarto nivel</a:t>
+            </a:r>
+          </a:p>
+          <a:p>
+            <a:pPr lvl="4"/>
+            <a:r>
+              <a:rPr lang="es-ES"/>
+              <a:t>Quinto nivel</a:t>
+            </a:r>
+            <a:endParaRPr lang="es-MX"/>
+          </a:p>
+        </p:txBody>
+      </p:sp>
+      <p:sp>
+        <p:nvSpPr>
+          <p:cNvPr id="6" name="Marcador de pie de página 5"/>
+          <p:cNvSpPr>
+            <a:spLocks noGrp="1"/>
+          </p:cNvSpPr>
+          <p:nvPr>
+            <p:ph type="ftr" sz="quarter" idx="4"/>
+          </p:nvPr>
+        </p:nvSpPr>
+        <p:spPr>
+          <a:xfrm>
+            <a:off x="0" y="8685213"/>
+            <a:ext cx="2971800" cy="458787"/>
+          </a:xfrm>
+          <a:prstGeom prst="rect">
+            <a:avLst/>
+          </a:prstGeom>
+        </p:spPr>
+        <p:txBody>
+          <a:bodyPr vert="horz" lIns="91440" tIns="45720" rIns="91440" bIns="45720" rtlCol="0" anchor="b"/>
+          <a:lstStyle>
+            <a:lvl1pPr algn="l">
+              <a:defRPr sz="1200"/>
+            </a:lvl1pPr>
+          </a:lstStyle>
+          <a:p>
+            <a:endParaRPr lang="es-MX"/>
+          </a:p>
+        </p:txBody>
+      </p:sp>
+      <p:sp>
+        <p:nvSpPr>
+          <p:cNvPr id="7" name="Marcador de número de diapositiva 6"/>
+          <p:cNvSpPr>
+            <a:spLocks noGrp="1"/>
+          </p:cNvSpPr>
+          <p:nvPr>
+            <p:ph type="sldNum" sz="quarter" idx="5"/>
+          </p:nvPr>
+        </p:nvSpPr>
+        <p:spPr>
+          <a:xfrm>
+            <a:off x="3884613" y="8685213"/>
+            <a:ext cx="2971800" cy="458787"/>
+          </a:xfrm>
+          <a:prstGeom prst="rect">
+            <a:avLst/>
+          </a:prstGeom>
+        </p:spPr>
+        <p:txBody>
+          <a:bodyPr vert="horz" lIns="91440" tIns="45720" rIns="91440" bIns="45720" rtlCol="0" anchor="b"/>
+          <a:lstStyle>
+            <a:lvl1pPr algn="r">
+              <a:defRPr sz="1200"/>
+            </a:lvl1pPr>
+          </a:lstStyle>
+          <a:p>
+            <a:fld id="{923BEA99-4B66-4CE1-BE3E-AE7869E58B1A}" type="slidenum">
+              <a:rPr lang="es-MX" smtClean="0"/>
+              <a:t>‹Nº›</a:t>
+            </a:fld>
+            <a:endParaRPr lang="es-MX"/>
+          </a:p>
+        </p:txBody>
+      </p:sp>
+    </p:spTree>
+    <p:extLst>
+      <p:ext uri="{BB962C8B-B14F-4D97-AF65-F5344CB8AC3E}">
+        <p14:creationId xmlns:p14="http://schemas.microsoft.com/office/powerpoint/2010/main" val="907594034"/>
+      </p:ext>
+    </p:extLst>
+  </p:cSld>
+  <p:clrMap bg1="lt1" tx1="dk1" bg2="lt2" tx2="dk2" accent1="accent1" accent2="accent2" accent3="accent3" accent4="accent4" accent5="accent5" accent6="accent6" hlink="hlink" folHlink="folHlink"/>
+  <p:notesStyle>
+    <a:lvl1pPr marL="0" algn="l" defTabSz="914400" rtl="0" eaLnBrk="1" latinLnBrk="0" hangingPunct="1">
+      <a:defRPr sz="1200" kern="1200">
+        <a:solidFill>
+          <a:schemeClr val="tx1"/>
+        </a:solidFill>
+        <a:latin typeface="+mn-lt"/>
+        <a:ea typeface="+mn-ea"/>
+        <a:cs typeface="+mn-cs"/>
+      </a:defRPr>
+    </a:lvl1pPr>
+    <a:lvl2pPr marL="457200" algn="l" defTabSz="914400" rtl="0" eaLnBrk="1" latinLnBrk="0" hangingPunct="1">
+      <a:defRPr sz="1200" kern="1200">
+        <a:solidFill>
+          <a:schemeClr val="tx1"/>
+        </a:solidFill>
+        <a:latin typeface="+mn-lt"/>
+        <a:ea typeface="+mn-ea"/>
+        <a:cs typeface="+mn-cs"/>
+      </a:defRPr>
+    </a:lvl2pPr>
+    <a:lvl3pPr marL="914400" algn="l" defTabSz="914400" rtl="0" eaLnBrk="1" latinLnBrk="0" hangingPunct="1">
+      <a:defRPr sz="1200" kern="1200">
+        <a:solidFill>
+          <a:schemeClr val="tx1"/>
+        </a:solidFill>
+        <a:latin typeface="+mn-lt"/>
+        <a:ea typeface="+mn-ea"/>
+        <a:cs typeface="+mn-cs"/>
+      </a:defRPr>
+    </a:lvl3pPr>
+    <a:lvl4pPr marL="1371600" algn="l" defTabSz="914400" rtl="0" eaLnBrk="1" latinLnBrk="0" hangingPunct="1">
+      <a:defRPr sz="1200" kern="1200">
+        <a:solidFill>
+          <a:schemeClr val="tx1"/>
+        </a:solidFill>
+        <a:latin typeface="+mn-lt"/>
+        <a:ea typeface="+mn-ea"/>
+        <a:cs typeface="+mn-cs"/>
+      </a:defRPr>
+    </a:lvl4pPr>
+    <a:lvl5pPr marL="1828800" algn="l" defTabSz="914400" rtl="0" eaLnBrk="1" latinLnBrk="0" hangingPunct="1">
+      <a:defRPr sz="1200" kern="1200">
+        <a:solidFill>
+          <a:schemeClr val="tx1"/>
+        </a:solidFill>
+        <a:latin typeface="+mn-lt"/>
+        <a:ea typeface="+mn-ea"/>
+        <a:cs typeface="+mn-cs"/>
+      </a:defRPr>
+    </a:lvl5pPr>
+    <a:lvl6pPr marL="2286000" algn="l" defTabSz="914400" rtl="0" eaLnBrk="1" latinLnBrk="0" hangingPunct="1">
+      <a:defRPr sz="1200" kern="1200">
+        <a:solidFill>
+          <a:schemeClr val="tx1"/>
+        </a:solidFill>
+        <a:latin typeface="+mn-lt"/>
+        <a:ea typeface="+mn-ea"/>
+        <a:cs typeface="+mn-cs"/>
+      </a:defRPr>
+    </a:lvl6pPr>
+    <a:lvl7pPr marL="2743200" algn="l" defTabSz="914400" rtl="0" eaLnBrk="1" latinLnBrk="0" hangingPunct="1">
+      <a:defRPr sz="1200" kern="1200">
+        <a:solidFill>
+          <a:schemeClr val="tx1"/>
+        </a:solidFill>
+        <a:latin typeface="+mn-lt"/>
+        <a:ea typeface="+mn-ea"/>
+        <a:cs typeface="+mn-cs"/>
+      </a:defRPr>
+    </a:lvl7pPr>
+    <a:lvl8pPr marL="3200400" algn="l" defTabSz="914400" rtl="0" eaLnBrk="1" latinLnBrk="0" hangingPunct="1">
+      <a:defRPr sz="1200" kern="1200">
+        <a:solidFill>
+          <a:schemeClr val="tx1"/>
+        </a:solidFill>
+        <a:latin typeface="+mn-lt"/>
+        <a:ea typeface="+mn-ea"/>
+        <a:cs typeface="+mn-cs"/>
+      </a:defRPr>
+    </a:lvl8pPr>
+    <a:lvl9pPr marL="3657600" algn="l" defTabSz="914400" rtl="0" eaLnBrk="1" latinLnBrk="0" hangingPunct="1">
+      <a:defRPr sz="1200" kern="1200">
+        <a:solidFill>
+          <a:schemeClr val="tx1"/>
+        </a:solidFill>
+        <a:latin typeface="+mn-lt"/>
+        <a:ea typeface="+mn-ea"/>
+        <a:cs typeface="+mn-cs"/>
+      </a:defRPr>
+    </a:lvl9pPr>
+  </p:notesStyle>
+</p:notesMaster>
+</file>
+
+<file path=ppt/notesSlides/notesSlide1.xml><?xml version="1.0" encoding="utf-8"?>
+<p:notes xmlns:a="http://schemas.openxmlformats.org/drawingml/2006/main" xmlns:r="http://schemas.openxmlformats.org/officeDocument/2006/relationships" xmlns:p="http://schemas.openxmlformats.org/presentationml/2006/main" showMasterSp="0" showMasterPhAnim="0">
+  <p:cSld>
+    <p:spTree>
+      <p:nvGrpSpPr>
+        <p:cNvPr id="1" name="Shape 98"/>
+        <p:cNvGrpSpPr/>
+        <p:nvPr/>
+      </p:nvGrpSpPr>
+      <p:grpSpPr>
+        <a:xfrm>
+          <a:off x="0" y="0"/>
+          <a:ext cx="0" cy="0"/>
+          <a:chOff x="0" y="0"/>
+          <a:chExt cx="0" cy="0"/>
+        </a:xfrm>
+      </p:grpSpPr>
+      <p:sp>
+        <p:nvSpPr>
+          <p:cNvPr id="99" name="Google Shape;99;p6:notes"/>
+          <p:cNvSpPr txBox="1">
+            <a:spLocks noGrp="1"/>
+          </p:cNvSpPr>
+          <p:nvPr>
+            <p:ph type="body" idx="1"/>
+          </p:nvPr>
+        </p:nvSpPr>
+        <p:spPr>
+          <a:xfrm>
+            <a:off x="685800" y="4343400"/>
+            <a:ext cx="5486400" cy="4114800"/>
+          </a:xfrm>
+          <a:prstGeom prst="rect">
+            <a:avLst/>
+          </a:prstGeom>
+        </p:spPr>
+        <p:txBody>
+          <a:bodyPr spcFirstLastPara="1" wrap="square" lIns="91425" tIns="91425" rIns="91425" bIns="91425" anchor="t" anchorCtr="0">
+            <a:noAutofit/>
+          </a:bodyPr>
+          <a:lstStyle/>
+          <a:p>
+            <a:pPr marL="0" lvl="0" indent="0" algn="l" rtl="0">
+              <a:spcBef>
+                <a:spcPts val="0"/>
+              </a:spcBef>
+              <a:spcAft>
+                <a:spcPts val="0"/>
+              </a:spcAft>
+              <a:buNone/>
+            </a:pPr>
+            <a:endParaRPr/>
+          </a:p>
+        </p:txBody>
+      </p:sp>
+      <p:sp>
+        <p:nvSpPr>
+          <p:cNvPr id="100" name="Google Shape;100;p6:notes"/>
+          <p:cNvSpPr>
+            <a:spLocks noGrp="1" noRot="1" noChangeAspect="1"/>
+          </p:cNvSpPr>
+          <p:nvPr>
+            <p:ph type="sldImg" idx="2"/>
+          </p:nvPr>
+        </p:nvSpPr>
+        <p:spPr>
+          <a:xfrm>
+            <a:off x="1143225" y="685800"/>
+            <a:ext cx="4572225" cy="3429000"/>
+          </a:xfrm>
+          <a:custGeom>
+            <a:avLst/>
+            <a:gdLst/>
+            <a:ahLst/>
+            <a:cxnLst/>
+            <a:rect l="l" t="t" r="r" b="b"/>
+            <a:pathLst>
+              <a:path w="120000" h="120000" extrusionOk="0">
+                <a:moveTo>
+                  <a:pt x="0" y="0"/>
+                </a:moveTo>
+                <a:lnTo>
+                  <a:pt x="120000" y="0"/>
+                </a:lnTo>
+                <a:lnTo>
+                  <a:pt x="120000" y="120000"/>
+                </a:lnTo>
+                <a:lnTo>
+                  <a:pt x="0" y="120000"/>
+                </a:lnTo>
+                <a:close/>
+              </a:path>
+            </a:pathLst>
+          </a:custGeom>
+        </p:spPr>
+      </p:sp>
+    </p:spTree>
+  </p:cSld>
+  <p:clrMapOvr>
+    <a:masterClrMapping/>
+  </p:clrMapOvr>
+</p:notes>
+</file>
+
+<file path=ppt/notesSlides/notesSlide2.xml><?xml version="1.0" encoding="utf-8"?>
+<p:notes xmlns:a="http://schemas.openxmlformats.org/drawingml/2006/main" xmlns:r="http://schemas.openxmlformats.org/officeDocument/2006/relationships" xmlns:p="http://schemas.openxmlformats.org/presentationml/2006/main" showMasterSp="0" showMasterPhAnim="0">
+  <p:cSld>
+    <p:spTree>
+      <p:nvGrpSpPr>
+        <p:cNvPr id="1" name="Shape 104"/>
+        <p:cNvGrpSpPr/>
+        <p:nvPr/>
+      </p:nvGrpSpPr>
+      <p:grpSpPr>
+        <a:xfrm>
+          <a:off x="0" y="0"/>
+          <a:ext cx="0" cy="0"/>
+          <a:chOff x="0" y="0"/>
+          <a:chExt cx="0" cy="0"/>
+        </a:xfrm>
+      </p:grpSpPr>
+      <p:sp>
+        <p:nvSpPr>
+          <p:cNvPr id="105" name="Google Shape;105;p7:notes"/>
+          <p:cNvSpPr txBox="1">
+            <a:spLocks noGrp="1"/>
+          </p:cNvSpPr>
+          <p:nvPr>
+            <p:ph type="body" idx="1"/>
+          </p:nvPr>
+        </p:nvSpPr>
+        <p:spPr>
+          <a:xfrm>
+            <a:off x="685800" y="4343400"/>
+            <a:ext cx="5486400" cy="4114800"/>
+          </a:xfrm>
+          <a:prstGeom prst="rect">
+            <a:avLst/>
+          </a:prstGeom>
+        </p:spPr>
+        <p:txBody>
+          <a:bodyPr spcFirstLastPara="1" wrap="square" lIns="91425" tIns="91425" rIns="91425" bIns="91425" anchor="t" anchorCtr="0">
+            <a:noAutofit/>
+          </a:bodyPr>
+          <a:lstStyle/>
+          <a:p>
+            <a:pPr marL="0" lvl="0" indent="0" algn="l" rtl="0">
+              <a:spcBef>
+                <a:spcPts val="0"/>
+              </a:spcBef>
+              <a:spcAft>
+                <a:spcPts val="0"/>
+              </a:spcAft>
+              <a:buNone/>
+            </a:pPr>
+            <a:endParaRPr/>
+          </a:p>
+        </p:txBody>
+      </p:sp>
+      <p:sp>
+        <p:nvSpPr>
+          <p:cNvPr id="106" name="Google Shape;106;p7:notes"/>
+          <p:cNvSpPr>
+            <a:spLocks noGrp="1" noRot="1" noChangeAspect="1"/>
+          </p:cNvSpPr>
+          <p:nvPr>
+            <p:ph type="sldImg" idx="2"/>
+          </p:nvPr>
+        </p:nvSpPr>
+        <p:spPr>
+          <a:xfrm>
+            <a:off x="1143225" y="685800"/>
+            <a:ext cx="4572225" cy="3429000"/>
+          </a:xfrm>
+          <a:custGeom>
+            <a:avLst/>
+            <a:gdLst/>
+            <a:ahLst/>
+            <a:cxnLst/>
+            <a:rect l="l" t="t" r="r" b="b"/>
+            <a:pathLst>
+              <a:path w="120000" h="120000" extrusionOk="0">
+                <a:moveTo>
+                  <a:pt x="0" y="0"/>
+                </a:moveTo>
+                <a:lnTo>
+                  <a:pt x="120000" y="0"/>
+                </a:lnTo>
+                <a:lnTo>
+                  <a:pt x="120000" y="120000"/>
+                </a:lnTo>
+                <a:lnTo>
+                  <a:pt x="0" y="120000"/>
+                </a:lnTo>
+                <a:close/>
+              </a:path>
+            </a:pathLst>
+          </a:custGeom>
+        </p:spPr>
+      </p:sp>
+    </p:spTree>
+  </p:cSld>
+  <p:clrMapOvr>
+    <a:masterClrMapping/>
+  </p:clrMapOvr>
+</p:notes>
+</file>
+
+<file path=ppt/notesSlides/notesSlide3.xml><?xml version="1.0" encoding="utf-8"?>
+<p:notes xmlns:a="http://schemas.openxmlformats.org/drawingml/2006/main" xmlns:r="http://schemas.openxmlformats.org/officeDocument/2006/relationships" xmlns:p="http://schemas.openxmlformats.org/presentationml/2006/main" showMasterSp="0" showMasterPhAnim="0">
+  <p:cSld>
+    <p:spTree>
+      <p:nvGrpSpPr>
+        <p:cNvPr id="1" name="Shape 110"/>
+        <p:cNvGrpSpPr/>
+        <p:nvPr/>
+      </p:nvGrpSpPr>
+      <p:grpSpPr>
+        <a:xfrm>
+          <a:off x="0" y="0"/>
+          <a:ext cx="0" cy="0"/>
+          <a:chOff x="0" y="0"/>
+          <a:chExt cx="0" cy="0"/>
+        </a:xfrm>
+      </p:grpSpPr>
+      <p:sp>
+        <p:nvSpPr>
+          <p:cNvPr id="111" name="Google Shape;111;p8:notes"/>
+          <p:cNvSpPr txBox="1">
+            <a:spLocks noGrp="1"/>
+          </p:cNvSpPr>
+          <p:nvPr>
+            <p:ph type="body" idx="1"/>
+          </p:nvPr>
+        </p:nvSpPr>
+        <p:spPr>
+          <a:xfrm>
+            <a:off x="685800" y="4343400"/>
+            <a:ext cx="5486400" cy="4114800"/>
+          </a:xfrm>
+          <a:prstGeom prst="rect">
+            <a:avLst/>
+          </a:prstGeom>
+        </p:spPr>
+        <p:txBody>
+          <a:bodyPr spcFirstLastPara="1" wrap="square" lIns="91425" tIns="91425" rIns="91425" bIns="91425" anchor="t" anchorCtr="0">
+            <a:noAutofit/>
+          </a:bodyPr>
+          <a:lstStyle/>
+          <a:p>
+            <a:pPr marL="0" lvl="0" indent="0" algn="l" rtl="0">
+              <a:spcBef>
+                <a:spcPts val="0"/>
+              </a:spcBef>
+              <a:spcAft>
+                <a:spcPts val="0"/>
+              </a:spcAft>
+              <a:buNone/>
+            </a:pPr>
+            <a:endParaRPr/>
+          </a:p>
+        </p:txBody>
+      </p:sp>
+      <p:sp>
+        <p:nvSpPr>
+          <p:cNvPr id="112" name="Google Shape;112;p8:notes"/>
+          <p:cNvSpPr>
+            <a:spLocks noGrp="1" noRot="1" noChangeAspect="1"/>
+          </p:cNvSpPr>
+          <p:nvPr>
+            <p:ph type="sldImg" idx="2"/>
+          </p:nvPr>
+        </p:nvSpPr>
+        <p:spPr>
+          <a:xfrm>
+            <a:off x="1143225" y="685800"/>
+            <a:ext cx="4572225" cy="3429000"/>
+          </a:xfrm>
+          <a:custGeom>
+            <a:avLst/>
+            <a:gdLst/>
+            <a:ahLst/>
+            <a:cxnLst/>
+            <a:rect l="l" t="t" r="r" b="b"/>
+            <a:pathLst>
+              <a:path w="120000" h="120000" extrusionOk="0">
+                <a:moveTo>
+                  <a:pt x="0" y="0"/>
+                </a:moveTo>
+                <a:lnTo>
+                  <a:pt x="120000" y="0"/>
+                </a:lnTo>
+                <a:lnTo>
+                  <a:pt x="120000" y="120000"/>
+                </a:lnTo>
+                <a:lnTo>
+                  <a:pt x="0" y="120000"/>
+                </a:lnTo>
+                <a:close/>
+              </a:path>
+            </a:pathLst>
+          </a:custGeom>
+        </p:spPr>
+      </p:sp>
+    </p:spTree>
+  </p:cSld>
+  <p:clrMapOvr>
+    <a:masterClrMapping/>
+  </p:clrMapOvr>
+</p:notes>
+</file>
+
+<file path=ppt/notesSlides/notesSlide4.xml><?xml version="1.0" encoding="utf-8"?>
+<p:notes xmlns:a="http://schemas.openxmlformats.org/drawingml/2006/main" xmlns:r="http://schemas.openxmlformats.org/officeDocument/2006/relationships" xmlns:p="http://schemas.openxmlformats.org/presentationml/2006/main" showMasterSp="0" showMasterPhAnim="0">
+  <p:cSld>
+    <p:spTree>
+      <p:nvGrpSpPr>
+        <p:cNvPr id="1" name="Shape 134"/>
+        <p:cNvGrpSpPr/>
+        <p:nvPr/>
+      </p:nvGrpSpPr>
+      <p:grpSpPr>
+        <a:xfrm>
+          <a:off x="0" y="0"/>
+          <a:ext cx="0" cy="0"/>
+          <a:chOff x="0" y="0"/>
+          <a:chExt cx="0" cy="0"/>
+        </a:xfrm>
+      </p:grpSpPr>
+      <p:sp>
+        <p:nvSpPr>
+          <p:cNvPr id="135" name="Google Shape;135;p12:notes"/>
+          <p:cNvSpPr txBox="1">
+            <a:spLocks noGrp="1"/>
+          </p:cNvSpPr>
+          <p:nvPr>
+            <p:ph type="body" idx="1"/>
+          </p:nvPr>
+        </p:nvSpPr>
+        <p:spPr>
+          <a:xfrm>
+            <a:off x="685800" y="4343400"/>
+            <a:ext cx="5486400" cy="4114800"/>
+          </a:xfrm>
+          <a:prstGeom prst="rect">
+            <a:avLst/>
+          </a:prstGeom>
+        </p:spPr>
+        <p:txBody>
+          <a:bodyPr spcFirstLastPara="1" wrap="square" lIns="91425" tIns="91425" rIns="91425" bIns="91425" anchor="t" anchorCtr="0">
+            <a:noAutofit/>
+          </a:bodyPr>
+          <a:lstStyle/>
+          <a:p>
+            <a:pPr marL="0" lvl="0" indent="0" algn="l" rtl="0">
+              <a:spcBef>
+                <a:spcPts val="0"/>
+              </a:spcBef>
+              <a:spcAft>
+                <a:spcPts val="0"/>
+              </a:spcAft>
+              <a:buNone/>
+            </a:pPr>
+            <a:endParaRPr/>
+          </a:p>
+        </p:txBody>
+      </p:sp>
+      <p:sp>
+        <p:nvSpPr>
+          <p:cNvPr id="136" name="Google Shape;136;p12:notes"/>
+          <p:cNvSpPr>
+            <a:spLocks noGrp="1" noRot="1" noChangeAspect="1"/>
+          </p:cNvSpPr>
+          <p:nvPr>
+            <p:ph type="sldImg" idx="2"/>
+          </p:nvPr>
+        </p:nvSpPr>
+        <p:spPr>
+          <a:xfrm>
+            <a:off x="1143225" y="685800"/>
+            <a:ext cx="4572225" cy="3429000"/>
+          </a:xfrm>
+          <a:custGeom>
+            <a:avLst/>
+            <a:gdLst/>
+            <a:ahLst/>
+            <a:cxnLst/>
+            <a:rect l="l" t="t" r="r" b="b"/>
+            <a:pathLst>
+              <a:path w="120000" h="120000" extrusionOk="0">
+                <a:moveTo>
+                  <a:pt x="0" y="0"/>
+                </a:moveTo>
+                <a:lnTo>
+                  <a:pt x="120000" y="0"/>
+                </a:lnTo>
+                <a:lnTo>
+                  <a:pt x="120000" y="120000"/>
+                </a:lnTo>
+                <a:lnTo>
+                  <a:pt x="0" y="120000"/>
+                </a:lnTo>
+                <a:close/>
+              </a:path>
+            </a:pathLst>
+          </a:custGeom>
+        </p:spPr>
+      </p:sp>
+    </p:spTree>
+  </p:cSld>
+  <p:clrMapOvr>
+    <a:masterClrMapping/>
+  </p:clrMapOvr>
+</p:notes>
 </file>
 
 <file path=ppt/slideLayouts/slideLayout1.xml><?xml version="1.0" encoding="utf-8"?>
@@ -1616,7 +2398,7 @@
           <a:p>
             <a:fld id="{C1691109-F4F8-4597-962C-A4F4B7960636}" type="datetimeFigureOut">
               <a:rPr lang="en-US" smtClean="0"/>
-              <a:t>7/3/2024</a:t>
+              <a:t>7/5/2024</a:t>
             </a:fld>
             <a:endParaRPr lang="en-US"/>
           </a:p>
@@ -1814,7 +2596,7 @@
           <a:p>
             <a:fld id="{C1691109-F4F8-4597-962C-A4F4B7960636}" type="datetimeFigureOut">
               <a:rPr lang="en-US" smtClean="0"/>
-              <a:t>7/3/2024</a:t>
+              <a:t>7/5/2024</a:t>
             </a:fld>
             <a:endParaRPr lang="en-US"/>
           </a:p>
@@ -2024,7 +2806,7 @@
           <a:p>
             <a:fld id="{C1691109-F4F8-4597-962C-A4F4B7960636}" type="datetimeFigureOut">
               <a:rPr lang="en-US" smtClean="0"/>
-              <a:t>7/3/2024</a:t>
+              <a:t>7/5/2024</a:t>
             </a:fld>
             <a:endParaRPr lang="en-US"/>
           </a:p>
@@ -2222,7 +3004,7 @@
           <a:p>
             <a:fld id="{C1691109-F4F8-4597-962C-A4F4B7960636}" type="datetimeFigureOut">
               <a:rPr lang="en-US" smtClean="0"/>
-              <a:t>7/3/2024</a:t>
+              <a:t>7/5/2024</a:t>
             </a:fld>
             <a:endParaRPr lang="en-US"/>
           </a:p>
@@ -2500,7 +3282,7 @@
           <a:p>
             <a:fld id="{C1691109-F4F8-4597-962C-A4F4B7960636}" type="datetimeFigureOut">
               <a:rPr lang="en-US" smtClean="0"/>
-              <a:t>7/3/2024</a:t>
+              <a:t>7/5/2024</a:t>
             </a:fld>
             <a:endParaRPr lang="en-US"/>
           </a:p>
@@ -2767,7 +3549,7 @@
           <a:p>
             <a:fld id="{C1691109-F4F8-4597-962C-A4F4B7960636}" type="datetimeFigureOut">
               <a:rPr lang="en-US" smtClean="0"/>
-              <a:t>7/3/2024</a:t>
+              <a:t>7/5/2024</a:t>
             </a:fld>
             <a:endParaRPr lang="en-US"/>
           </a:p>
@@ -3179,7 +3961,7 @@
           <a:p>
             <a:fld id="{C1691109-F4F8-4597-962C-A4F4B7960636}" type="datetimeFigureOut">
               <a:rPr lang="en-US" smtClean="0"/>
-              <a:t>7/3/2024</a:t>
+              <a:t>7/5/2024</a:t>
             </a:fld>
             <a:endParaRPr lang="en-US"/>
           </a:p>
@@ -3292,7 +4074,7 @@
           <a:p>
             <a:fld id="{C1691109-F4F8-4597-962C-A4F4B7960636}" type="datetimeFigureOut">
               <a:rPr lang="en-US" smtClean="0"/>
-              <a:t>7/3/2024</a:t>
+              <a:t>7/5/2024</a:t>
             </a:fld>
             <a:endParaRPr lang="en-US"/>
           </a:p>
@@ -4785,7 +5567,7 @@
           <a:p>
             <a:fld id="{C1691109-F4F8-4597-962C-A4F4B7960636}" type="datetimeFigureOut">
               <a:rPr lang="en-US" smtClean="0"/>
-              <a:t>7/3/2024</a:t>
+              <a:t>7/5/2024</a:t>
             </a:fld>
             <a:endParaRPr lang="en-US"/>
           </a:p>
@@ -5102,7 +5884,7 @@
           <a:p>
             <a:fld id="{C1691109-F4F8-4597-962C-A4F4B7960636}" type="datetimeFigureOut">
               <a:rPr lang="en-US" smtClean="0"/>
-              <a:t>7/3/2024</a:t>
+              <a:t>7/5/2024</a:t>
             </a:fld>
             <a:endParaRPr lang="en-US"/>
           </a:p>
@@ -5398,7 +6180,7 @@
           <a:p>
             <a:fld id="{C1691109-F4F8-4597-962C-A4F4B7960636}" type="datetimeFigureOut">
               <a:rPr lang="en-US" smtClean="0"/>
-              <a:t>7/3/2024</a:t>
+              <a:t>7/5/2024</a:t>
             </a:fld>
             <a:endParaRPr lang="en-US"/>
           </a:p>
@@ -6920,7 +7702,7 @@
           <a:p>
             <a:fld id="{C1691109-F4F8-4597-962C-A4F4B7960636}" type="datetimeFigureOut">
               <a:rPr lang="en-US" smtClean="0"/>
-              <a:t>7/3/2024</a:t>
+              <a:t>7/5/2024</a:t>
             </a:fld>
             <a:endParaRPr lang="en-US"/>
           </a:p>
@@ -8960,10 +9742,10 @@
       </p:grpSpPr>
       <p:pic>
         <p:nvPicPr>
-          <p:cNvPr id="3" name="Imagen 2" descr="Gráfico, Gráfico de dispersión&#10;&#10;Descripción generada automáticamente">
+          <p:cNvPr id="3" name="Imagen 2">
             <a:extLst>
               <a:ext uri="{FF2B5EF4-FFF2-40B4-BE49-F238E27FC236}">
-                <a16:creationId xmlns:a16="http://schemas.microsoft.com/office/drawing/2014/main" id="{D680BBF0-D262-7709-D837-CA9497BB0F21}"/>
+                <a16:creationId xmlns:a16="http://schemas.microsoft.com/office/drawing/2014/main" id="{253C4E63-25EA-E66B-B2E9-A0A1399FD3F8}"/>
               </a:ext>
             </a:extLst>
           </p:cNvPr>
@@ -8973,57 +9755,15 @@
           <p:nvPr/>
         </p:nvPicPr>
         <p:blipFill>
-          <a:blip r:embed="rId2">
-            <a:extLst>
-              <a:ext uri="{28A0092B-C50C-407E-A947-70E740481C1C}">
-                <a14:useLocalDpi xmlns:a14="http://schemas.microsoft.com/office/drawing/2010/main" val="0"/>
-              </a:ext>
-            </a:extLst>
-          </a:blip>
+          <a:blip r:embed="rId2"/>
           <a:stretch>
             <a:fillRect/>
           </a:stretch>
         </p:blipFill>
         <p:spPr>
           <a:xfrm>
-            <a:off x="286871" y="239358"/>
-            <a:ext cx="5158292" cy="2579146"/>
-          </a:xfrm>
-          <a:prstGeom prst="rect">
-            <a:avLst/>
-          </a:prstGeom>
-        </p:spPr>
-      </p:pic>
-      <p:pic>
-        <p:nvPicPr>
-          <p:cNvPr id="5" name="Imagen 4" descr="Gráfico, Gráfico de barras&#10;&#10;Descripción generada automáticamente">
-            <a:extLst>
-              <a:ext uri="{FF2B5EF4-FFF2-40B4-BE49-F238E27FC236}">
-                <a16:creationId xmlns:a16="http://schemas.microsoft.com/office/drawing/2014/main" id="{AF6D783A-F75B-871B-99C9-AA39CCF6C805}"/>
-              </a:ext>
-            </a:extLst>
-          </p:cNvPr>
-          <p:cNvPicPr>
-            <a:picLocks noChangeAspect="1"/>
-          </p:cNvPicPr>
-          <p:nvPr/>
-        </p:nvPicPr>
-        <p:blipFill>
-          <a:blip r:embed="rId3">
-            <a:extLst>
-              <a:ext uri="{28A0092B-C50C-407E-A947-70E740481C1C}">
-                <a14:useLocalDpi xmlns:a14="http://schemas.microsoft.com/office/drawing/2010/main" val="0"/>
-              </a:ext>
-            </a:extLst>
-          </a:blip>
-          <a:stretch>
-            <a:fillRect/>
-          </a:stretch>
-        </p:blipFill>
-        <p:spPr>
-          <a:xfrm>
-            <a:off x="286871" y="2956261"/>
-            <a:ext cx="5317863" cy="3662381"/>
+            <a:off x="479108" y="1140311"/>
+            <a:ext cx="5829247" cy="3894268"/>
           </a:xfrm>
           <a:prstGeom prst="rect">
             <a:avLst/>
@@ -9032,10 +9772,10 @@
       </p:pic>
       <p:sp>
         <p:nvSpPr>
-          <p:cNvPr id="6" name="CuadroTexto 5">
+          <p:cNvPr id="4" name="CuadroTexto 3">
             <a:extLst>
               <a:ext uri="{FF2B5EF4-FFF2-40B4-BE49-F238E27FC236}">
-                <a16:creationId xmlns:a16="http://schemas.microsoft.com/office/drawing/2014/main" id="{1B4076F8-7472-7249-B026-5F04B9AA01ED}"/>
+                <a16:creationId xmlns:a16="http://schemas.microsoft.com/office/drawing/2014/main" id="{F63FC941-A452-65A3-6668-5ADE6D3DE44E}"/>
               </a:ext>
             </a:extLst>
           </p:cNvPr>
@@ -9044,8 +9784,8 @@
         </p:nvSpPr>
         <p:spPr>
           <a:xfrm>
-            <a:off x="6096000" y="239358"/>
-            <a:ext cx="5387788" cy="6832640"/>
+            <a:off x="7046259" y="1004047"/>
+            <a:ext cx="4509247" cy="5632311"/>
           </a:xfrm>
           <a:prstGeom prst="rect">
             <a:avLst/>
@@ -9059,126 +9799,17 @@
           <a:lstStyle/>
           <a:p>
             <a:r>
-              <a:rPr lang="es-MX" sz="1400" b="0" dirty="0">
-                <a:effectLst/>
-                <a:latin typeface="Consolas" panose="020B0609020204030204" pitchFamily="49" charset="0"/>
-              </a:rPr>
-              <a:t>Se realizo una </a:t>
-            </a:r>
-            <a:r>
-              <a:rPr lang="es-MX" sz="1400" b="0" dirty="0" err="1">
-                <a:effectLst/>
-                <a:latin typeface="Consolas" panose="020B0609020204030204" pitchFamily="49" charset="0"/>
-              </a:rPr>
-              <a:t>segmentacion</a:t>
-            </a:r>
-            <a:r>
-              <a:rPr lang="es-MX" sz="1400" b="0" dirty="0">
-                <a:effectLst/>
-                <a:latin typeface="Consolas" panose="020B0609020204030204" pitchFamily="49" charset="0"/>
-              </a:rPr>
-              <a:t> de cliente con base en la frecuencia con la que compran en la tienda, el monto que suelen gastar en sus compras y el tiempo transcurrido desde su ultima </a:t>
-            </a:r>
-            <a:r>
-              <a:rPr lang="es-MX" sz="1400" b="0" dirty="0" err="1">
-                <a:effectLst/>
-                <a:latin typeface="Consolas" panose="020B0609020204030204" pitchFamily="49" charset="0"/>
-              </a:rPr>
-              <a:t>combra</a:t>
-            </a:r>
-            <a:r>
-              <a:rPr lang="es-MX" sz="1400" b="0" dirty="0">
-                <a:effectLst/>
-                <a:latin typeface="Consolas" panose="020B0609020204030204" pitchFamily="49" charset="0"/>
-              </a:rPr>
-              <a:t>. Se obtuvieron 5 segmentos que dividen a los clientes en:</a:t>
-            </a:r>
-          </a:p>
-          <a:p>
-            <a:r>
-              <a:rPr lang="es-MX" sz="1400" b="0" dirty="0">
-                <a:effectLst/>
-                <a:latin typeface="Consolas" panose="020B0609020204030204" pitchFamily="49" charset="0"/>
-              </a:rPr>
-              <a:t>- *Potencial*: Son clientes con actividad superior a la media, en los cuales podemos en formar </a:t>
-            </a:r>
-            <a:r>
-              <a:rPr lang="es-MX" sz="1400" b="0" dirty="0" err="1">
-                <a:effectLst/>
-                <a:latin typeface="Consolas" panose="020B0609020204030204" pitchFamily="49" charset="0"/>
-              </a:rPr>
-              <a:t>algun</a:t>
-            </a:r>
-            <a:r>
-              <a:rPr lang="es-MX" sz="1400" b="0" dirty="0">
-                <a:effectLst/>
-                <a:latin typeface="Consolas" panose="020B0609020204030204" pitchFamily="49" charset="0"/>
-              </a:rPr>
-              <a:t> programa especifico para incentivarlos a convertirlos en clientes leales o de alto valor.</a:t>
-            </a:r>
-          </a:p>
-          <a:p>
-            <a:r>
-              <a:rPr lang="es-MX" sz="1400" b="0" dirty="0">
-                <a:effectLst/>
-                <a:latin typeface="Consolas" panose="020B0609020204030204" pitchFamily="49" charset="0"/>
-              </a:rPr>
-              <a:t>- *Leal*: En este grupo encontraremos a los clientes </a:t>
-            </a:r>
-            <a:r>
-              <a:rPr lang="es-MX" sz="1400" b="0" dirty="0" err="1">
-                <a:effectLst/>
-                <a:latin typeface="Consolas" panose="020B0609020204030204" pitchFamily="49" charset="0"/>
-              </a:rPr>
-              <a:t>aliosos</a:t>
-            </a:r>
-            <a:r>
-              <a:rPr lang="es-MX" sz="1400" b="0" dirty="0">
-                <a:effectLst/>
-                <a:latin typeface="Consolas" panose="020B0609020204030204" pitchFamily="49" charset="0"/>
-              </a:rPr>
-              <a:t> para la empresa, ya que son propensos a realizar compras repetidas y recomendar nuestros productos o servicios a otros.</a:t>
-            </a:r>
-          </a:p>
-          <a:p>
-            <a:r>
-              <a:rPr lang="es-MX" sz="1400" b="0" dirty="0">
-                <a:effectLst/>
-                <a:latin typeface="Consolas" panose="020B0609020204030204" pitchFamily="49" charset="0"/>
-              </a:rPr>
-              <a:t>- *Activo*: Clientes que utilizan compran nuestros productos de manera regular, sin llegar a superar el promedio de compras o visitas. Este segmento representa la mayor oportunidad de crecimiento para la empresa. Se deben implementar estrategias para aumentar la satisfacción y la lealtad de estos clientes.</a:t>
-            </a:r>
-          </a:p>
-          <a:p>
-            <a:r>
-              <a:rPr lang="es-MX" sz="1400" b="0" dirty="0">
-                <a:effectLst/>
-                <a:latin typeface="Consolas" panose="020B0609020204030204" pitchFamily="49" charset="0"/>
-              </a:rPr>
-              <a:t>- *Alto valor*: Estos clientes generan la mayor parte de los ingresos para la empresa. Es importante enfocarse en este segmento para mantener su satisfacción y lealtad.</a:t>
-            </a:r>
-          </a:p>
-          <a:p>
-            <a:r>
-              <a:rPr lang="es-MX" sz="1400" b="0" dirty="0">
-                <a:effectLst/>
-                <a:latin typeface="Consolas" panose="020B0609020204030204" pitchFamily="49" charset="0"/>
-              </a:rPr>
-              <a:t>- *Cliente </a:t>
-            </a:r>
-            <a:r>
-              <a:rPr lang="es-MX" sz="1400" b="0" dirty="0" err="1">
-                <a:effectLst/>
-                <a:latin typeface="Consolas" panose="020B0609020204030204" pitchFamily="49" charset="0"/>
-              </a:rPr>
-              <a:t>Churn</a:t>
-            </a:r>
-            <a:r>
-              <a:rPr lang="es-MX" sz="1400" b="0" dirty="0">
-                <a:effectLst/>
-                <a:latin typeface="Consolas" panose="020B0609020204030204" pitchFamily="49" charset="0"/>
-              </a:rPr>
-              <a:t>*: Estos clientes ya no compran nuestros productos. Es de vital importancia enfocarse en este segmento y analizar las razones por las que estos clientes se han perdido y tomar medidas para evitar que otros clientes se pierdan en el futuro.</a:t>
+              <a:rPr lang="es-MX" b="0" dirty="0">
+                <a:solidFill>
+                  <a:srgbClr val="ABB2BF"/>
+                </a:solidFill>
+                <a:effectLst/>
+                <a:highlight>
+                  <a:srgbClr val="23272E"/>
+                </a:highlight>
+                <a:latin typeface="Consolas" panose="020B0609020204030204" pitchFamily="49" charset="0"/>
+              </a:rPr>
+              <a:t>En este análisis, excluimos intencionalmente los dos valores atípicos del gráfico anterior para enfocarnos en la evolución del promedio de compra de manera más detallada. Observamos que la mayoría de los clientes tienen un promedio de compra por debajo de los 1000, pero también notamos una cantidad significativa de clientes cuyo promedio supera esta cifra. Para mejorar estos resultados, se pueden implementar estrategias como las mencionadas anteriormente para incentivar a los clientes con promedios de compra inferiores a 1000 a aumentar sus compras hacia este umbral o lo más cercano posible a él.</a:t>
             </a:r>
           </a:p>
           <a:p>
@@ -9189,7 +9820,7 @@
     </p:spTree>
     <p:extLst>
       <p:ext uri="{BB962C8B-B14F-4D97-AF65-F5344CB8AC3E}">
-        <p14:creationId xmlns:p14="http://schemas.microsoft.com/office/powerpoint/2010/main" val="2250166912"/>
+        <p14:creationId xmlns:p14="http://schemas.microsoft.com/office/powerpoint/2010/main" val="2041614470"/>
       </p:ext>
     </p:extLst>
   </p:cSld>
@@ -9204,7 +9835,7 @@
   <p:cSld>
     <p:spTree>
       <p:nvGrpSpPr>
-        <p:cNvPr id="1" name=""/>
+        <p:cNvPr id="1" name="Shape 137"/>
         <p:cNvGrpSpPr/>
         <p:nvPr/>
       </p:nvGrpSpPr>
@@ -9216,66 +9847,95 @@
           <a:chExt cx="0" cy="0"/>
         </a:xfrm>
       </p:grpSpPr>
+      <p:pic>
+        <p:nvPicPr>
+          <p:cNvPr id="138" name="Google Shape;138;p21"/>
+          <p:cNvPicPr preferRelativeResize="0"/>
+          <p:nvPr/>
+        </p:nvPicPr>
+        <p:blipFill rotWithShape="1">
+          <a:blip r:embed="rId3">
+            <a:alphaModFix/>
+          </a:blip>
+          <a:srcRect/>
+          <a:stretch/>
+        </p:blipFill>
+        <p:spPr>
+          <a:xfrm>
+            <a:off x="738641" y="656216"/>
+            <a:ext cx="6246426" cy="4740537"/>
+          </a:xfrm>
+          <a:prstGeom prst="rect">
+            <a:avLst/>
+          </a:prstGeom>
+          <a:noFill/>
+          <a:ln>
+            <a:noFill/>
+          </a:ln>
+        </p:spPr>
+      </p:pic>
       <p:sp>
         <p:nvSpPr>
-          <p:cNvPr id="2" name="Título 1">
-            <a:extLst>
-              <a:ext uri="{FF2B5EF4-FFF2-40B4-BE49-F238E27FC236}">
-                <a16:creationId xmlns:a16="http://schemas.microsoft.com/office/drawing/2014/main" id="{3FCFE1C6-315D-E65E-2532-6E013B22D409}"/>
-              </a:ext>
-            </a:extLst>
-          </p:cNvPr>
-          <p:cNvSpPr>
-            <a:spLocks noGrp="1"/>
-          </p:cNvSpPr>
-          <p:nvPr>
-            <p:ph type="ctrTitle"/>
-          </p:nvPr>
+          <p:cNvPr id="139" name="Google Shape;139;p21"/>
+          <p:cNvSpPr txBox="1"/>
+          <p:nvPr/>
         </p:nvSpPr>
-        <p:spPr/>
+        <p:spPr>
+          <a:xfrm>
+            <a:off x="7571625" y="1270000"/>
+            <a:ext cx="3870600" cy="4172700"/>
+          </a:xfrm>
+          <a:prstGeom prst="rect">
+            <a:avLst/>
+          </a:prstGeom>
+          <a:noFill/>
+          <a:ln>
+            <a:noFill/>
+          </a:ln>
+        </p:spPr>
         <p:txBody>
-          <a:bodyPr/>
+          <a:bodyPr spcFirstLastPara="1" wrap="square" lIns="91425" tIns="91425" rIns="91425" bIns="91425" anchor="t" anchorCtr="0">
+            <a:noAutofit/>
+          </a:bodyPr>
           <a:lstStyle/>
           <a:p>
-            <a:r>
-              <a:rPr lang="en-US" dirty="0" err="1"/>
-              <a:t>Modelo</a:t>
-            </a:r>
-            <a:endParaRPr lang="es-MX" dirty="0"/>
-          </a:p>
-        </p:txBody>
-      </p:sp>
-      <p:sp>
-        <p:nvSpPr>
-          <p:cNvPr id="3" name="Subtítulo 2">
-            <a:extLst>
-              <a:ext uri="{FF2B5EF4-FFF2-40B4-BE49-F238E27FC236}">
-                <a16:creationId xmlns:a16="http://schemas.microsoft.com/office/drawing/2014/main" id="{E9FD6347-E92D-AACB-9FDB-A37B1B6B9221}"/>
-              </a:ext>
-            </a:extLst>
-          </p:cNvPr>
-          <p:cNvSpPr>
-            <a:spLocks noGrp="1"/>
-          </p:cNvSpPr>
-          <p:nvPr>
-            <p:ph type="subTitle" idx="1"/>
-          </p:nvPr>
-        </p:nvSpPr>
-        <p:spPr/>
-        <p:txBody>
-          <a:bodyPr/>
-          <a:lstStyle/>
-          <a:p>
-            <a:endParaRPr lang="es-MX"/>
+            <a:pPr marL="0" lvl="0" indent="0" algn="l" rtl="0">
+              <a:spcBef>
+                <a:spcPts val="0"/>
+              </a:spcBef>
+              <a:spcAft>
+                <a:spcPts val="0"/>
+              </a:spcAft>
+              <a:buNone/>
+            </a:pPr>
+            <a:r>
+              <a:rPr lang="es-MX" sz="1800" dirty="0">
+                <a:solidFill>
+                  <a:srgbClr val="111111"/>
+                </a:solidFill>
+                <a:highlight>
+                  <a:srgbClr val="F7F7F7"/>
+                </a:highlight>
+                <a:latin typeface="Consolas"/>
+                <a:ea typeface="Consolas"/>
+                <a:cs typeface="Consolas"/>
+                <a:sym typeface="Consolas"/>
+              </a:rPr>
+              <a:t>En esta gráfica podemos ver los productos más vendidos. Una solución para aumentar el porcentaje de venta de los productos menos populares podría ser vincularlos con aquellos que tienen mayores ventas o, en su defecto, eliminarlos para dar espacio a otros artículos que puedan generar una mayor rentabilidad.</a:t>
+            </a:r>
+            <a:endParaRPr sz="3800" dirty="0">
+              <a:solidFill>
+                <a:schemeClr val="dk1"/>
+              </a:solidFill>
+              <a:latin typeface="Consolas"/>
+              <a:ea typeface="Consolas"/>
+              <a:cs typeface="Consolas"/>
+              <a:sym typeface="Consolas"/>
+            </a:endParaRPr>
           </a:p>
         </p:txBody>
       </p:sp>
     </p:spTree>
-    <p:extLst>
-      <p:ext uri="{BB962C8B-B14F-4D97-AF65-F5344CB8AC3E}">
-        <p14:creationId xmlns:p14="http://schemas.microsoft.com/office/powerpoint/2010/main" val="3481479923"/>
-      </p:ext>
-    </p:extLst>
   </p:cSld>
   <p:clrMapOvr>
     <a:masterClrMapping/>
@@ -9300,42 +9960,12 @@
           <a:chExt cx="0" cy="0"/>
         </a:xfrm>
       </p:grpSpPr>
-    </p:spTree>
-    <p:extLst>
-      <p:ext uri="{BB962C8B-B14F-4D97-AF65-F5344CB8AC3E}">
-        <p14:creationId xmlns:p14="http://schemas.microsoft.com/office/powerpoint/2010/main" val="1492005602"/>
-      </p:ext>
-    </p:extLst>
-  </p:cSld>
-  <p:clrMapOvr>
-    <a:masterClrMapping/>
-  </p:clrMapOvr>
-</p:sld>
-</file>
-
-<file path=ppt/slides/slide13.xml><?xml version="1.0" encoding="utf-8"?>
-<p:sld xmlns:a="http://schemas.openxmlformats.org/drawingml/2006/main" xmlns:r="http://schemas.openxmlformats.org/officeDocument/2006/relationships" xmlns:p="http://schemas.openxmlformats.org/presentationml/2006/main">
-  <p:cSld>
-    <p:spTree>
-      <p:nvGrpSpPr>
-        <p:cNvPr id="1" name=""/>
-        <p:cNvGrpSpPr/>
-        <p:nvPr/>
-      </p:nvGrpSpPr>
-      <p:grpSpPr>
-        <a:xfrm>
-          <a:off x="0" y="0"/>
-          <a:ext cx="0" cy="0"/>
-          <a:chOff x="0" y="0"/>
-          <a:chExt cx="0" cy="0"/>
-        </a:xfrm>
-      </p:grpSpPr>
       <p:sp>
         <p:nvSpPr>
           <p:cNvPr id="2" name="CuadroTexto 1">
             <a:extLst>
               <a:ext uri="{FF2B5EF4-FFF2-40B4-BE49-F238E27FC236}">
-                <a16:creationId xmlns:a16="http://schemas.microsoft.com/office/drawing/2014/main" id="{B5809274-CD51-9311-5EB3-2FA86A86F369}"/>
+                <a16:creationId xmlns:a16="http://schemas.microsoft.com/office/drawing/2014/main" id="{09F9EA8D-AD7C-8990-BBA7-F8E313A2C721}"/>
               </a:ext>
             </a:extLst>
           </p:cNvPr>
@@ -9344,8 +9974,8 @@
         </p:nvSpPr>
         <p:spPr>
           <a:xfrm>
-            <a:off x="367553" y="0"/>
-            <a:ext cx="11187953" cy="1862048"/>
+            <a:off x="851647" y="1819836"/>
+            <a:ext cx="10040470" cy="4247317"/>
           </a:xfrm>
           <a:prstGeom prst="rect">
             <a:avLst/>
@@ -9358,50 +9988,93 @@
           </a:bodyPr>
           <a:lstStyle/>
           <a:p>
-            <a:r>
-              <a:rPr lang="en-US" sz="11500" dirty="0"/>
-              <a:t>Insights</a:t>
-            </a:r>
+            <a:br>
+              <a:rPr lang="es-MX" b="0" dirty="0">
+                <a:solidFill>
+                  <a:srgbClr val="ABB2BF"/>
+                </a:solidFill>
+                <a:effectLst/>
+                <a:highlight>
+                  <a:srgbClr val="23272E"/>
+                </a:highlight>
+                <a:latin typeface="Consolas" panose="020B0609020204030204" pitchFamily="49" charset="0"/>
+              </a:rPr>
+            </a:br>
+            <a:r>
+              <a:rPr lang="es-MX" b="0" dirty="0">
+                <a:solidFill>
+                  <a:srgbClr val="ABB2BF"/>
+                </a:solidFill>
+                <a:effectLst/>
+                <a:highlight>
+                  <a:srgbClr val="23272E"/>
+                </a:highlight>
+                <a:latin typeface="Consolas" panose="020B0609020204030204" pitchFamily="49" charset="0"/>
+              </a:rPr>
+              <a:t>Basado en el análisis realizado, se destacan varios puntos clave. Los meses de septiembre, octubre y noviembre muestran un notable aumento en el número de facturaciones mensuales, indicando que son los períodos de mayor actividad y ventas para la empresa. Sin embargo, el mes de diciembre presenta una disminución significativa en las ventas, señalando una oportunidad para implementar estrategias que puedan mejorar el desempeño durante este mes crucial. Además, es relevante notar que el </a:t>
+            </a:r>
+            <a:r>
+              <a:rPr lang="es-MX" b="0" dirty="0" err="1">
+                <a:solidFill>
+                  <a:srgbClr val="ABB2BF"/>
+                </a:solidFill>
+                <a:effectLst/>
+                <a:highlight>
+                  <a:srgbClr val="23272E"/>
+                </a:highlight>
+                <a:latin typeface="Consolas" panose="020B0609020204030204" pitchFamily="49" charset="0"/>
+              </a:rPr>
+              <a:t>dataset</a:t>
+            </a:r>
+            <a:r>
+              <a:rPr lang="es-MX" b="0" dirty="0">
+                <a:solidFill>
+                  <a:srgbClr val="ABB2BF"/>
+                </a:solidFill>
+                <a:effectLst/>
+                <a:highlight>
+                  <a:srgbClr val="23272E"/>
+                </a:highlight>
+                <a:latin typeface="Consolas" panose="020B0609020204030204" pitchFamily="49" charset="0"/>
+              </a:rPr>
+              <a:t> solo incluye registros del mes de diciembre de 2019, lo cual limita la visión histórica completa de los patrones de ventas anuales. Estos hallazgos subrayan la importancia de ajustar las estrategias de marketing y ventas para capitalizar los períodos de alta demanda y mejorar el rendimiento en los meses de menor actividad.</a:t>
+            </a:r>
+          </a:p>
+          <a:p>
+            <a:br>
+              <a:rPr lang="es-MX" b="0" dirty="0">
+                <a:solidFill>
+                  <a:srgbClr val="ABB2BF"/>
+                </a:solidFill>
+                <a:effectLst/>
+                <a:highlight>
+                  <a:srgbClr val="23272E"/>
+                </a:highlight>
+                <a:latin typeface="Consolas" panose="020B0609020204030204" pitchFamily="49" charset="0"/>
+              </a:rPr>
+            </a:br>
+            <a:endParaRPr lang="es-MX" b="0" dirty="0">
+              <a:solidFill>
+                <a:srgbClr val="ABB2BF"/>
+              </a:solidFill>
+              <a:effectLst/>
+              <a:highlight>
+                <a:srgbClr val="23272E"/>
+              </a:highlight>
+              <a:latin typeface="Consolas" panose="020B0609020204030204" pitchFamily="49" charset="0"/>
+            </a:endParaRPr>
+          </a:p>
+          <a:p>
             <a:endParaRPr lang="es-MX" dirty="0"/>
           </a:p>
         </p:txBody>
       </p:sp>
-    </p:spTree>
-    <p:extLst>
-      <p:ext uri="{BB962C8B-B14F-4D97-AF65-F5344CB8AC3E}">
-        <p14:creationId xmlns:p14="http://schemas.microsoft.com/office/powerpoint/2010/main" val="202277044"/>
-      </p:ext>
-    </p:extLst>
-  </p:cSld>
-  <p:clrMapOvr>
-    <a:masterClrMapping/>
-  </p:clrMapOvr>
-</p:sld>
-</file>
-
-<file path=ppt/slides/slide14.xml><?xml version="1.0" encoding="utf-8"?>
-<p:sld xmlns:a="http://schemas.openxmlformats.org/drawingml/2006/main" xmlns:r="http://schemas.openxmlformats.org/officeDocument/2006/relationships" xmlns:p="http://schemas.openxmlformats.org/presentationml/2006/main">
-  <p:cSld>
-    <p:spTree>
-      <p:nvGrpSpPr>
-        <p:cNvPr id="1" name=""/>
-        <p:cNvGrpSpPr/>
-        <p:nvPr/>
-      </p:nvGrpSpPr>
-      <p:grpSpPr>
-        <a:xfrm>
-          <a:off x="0" y="0"/>
-          <a:ext cx="0" cy="0"/>
-          <a:chOff x="0" y="0"/>
-          <a:chExt cx="0" cy="0"/>
-        </a:xfrm>
-      </p:grpSpPr>
       <p:sp>
         <p:nvSpPr>
-          <p:cNvPr id="2" name="CuadroTexto 1">
+          <p:cNvPr id="3" name="CuadroTexto 2">
             <a:extLst>
               <a:ext uri="{FF2B5EF4-FFF2-40B4-BE49-F238E27FC236}">
-                <a16:creationId xmlns:a16="http://schemas.microsoft.com/office/drawing/2014/main" id="{191C7272-4004-9DFF-BC0E-3FC5E7372711}"/>
+                <a16:creationId xmlns:a16="http://schemas.microsoft.com/office/drawing/2014/main" id="{DD6C839B-BD6A-4041-F6EB-2DBA620761B4}"/>
               </a:ext>
             </a:extLst>
           </p:cNvPr>
@@ -9410,8 +10083,8 @@
         </p:nvSpPr>
         <p:spPr>
           <a:xfrm>
-            <a:off x="206188" y="125506"/>
-            <a:ext cx="11286565" cy="7017306"/>
+            <a:off x="1416424" y="591671"/>
+            <a:ext cx="5710517" cy="646331"/>
           </a:xfrm>
           <a:prstGeom prst="rect">
             <a:avLst/>
@@ -9425,337 +10098,9 @@
           <a:lstStyle/>
           <a:p>
             <a:r>
-              <a:rPr lang="es-MX" sz="2400" b="0" dirty="0">
-                <a:effectLst/>
-                <a:latin typeface="Consolas" panose="020B0609020204030204" pitchFamily="49" charset="0"/>
-              </a:rPr>
-              <a:t>Estrategias</a:t>
-            </a:r>
-            <a:r>
-              <a:rPr lang="es-MX" sz="1400" dirty="0">
-                <a:latin typeface="Consolas" panose="020B0609020204030204" pitchFamily="49" charset="0"/>
-              </a:rPr>
-              <a:t> </a:t>
-            </a:r>
-            <a:r>
-              <a:rPr lang="es-MX" sz="2400" dirty="0">
-                <a:latin typeface="Consolas" panose="020B0609020204030204" pitchFamily="49" charset="0"/>
-              </a:rPr>
-              <a:t>recomendadas</a:t>
-            </a:r>
-          </a:p>
-          <a:p>
-            <a:br>
-              <a:rPr lang="es-MX" sz="1200" b="0" dirty="0">
-                <a:effectLst/>
-                <a:latin typeface="Consolas" panose="020B0609020204030204" pitchFamily="49" charset="0"/>
-              </a:rPr>
-            </a:br>
-            <a:r>
-              <a:rPr lang="es-MX" sz="1200" b="0" dirty="0">
-                <a:effectLst/>
-                <a:latin typeface="Consolas" panose="020B0609020204030204" pitchFamily="49" charset="0"/>
-              </a:rPr>
-              <a:t>Con base en el análisis y la segmentación de los datos realizados:</a:t>
-            </a:r>
-          </a:p>
-          <a:p>
-            <a:br>
-              <a:rPr lang="es-MX" sz="1200" b="0" dirty="0">
-                <a:effectLst/>
-                <a:latin typeface="Consolas" panose="020B0609020204030204" pitchFamily="49" charset="0"/>
-              </a:rPr>
-            </a:br>
-            <a:r>
-              <a:rPr lang="es-MX" sz="1200" b="0" dirty="0">
-                <a:effectLst/>
-                <a:latin typeface="Consolas" panose="020B0609020204030204" pitchFamily="49" charset="0"/>
-              </a:rPr>
-              <a:t>- **Implementar programas de fidelización para clientes**: Los programas de fidelización pueden ayudar a mantener a los clientes comprometidos y reducir la rotación. Estos programas pueden ofrecer beneficios como descuentos, puntos, acceso anticipado a nuevos productos o servicios, y eventos exclusivos.</a:t>
-            </a:r>
-          </a:p>
-          <a:p>
-            <a:br>
-              <a:rPr lang="es-MX" sz="1200" b="0" dirty="0">
-                <a:effectLst/>
-                <a:latin typeface="Consolas" panose="020B0609020204030204" pitchFamily="49" charset="0"/>
-              </a:rPr>
-            </a:br>
-            <a:r>
-              <a:rPr lang="es-MX" sz="1200" b="0" dirty="0">
-                <a:effectLst/>
-                <a:latin typeface="Consolas" panose="020B0609020204030204" pitchFamily="49" charset="0"/>
-              </a:rPr>
-              <a:t>- **Mejorar el servicio al cliente**: Un buen servicio al cliente puede ayudar a aumentar la satisfacción del cliente y reducir la probabilidad de que se vayan. La empresa debe asegurarse de que sus canales de servicio al cliente sean accesibles y fáciles de usar, y que sus empleados estén capacitados para brindar un servicio de alta calidad.</a:t>
-            </a:r>
-          </a:p>
-          <a:p>
-            <a:br>
-              <a:rPr lang="es-MX" sz="1200" b="0" dirty="0">
-                <a:effectLst/>
-                <a:latin typeface="Consolas" panose="020B0609020204030204" pitchFamily="49" charset="0"/>
-              </a:rPr>
-            </a:br>
-            <a:r>
-              <a:rPr lang="es-MX" sz="1200" b="0" dirty="0">
-                <a:effectLst/>
-                <a:latin typeface="Consolas" panose="020B0609020204030204" pitchFamily="49" charset="0"/>
-              </a:rPr>
-              <a:t>- **Analizar las razones por las que los clientes se van**: Es importante comprender por qué los clientes se van para poder abordar las causas subyacentes. La empresa puede realizar encuestas de salida o entrevistas a los clientes perdidos para obtener información sobre sus razones para irse.</a:t>
-            </a:r>
-          </a:p>
-          <a:p>
-            <a:br>
-              <a:rPr lang="es-MX" sz="1200" b="0" dirty="0">
-                <a:effectLst/>
-                <a:latin typeface="Consolas" panose="020B0609020204030204" pitchFamily="49" charset="0"/>
-              </a:rPr>
-            </a:br>
-            <a:r>
-              <a:rPr lang="es-MX" sz="1200" b="0" dirty="0">
-                <a:effectLst/>
-                <a:latin typeface="Consolas" panose="020B0609020204030204" pitchFamily="49" charset="0"/>
-              </a:rPr>
-              <a:t>- **Analizar los factores que impulsan la fidelización**: La empresa debería investigar los factores que impulsan la fidelización de los clientes que realizan más de 100 compras. Esto podría ayudar a identificar estrategias para aumentar la fidelidad entre otros segmentos de clientes.</a:t>
-            </a:r>
-          </a:p>
-          <a:p>
-            <a:br>
-              <a:rPr lang="es-MX" sz="1200" b="0" dirty="0">
-                <a:effectLst/>
-                <a:latin typeface="Consolas" panose="020B0609020204030204" pitchFamily="49" charset="0"/>
-              </a:rPr>
-            </a:br>
-            <a:r>
-              <a:rPr lang="es-MX" sz="1200" b="0" dirty="0">
-                <a:effectLst/>
-                <a:latin typeface="Consolas" panose="020B0609020204030204" pitchFamily="49" charset="0"/>
-              </a:rPr>
-              <a:t>- **Personalizar las comunicaciones de marketing**: La empresa podría personalizar sus comunicaciones de marketing en función del historial de compras de cada cliente. Esto podría ayudar a aumentar la relevancia de los mensajes de marketing y fomentar la conversión.</a:t>
-            </a:r>
-          </a:p>
-          <a:p>
-            <a:br>
-              <a:rPr lang="es-MX" sz="1200" b="0" dirty="0">
-                <a:effectLst/>
-                <a:latin typeface="Consolas" panose="020B0609020204030204" pitchFamily="49" charset="0"/>
-              </a:rPr>
-            </a:br>
-            <a:r>
-              <a:rPr lang="es-MX" sz="1200" b="0" dirty="0">
-                <a:effectLst/>
-                <a:latin typeface="Consolas" panose="020B0609020204030204" pitchFamily="49" charset="0"/>
-              </a:rPr>
-              <a:t>- **Analizar los factores que influyen en el gasto**: La empresa debería investigar los factores que influyen en el gasto de los clientes en diferentes rangos de precios. Esto podría incluir factores demográficos, psicográficos, comportamentales y relacionados con los productos y servicios de la empresa.</a:t>
-            </a:r>
-          </a:p>
-          <a:p>
-            <a:br>
-              <a:rPr lang="es-MX" sz="1200" b="0" dirty="0">
-                <a:effectLst/>
-                <a:latin typeface="Consolas" panose="020B0609020204030204" pitchFamily="49" charset="0"/>
-              </a:rPr>
-            </a:br>
-            <a:r>
-              <a:rPr lang="es-MX" sz="1200" b="0" dirty="0">
-                <a:effectLst/>
-                <a:latin typeface="Consolas" panose="020B0609020204030204" pitchFamily="49" charset="0"/>
-              </a:rPr>
-              <a:t>- **Implementar estrategias para aumentar el gasto promedio**: La empresa podría implementar estrategias para aumentar el gasto promedio de los clientes en el rango de $0 a $200. Esto podría incluir ofrecer descuentos por volumen, promociones especiales, programas de fidelización o mejorar la experiencia de compra en la tienda.</a:t>
-            </a:r>
-          </a:p>
-          <a:p>
-            <a:br>
-              <a:rPr lang="es-MX" sz="1200" b="0" dirty="0">
-                <a:effectLst/>
-                <a:latin typeface="Consolas" panose="020B0609020204030204" pitchFamily="49" charset="0"/>
-              </a:rPr>
-            </a:br>
-            <a:r>
-              <a:rPr lang="es-MX" sz="1200" b="0" dirty="0">
-                <a:effectLst/>
-                <a:latin typeface="Consolas" panose="020B0609020204030204" pitchFamily="49" charset="0"/>
-              </a:rPr>
-              <a:t>- **Atraer y fidelizar a los clientes de alto valor**: La empresa podría implementar estrategias de marketing personalizadas para atraer y fidelizar a los clientes que gastan más de $1000. Esto podría incluir ofrecer productos y servicios exclusivos, brindar un servicio al cliente excepcional o invitar a eventos especiales.</a:t>
-            </a:r>
-          </a:p>
-          <a:p>
-            <a:endParaRPr lang="es-MX" dirty="0"/>
-          </a:p>
-        </p:txBody>
-      </p:sp>
-    </p:spTree>
-    <p:extLst>
-      <p:ext uri="{BB962C8B-B14F-4D97-AF65-F5344CB8AC3E}">
-        <p14:creationId xmlns:p14="http://schemas.microsoft.com/office/powerpoint/2010/main" val="1633918794"/>
-      </p:ext>
-    </p:extLst>
-  </p:cSld>
-  <p:clrMapOvr>
-    <a:masterClrMapping/>
-  </p:clrMapOvr>
-</p:sld>
-</file>
-
-<file path=ppt/slides/slide2.xml><?xml version="1.0" encoding="utf-8"?>
-<p:sld xmlns:a="http://schemas.openxmlformats.org/drawingml/2006/main" xmlns:r="http://schemas.openxmlformats.org/officeDocument/2006/relationships" xmlns:p="http://schemas.openxmlformats.org/presentationml/2006/main">
-  <p:cSld>
-    <p:spTree>
-      <p:nvGrpSpPr>
-        <p:cNvPr id="1" name=""/>
-        <p:cNvGrpSpPr/>
-        <p:nvPr/>
-      </p:nvGrpSpPr>
-      <p:grpSpPr>
-        <a:xfrm>
-          <a:off x="0" y="0"/>
-          <a:ext cx="0" cy="0"/>
-          <a:chOff x="0" y="0"/>
-          <a:chExt cx="0" cy="0"/>
-        </a:xfrm>
-      </p:grpSpPr>
-      <p:sp>
-        <p:nvSpPr>
-          <p:cNvPr id="2" name="CuadroTexto 1">
-            <a:extLst>
-              <a:ext uri="{FF2B5EF4-FFF2-40B4-BE49-F238E27FC236}">
-                <a16:creationId xmlns:a16="http://schemas.microsoft.com/office/drawing/2014/main" id="{B0F4EA24-0E77-88F2-29A6-3EDEBFF112E5}"/>
-              </a:ext>
-            </a:extLst>
-          </p:cNvPr>
-          <p:cNvSpPr txBox="1"/>
-          <p:nvPr/>
-        </p:nvSpPr>
-        <p:spPr>
-          <a:xfrm>
-            <a:off x="627529" y="1380565"/>
-            <a:ext cx="10623177" cy="5170646"/>
-          </a:xfrm>
-          <a:prstGeom prst="rect">
-            <a:avLst/>
-          </a:prstGeom>
-          <a:noFill/>
-        </p:spPr>
-        <p:txBody>
-          <a:bodyPr wrap="square" rtlCol="0">
-            <a:spAutoFit/>
-          </a:bodyPr>
-          <a:lstStyle/>
-          <a:p>
-            <a:r>
-              <a:rPr lang="es-MX" sz="1400" b="0" dirty="0">
-                <a:effectLst/>
-                <a:latin typeface="Consolas" panose="020B0609020204030204" pitchFamily="49" charset="0"/>
-              </a:rPr>
-              <a:t>En el competitivo mundo del comercio electrónico, entender a fondo a nuestros clientes es fundamental para ofrecer experiencias personalizadas y maximizar la satisfacción y lealtad del cliente. Este análisis de segmentación de clientes tiene como objetivo explorar y comprender las distintas características y comportamientos de los clientes que interactúan con nuestra tienda en línea, especializada en productos creativos.</a:t>
-            </a:r>
-          </a:p>
-          <a:p>
-            <a:br>
-              <a:rPr lang="es-MX" sz="1400" b="0" dirty="0">
-                <a:effectLst/>
-                <a:latin typeface="Consolas" panose="020B0609020204030204" pitchFamily="49" charset="0"/>
-              </a:rPr>
-            </a:br>
-            <a:r>
-              <a:rPr lang="es-MX" sz="1400" b="0" dirty="0">
-                <a:effectLst/>
-                <a:latin typeface="Consolas" panose="020B0609020204030204" pitchFamily="49" charset="0"/>
-              </a:rPr>
-              <a:t>Utilizando técnicas avanzadas de análisis de datos, como </a:t>
-            </a:r>
-            <a:r>
-              <a:rPr lang="es-MX" sz="1400" b="0" dirty="0" err="1">
-                <a:effectLst/>
-                <a:latin typeface="Consolas" panose="020B0609020204030204" pitchFamily="49" charset="0"/>
-              </a:rPr>
-              <a:t>clustering</a:t>
-            </a:r>
-            <a:r>
-              <a:rPr lang="es-MX" sz="1400" b="0" dirty="0">
-                <a:effectLst/>
-                <a:latin typeface="Consolas" panose="020B0609020204030204" pitchFamily="49" charset="0"/>
-              </a:rPr>
-              <a:t> y segmentación, este estudio buscará identificar grupos homogéneos de clientes. Estos segmentos nos permitirán personalizar estrategias de marketing más efectivas, optimizar la selección de productos y mejorar la experiencia general de compra. Al comprender las necesidades y preferencias únicas de cada segmento, aspiramos a fortalecer la conexión emocional con la marca y aumentar la retención de clientes a largo plazo.</a:t>
-            </a:r>
-          </a:p>
-          <a:p>
-            <a:br>
-              <a:rPr lang="es-MX" sz="1400" b="0" dirty="0">
-                <a:effectLst/>
-                <a:latin typeface="Consolas" panose="020B0609020204030204" pitchFamily="49" charset="0"/>
-              </a:rPr>
-            </a:br>
-            <a:r>
-              <a:rPr lang="es-MX" sz="1400" b="0" dirty="0">
-                <a:effectLst/>
-                <a:latin typeface="Consolas" panose="020B0609020204030204" pitchFamily="49" charset="0"/>
-              </a:rPr>
-              <a:t>A lo largo de este análisis, exploraremos cómo diferentes segmentos de clientes interactúan con nuestros productos, qué atributos compartidos tienen y cómo podemos adaptar nuestras iniciativas de negocio para satisfacer mejor sus expectativas. Este enfoque estratégico no solo impulsará el crecimiento y la rentabilidad de </a:t>
-            </a:r>
-            <a:r>
-              <a:rPr lang="es-MX" sz="1400" b="0" dirty="0" err="1">
-                <a:effectLst/>
-                <a:latin typeface="Consolas" panose="020B0609020204030204" pitchFamily="49" charset="0"/>
-              </a:rPr>
-              <a:t>Design</a:t>
-            </a:r>
-            <a:r>
-              <a:rPr lang="es-MX" sz="1400" b="0" dirty="0">
-                <a:effectLst/>
-                <a:latin typeface="Consolas" panose="020B0609020204030204" pitchFamily="49" charset="0"/>
-              </a:rPr>
-              <a:t> </a:t>
-            </a:r>
-            <a:r>
-              <a:rPr lang="es-MX" sz="1400" b="0" dirty="0" err="1">
-                <a:effectLst/>
-                <a:latin typeface="Consolas" panose="020B0609020204030204" pitchFamily="49" charset="0"/>
-              </a:rPr>
-              <a:t>Reels</a:t>
-            </a:r>
-            <a:r>
-              <a:rPr lang="es-MX" sz="1400" b="0" dirty="0">
-                <a:effectLst/>
-                <a:latin typeface="Consolas" panose="020B0609020204030204" pitchFamily="49" charset="0"/>
-              </a:rPr>
-              <a:t>, sino que también nos permitirá destacar en un mercado saturado al ofrecer soluciones que verdaderamente resuenen con nuestros clientes.</a:t>
-            </a:r>
-          </a:p>
-          <a:p>
-            <a:br>
-              <a:rPr lang="es-MX" sz="1400" b="0" dirty="0">
-                <a:effectLst/>
-                <a:latin typeface="Consolas" panose="020B0609020204030204" pitchFamily="49" charset="0"/>
-              </a:rPr>
-            </a:br>
-            <a:r>
-              <a:rPr lang="es-MX" sz="1400" b="0" dirty="0">
-                <a:effectLst/>
-                <a:latin typeface="Consolas" panose="020B0609020204030204" pitchFamily="49" charset="0"/>
-              </a:rPr>
-              <a:t>Juntos, avanzaremos hacia una comprensión más profunda de nuestros clientes y hacia la creación de experiencias de compra personalizadas y significativas que fortalezcan la posición de </a:t>
-            </a:r>
-            <a:r>
-              <a:rPr lang="es-MX" sz="1400" b="0" dirty="0" err="1">
-                <a:effectLst/>
-                <a:latin typeface="Consolas" panose="020B0609020204030204" pitchFamily="49" charset="0"/>
-              </a:rPr>
-              <a:t>DesignReels</a:t>
-            </a:r>
-            <a:r>
-              <a:rPr lang="es-MX" sz="1400" b="0" dirty="0">
-                <a:effectLst/>
-                <a:latin typeface="Consolas" panose="020B0609020204030204" pitchFamily="49" charset="0"/>
-              </a:rPr>
-              <a:t> como líder en su categoría de productos creativos.</a:t>
-            </a:r>
-          </a:p>
-          <a:p>
-            <a:br>
               <a:rPr lang="es-MX" b="0" dirty="0">
                 <a:solidFill>
-                  <a:srgbClr val="ABB2BF"/>
+                  <a:srgbClr val="E06C75"/>
                 </a:solidFill>
                 <a:effectLst/>
                 <a:highlight>
@@ -9763,7 +10108,8 @@
                 </a:highlight>
                 <a:latin typeface="Consolas" panose="020B0609020204030204" pitchFamily="49" charset="0"/>
               </a:rPr>
-            </a:br>
+              <a:t> Conclusiones</a:t>
+            </a:r>
             <a:endParaRPr lang="es-MX" b="0" dirty="0">
               <a:solidFill>
                 <a:srgbClr val="ABB2BF"/>
@@ -9775,84 +10121,6 @@
               <a:latin typeface="Consolas" panose="020B0609020204030204" pitchFamily="49" charset="0"/>
             </a:endParaRPr>
           </a:p>
-        </p:txBody>
-      </p:sp>
-      <p:sp>
-        <p:nvSpPr>
-          <p:cNvPr id="3" name="CuadroTexto 2">
-            <a:extLst>
-              <a:ext uri="{FF2B5EF4-FFF2-40B4-BE49-F238E27FC236}">
-                <a16:creationId xmlns:a16="http://schemas.microsoft.com/office/drawing/2014/main" id="{6F21FAE7-CDD0-04C0-A709-DC07D14BA0E0}"/>
-              </a:ext>
-            </a:extLst>
-          </p:cNvPr>
-          <p:cNvSpPr txBox="1"/>
-          <p:nvPr/>
-        </p:nvSpPr>
-        <p:spPr>
-          <a:xfrm>
-            <a:off x="502023" y="403412"/>
-            <a:ext cx="7270377" cy="738664"/>
-          </a:xfrm>
-          <a:prstGeom prst="rect">
-            <a:avLst/>
-          </a:prstGeom>
-          <a:noFill/>
-        </p:spPr>
-        <p:txBody>
-          <a:bodyPr wrap="square" rtlCol="0">
-            <a:spAutoFit/>
-          </a:bodyPr>
-          <a:lstStyle/>
-          <a:p>
-            <a:r>
-              <a:rPr lang="es-MX" sz="2400" b="0" dirty="0">
-                <a:solidFill>
-                  <a:srgbClr val="E06C75"/>
-                </a:solidFill>
-                <a:effectLst/>
-                <a:latin typeface="Consolas" panose="020B0609020204030204" pitchFamily="49" charset="0"/>
-              </a:rPr>
-              <a:t>Segmentación de Clientes para </a:t>
-            </a:r>
-            <a:r>
-              <a:rPr lang="es-MX" sz="2400" b="0" dirty="0" err="1">
-                <a:solidFill>
-                  <a:srgbClr val="E06C75"/>
-                </a:solidFill>
-                <a:effectLst/>
-                <a:latin typeface="Consolas" panose="020B0609020204030204" pitchFamily="49" charset="0"/>
-              </a:rPr>
-              <a:t>Design</a:t>
-            </a:r>
-            <a:r>
-              <a:rPr lang="es-MX" sz="2400" b="0" dirty="0">
-                <a:solidFill>
-                  <a:srgbClr val="E06C75"/>
-                </a:solidFill>
-                <a:effectLst/>
-                <a:latin typeface="Consolas" panose="020B0609020204030204" pitchFamily="49" charset="0"/>
-              </a:rPr>
-              <a:t> </a:t>
-            </a:r>
-            <a:r>
-              <a:rPr lang="es-MX" sz="2400" b="0" dirty="0" err="1">
-                <a:solidFill>
-                  <a:srgbClr val="E06C75"/>
-                </a:solidFill>
-                <a:effectLst/>
-                <a:latin typeface="Consolas" panose="020B0609020204030204" pitchFamily="49" charset="0"/>
-              </a:rPr>
-              <a:t>Reels</a:t>
-            </a:r>
-            <a:endParaRPr lang="es-MX" sz="2400" b="0" dirty="0">
-              <a:solidFill>
-                <a:srgbClr val="ABB2BF"/>
-              </a:solidFill>
-              <a:effectLst/>
-              <a:latin typeface="Consolas" panose="020B0609020204030204" pitchFamily="49" charset="0"/>
-            </a:endParaRPr>
-          </a:p>
           <a:p>
             <a:endParaRPr lang="es-MX" dirty="0"/>
           </a:p>
@@ -9861,7 +10129,7 @@
     </p:spTree>
     <p:extLst>
       <p:ext uri="{BB962C8B-B14F-4D97-AF65-F5344CB8AC3E}">
-        <p14:creationId xmlns:p14="http://schemas.microsoft.com/office/powerpoint/2010/main" val="2204100819"/>
+        <p14:creationId xmlns:p14="http://schemas.microsoft.com/office/powerpoint/2010/main" val="2163460303"/>
       </p:ext>
     </p:extLst>
   </p:cSld>
@@ -9871,516 +10139,7 @@
 </p:sld>
 </file>
 
-<file path=ppt/slides/slide3.xml><?xml version="1.0" encoding="utf-8"?>
-<p:sld xmlns:a="http://schemas.openxmlformats.org/drawingml/2006/main" xmlns:r="http://schemas.openxmlformats.org/officeDocument/2006/relationships" xmlns:p="http://schemas.openxmlformats.org/presentationml/2006/main">
-  <p:cSld>
-    <p:spTree>
-      <p:nvGrpSpPr>
-        <p:cNvPr id="1" name=""/>
-        <p:cNvGrpSpPr/>
-        <p:nvPr/>
-      </p:nvGrpSpPr>
-      <p:grpSpPr>
-        <a:xfrm>
-          <a:off x="0" y="0"/>
-          <a:ext cx="0" cy="0"/>
-          <a:chOff x="0" y="0"/>
-          <a:chExt cx="0" cy="0"/>
-        </a:xfrm>
-      </p:grpSpPr>
-      <p:sp>
-        <p:nvSpPr>
-          <p:cNvPr id="2" name="CuadroTexto 1">
-            <a:extLst>
-              <a:ext uri="{FF2B5EF4-FFF2-40B4-BE49-F238E27FC236}">
-                <a16:creationId xmlns:a16="http://schemas.microsoft.com/office/drawing/2014/main" id="{8668F625-1326-4954-8DD3-19E4210C2E6B}"/>
-              </a:ext>
-            </a:extLst>
-          </p:cNvPr>
-          <p:cNvSpPr txBox="1"/>
-          <p:nvPr/>
-        </p:nvSpPr>
-        <p:spPr>
-          <a:xfrm>
-            <a:off x="636494" y="1604683"/>
-            <a:ext cx="10919012" cy="4247317"/>
-          </a:xfrm>
-          <a:prstGeom prst="rect">
-            <a:avLst/>
-          </a:prstGeom>
-          <a:noFill/>
-        </p:spPr>
-        <p:txBody>
-          <a:bodyPr wrap="square" rtlCol="0">
-            <a:spAutoFit/>
-          </a:bodyPr>
-          <a:lstStyle/>
-          <a:p>
-            <a:r>
-              <a:rPr lang="es-MX" b="0" dirty="0">
-                <a:effectLst/>
-                <a:latin typeface="Consolas" panose="020B0609020204030204" pitchFamily="49" charset="0"/>
-              </a:rPr>
-              <a:t>El conjunto de datos contiene información detallada sobre las transacciones de ventas de la tienda </a:t>
-            </a:r>
-          </a:p>
-          <a:p>
-            <a:br>
-              <a:rPr lang="es-MX" b="0" dirty="0">
-                <a:effectLst/>
-                <a:latin typeface="Consolas" panose="020B0609020204030204" pitchFamily="49" charset="0"/>
-              </a:rPr>
-            </a:br>
-            <a:r>
-              <a:rPr lang="es-MX" b="0" dirty="0">
-                <a:effectLst/>
-                <a:latin typeface="Consolas" panose="020B0609020204030204" pitchFamily="49" charset="0"/>
-              </a:rPr>
-              <a:t>Descripción de las Columnas</a:t>
-            </a:r>
-          </a:p>
-          <a:p>
-            <a:br>
-              <a:rPr lang="es-MX" b="0" dirty="0">
-                <a:effectLst/>
-                <a:latin typeface="Consolas" panose="020B0609020204030204" pitchFamily="49" charset="0"/>
-              </a:rPr>
-            </a:br>
-            <a:r>
-              <a:rPr lang="es-MX" b="0" dirty="0">
-                <a:effectLst/>
-                <a:latin typeface="Consolas" panose="020B0609020204030204" pitchFamily="49" charset="0"/>
-              </a:rPr>
-              <a:t>- </a:t>
-            </a:r>
-            <a:r>
-              <a:rPr lang="es-MX" b="0" dirty="0" err="1">
-                <a:effectLst/>
-                <a:latin typeface="Consolas" panose="020B0609020204030204" pitchFamily="49" charset="0"/>
-              </a:rPr>
-              <a:t>invoice_no</a:t>
-            </a:r>
-            <a:r>
-              <a:rPr lang="es-MX" b="0" dirty="0">
-                <a:effectLst/>
-                <a:latin typeface="Consolas" panose="020B0609020204030204" pitchFamily="49" charset="0"/>
-              </a:rPr>
-              <a:t>: Número de factura generado para cada transacción.</a:t>
-            </a:r>
-          </a:p>
-          <a:p>
-            <a:r>
-              <a:rPr lang="es-MX" b="0" dirty="0">
-                <a:effectLst/>
-                <a:latin typeface="Consolas" panose="020B0609020204030204" pitchFamily="49" charset="0"/>
-              </a:rPr>
-              <a:t>- </a:t>
-            </a:r>
-            <a:r>
-              <a:rPr lang="es-MX" b="0" dirty="0" err="1">
-                <a:effectLst/>
-                <a:latin typeface="Consolas" panose="020B0609020204030204" pitchFamily="49" charset="0"/>
-              </a:rPr>
-              <a:t>stock_code</a:t>
-            </a:r>
-            <a:r>
-              <a:rPr lang="es-MX" b="0" dirty="0">
-                <a:effectLst/>
-                <a:latin typeface="Consolas" panose="020B0609020204030204" pitchFamily="49" charset="0"/>
-              </a:rPr>
-              <a:t>: Código único que identifica cada producto vendido.</a:t>
-            </a:r>
-          </a:p>
-          <a:p>
-            <a:r>
-              <a:rPr lang="es-MX" b="0" dirty="0">
-                <a:effectLst/>
-                <a:latin typeface="Consolas" panose="020B0609020204030204" pitchFamily="49" charset="0"/>
-              </a:rPr>
-              <a:t>- </a:t>
-            </a:r>
-            <a:r>
-              <a:rPr lang="es-MX" b="0" dirty="0" err="1">
-                <a:effectLst/>
-                <a:latin typeface="Consolas" panose="020B0609020204030204" pitchFamily="49" charset="0"/>
-              </a:rPr>
-              <a:t>description</a:t>
-            </a:r>
-            <a:r>
-              <a:rPr lang="es-MX" b="0" dirty="0">
-                <a:effectLst/>
-                <a:latin typeface="Consolas" panose="020B0609020204030204" pitchFamily="49" charset="0"/>
-              </a:rPr>
-              <a:t>: Descripción del producto vendido.</a:t>
-            </a:r>
-          </a:p>
-          <a:p>
-            <a:r>
-              <a:rPr lang="es-MX" b="0" dirty="0">
-                <a:effectLst/>
-                <a:latin typeface="Consolas" panose="020B0609020204030204" pitchFamily="49" charset="0"/>
-              </a:rPr>
-              <a:t>- </a:t>
-            </a:r>
-            <a:r>
-              <a:rPr lang="es-MX" b="0" dirty="0" err="1">
-                <a:effectLst/>
-                <a:latin typeface="Consolas" panose="020B0609020204030204" pitchFamily="49" charset="0"/>
-              </a:rPr>
-              <a:t>quantity</a:t>
-            </a:r>
-            <a:r>
-              <a:rPr lang="es-MX" b="0" dirty="0">
-                <a:effectLst/>
-                <a:latin typeface="Consolas" panose="020B0609020204030204" pitchFamily="49" charset="0"/>
-              </a:rPr>
-              <a:t>: Cantidad de unidades vendidas de cada producto en la factura.</a:t>
-            </a:r>
-          </a:p>
-          <a:p>
-            <a:r>
-              <a:rPr lang="es-MX" b="0" dirty="0">
-                <a:effectLst/>
-                <a:latin typeface="Consolas" panose="020B0609020204030204" pitchFamily="49" charset="0"/>
-              </a:rPr>
-              <a:t>- </a:t>
-            </a:r>
-            <a:r>
-              <a:rPr lang="es-MX" b="0" dirty="0" err="1">
-                <a:effectLst/>
-                <a:latin typeface="Consolas" panose="020B0609020204030204" pitchFamily="49" charset="0"/>
-              </a:rPr>
-              <a:t>invoice_date</a:t>
-            </a:r>
-            <a:r>
-              <a:rPr lang="es-MX" b="0" dirty="0">
-                <a:effectLst/>
-                <a:latin typeface="Consolas" panose="020B0609020204030204" pitchFamily="49" charset="0"/>
-              </a:rPr>
-              <a:t>: Fecha y hora en que se emitió la factura.</a:t>
-            </a:r>
-          </a:p>
-          <a:p>
-            <a:r>
-              <a:rPr lang="es-MX" b="0" dirty="0">
-                <a:effectLst/>
-                <a:latin typeface="Consolas" panose="020B0609020204030204" pitchFamily="49" charset="0"/>
-              </a:rPr>
-              <a:t>- </a:t>
-            </a:r>
-            <a:r>
-              <a:rPr lang="es-MX" b="0" dirty="0" err="1">
-                <a:effectLst/>
-                <a:latin typeface="Consolas" panose="020B0609020204030204" pitchFamily="49" charset="0"/>
-              </a:rPr>
-              <a:t>unit_price</a:t>
-            </a:r>
-            <a:r>
-              <a:rPr lang="es-MX" b="0" dirty="0">
-                <a:effectLst/>
-                <a:latin typeface="Consolas" panose="020B0609020204030204" pitchFamily="49" charset="0"/>
-              </a:rPr>
-              <a:t>: Precio unitario del producto en la factura.</a:t>
-            </a:r>
-          </a:p>
-          <a:p>
-            <a:r>
-              <a:rPr lang="es-MX" b="0" dirty="0">
-                <a:effectLst/>
-                <a:latin typeface="Consolas" panose="020B0609020204030204" pitchFamily="49" charset="0"/>
-              </a:rPr>
-              <a:t>- </a:t>
-            </a:r>
-            <a:r>
-              <a:rPr lang="es-MX" b="0" dirty="0" err="1">
-                <a:effectLst/>
-                <a:latin typeface="Consolas" panose="020B0609020204030204" pitchFamily="49" charset="0"/>
-              </a:rPr>
-              <a:t>customer_id</a:t>
-            </a:r>
-            <a:r>
-              <a:rPr lang="es-MX" b="0" dirty="0">
-                <a:effectLst/>
-                <a:latin typeface="Consolas" panose="020B0609020204030204" pitchFamily="49" charset="0"/>
-              </a:rPr>
-              <a:t>: Identificación única del cliente que realizó la compra.</a:t>
-            </a:r>
-          </a:p>
-          <a:p>
-            <a:r>
-              <a:rPr lang="es-MX" b="0" dirty="0">
-                <a:effectLst/>
-                <a:latin typeface="Consolas" panose="020B0609020204030204" pitchFamily="49" charset="0"/>
-              </a:rPr>
-              <a:t>- </a:t>
-            </a:r>
-            <a:r>
-              <a:rPr lang="es-MX" b="0" dirty="0" err="1">
-                <a:effectLst/>
-                <a:latin typeface="Consolas" panose="020B0609020204030204" pitchFamily="49" charset="0"/>
-              </a:rPr>
-              <a:t>region</a:t>
-            </a:r>
-            <a:r>
-              <a:rPr lang="es-MX" b="0" dirty="0">
-                <a:effectLst/>
-                <a:latin typeface="Consolas" panose="020B0609020204030204" pitchFamily="49" charset="0"/>
-              </a:rPr>
-              <a:t>: Región o ubicación del cliente.</a:t>
-            </a:r>
-          </a:p>
-          <a:p>
-            <a:r>
-              <a:rPr lang="es-MX" b="0" dirty="0">
-                <a:effectLst/>
-                <a:latin typeface="Consolas" panose="020B0609020204030204" pitchFamily="49" charset="0"/>
-              </a:rPr>
-              <a:t>- total: Total de la venta, calculado como la cantidad vendida multiplicada por el precio unitario.</a:t>
-            </a:r>
-          </a:p>
-        </p:txBody>
-      </p:sp>
-      <p:sp>
-        <p:nvSpPr>
-          <p:cNvPr id="3" name="CuadroTexto 2">
-            <a:extLst>
-              <a:ext uri="{FF2B5EF4-FFF2-40B4-BE49-F238E27FC236}">
-                <a16:creationId xmlns:a16="http://schemas.microsoft.com/office/drawing/2014/main" id="{1E652532-635E-C9AE-789A-7EC527C365BD}"/>
-              </a:ext>
-            </a:extLst>
-          </p:cNvPr>
-          <p:cNvSpPr txBox="1"/>
-          <p:nvPr/>
-        </p:nvSpPr>
-        <p:spPr>
-          <a:xfrm>
-            <a:off x="528918" y="277906"/>
-            <a:ext cx="6293223" cy="800219"/>
-          </a:xfrm>
-          <a:prstGeom prst="rect">
-            <a:avLst/>
-          </a:prstGeom>
-          <a:noFill/>
-        </p:spPr>
-        <p:txBody>
-          <a:bodyPr wrap="square" rtlCol="0">
-            <a:spAutoFit/>
-          </a:bodyPr>
-          <a:lstStyle/>
-          <a:p>
-            <a:r>
-              <a:rPr lang="es-MX" b="0" dirty="0">
-                <a:solidFill>
-                  <a:srgbClr val="E06C75"/>
-                </a:solidFill>
-                <a:effectLst/>
-                <a:latin typeface="Consolas" panose="020B0609020204030204" pitchFamily="49" charset="0"/>
-              </a:rPr>
-              <a:t> </a:t>
-            </a:r>
-            <a:r>
-              <a:rPr lang="es-MX" sz="2800" b="0" dirty="0">
-                <a:solidFill>
-                  <a:srgbClr val="E06C75"/>
-                </a:solidFill>
-                <a:effectLst/>
-                <a:latin typeface="Consolas" panose="020B0609020204030204" pitchFamily="49" charset="0"/>
-              </a:rPr>
-              <a:t>Diccionario de datos </a:t>
-            </a:r>
-            <a:endParaRPr lang="es-MX" b="0" dirty="0">
-              <a:solidFill>
-                <a:srgbClr val="ABB2BF"/>
-              </a:solidFill>
-              <a:effectLst/>
-              <a:latin typeface="Consolas" panose="020B0609020204030204" pitchFamily="49" charset="0"/>
-            </a:endParaRPr>
-          </a:p>
-          <a:p>
-            <a:endParaRPr lang="es-MX" dirty="0"/>
-          </a:p>
-        </p:txBody>
-      </p:sp>
-    </p:spTree>
-    <p:extLst>
-      <p:ext uri="{BB962C8B-B14F-4D97-AF65-F5344CB8AC3E}">
-        <p14:creationId xmlns:p14="http://schemas.microsoft.com/office/powerpoint/2010/main" val="552470883"/>
-      </p:ext>
-    </p:extLst>
-  </p:cSld>
-  <p:clrMapOvr>
-    <a:masterClrMapping/>
-  </p:clrMapOvr>
-</p:sld>
-</file>
-
-<file path=ppt/slides/slide4.xml><?xml version="1.0" encoding="utf-8"?>
-<p:sld xmlns:a="http://schemas.openxmlformats.org/drawingml/2006/main" xmlns:r="http://schemas.openxmlformats.org/officeDocument/2006/relationships" xmlns:p="http://schemas.openxmlformats.org/presentationml/2006/main">
-  <p:cSld>
-    <p:spTree>
-      <p:nvGrpSpPr>
-        <p:cNvPr id="1" name=""/>
-        <p:cNvGrpSpPr/>
-        <p:nvPr/>
-      </p:nvGrpSpPr>
-      <p:grpSpPr>
-        <a:xfrm>
-          <a:off x="0" y="0"/>
-          <a:ext cx="0" cy="0"/>
-          <a:chOff x="0" y="0"/>
-          <a:chExt cx="0" cy="0"/>
-        </a:xfrm>
-      </p:grpSpPr>
-      <p:sp>
-        <p:nvSpPr>
-          <p:cNvPr id="2" name="Título 1">
-            <a:extLst>
-              <a:ext uri="{FF2B5EF4-FFF2-40B4-BE49-F238E27FC236}">
-                <a16:creationId xmlns:a16="http://schemas.microsoft.com/office/drawing/2014/main" id="{2595C453-4943-1DDE-FCCD-AF8A2CD311E2}"/>
-              </a:ext>
-            </a:extLst>
-          </p:cNvPr>
-          <p:cNvSpPr>
-            <a:spLocks noGrp="1"/>
-          </p:cNvSpPr>
-          <p:nvPr>
-            <p:ph type="ctrTitle"/>
-          </p:nvPr>
-        </p:nvSpPr>
-        <p:spPr/>
-        <p:txBody>
-          <a:bodyPr/>
-          <a:lstStyle/>
-          <a:p>
-            <a:r>
-              <a:rPr lang="en-US" dirty="0" err="1"/>
-              <a:t>Analis</a:t>
-            </a:r>
-            <a:r>
-              <a:rPr lang="en-US" dirty="0"/>
-              <a:t> </a:t>
-            </a:r>
-            <a:r>
-              <a:rPr lang="en-US" dirty="0" err="1"/>
-              <a:t>exploratorio</a:t>
-            </a:r>
-            <a:r>
-              <a:rPr lang="en-US" dirty="0"/>
-              <a:t> de </a:t>
-            </a:r>
-            <a:r>
-              <a:rPr lang="en-US" dirty="0" err="1"/>
-              <a:t>datos</a:t>
-            </a:r>
-            <a:endParaRPr lang="es-MX" dirty="0"/>
-          </a:p>
-        </p:txBody>
-      </p:sp>
-      <p:sp>
-        <p:nvSpPr>
-          <p:cNvPr id="3" name="Subtítulo 2">
-            <a:extLst>
-              <a:ext uri="{FF2B5EF4-FFF2-40B4-BE49-F238E27FC236}">
-                <a16:creationId xmlns:a16="http://schemas.microsoft.com/office/drawing/2014/main" id="{1DEDC75A-F1F4-8CB3-D1C8-5994BD500C4B}"/>
-              </a:ext>
-            </a:extLst>
-          </p:cNvPr>
-          <p:cNvSpPr>
-            <a:spLocks noGrp="1"/>
-          </p:cNvSpPr>
-          <p:nvPr>
-            <p:ph type="subTitle" idx="1"/>
-          </p:nvPr>
-        </p:nvSpPr>
-        <p:spPr/>
-        <p:txBody>
-          <a:bodyPr/>
-          <a:lstStyle/>
-          <a:p>
-            <a:endParaRPr lang="es-MX"/>
-          </a:p>
-        </p:txBody>
-      </p:sp>
-    </p:spTree>
-    <p:extLst>
-      <p:ext uri="{BB962C8B-B14F-4D97-AF65-F5344CB8AC3E}">
-        <p14:creationId xmlns:p14="http://schemas.microsoft.com/office/powerpoint/2010/main" val="241467360"/>
-      </p:ext>
-    </p:extLst>
-  </p:cSld>
-  <p:clrMapOvr>
-    <a:masterClrMapping/>
-  </p:clrMapOvr>
-</p:sld>
-</file>
-
-<file path=ppt/slides/slide5.xml><?xml version="1.0" encoding="utf-8"?>
-<p:sld xmlns:a="http://schemas.openxmlformats.org/drawingml/2006/main" xmlns:r="http://schemas.openxmlformats.org/officeDocument/2006/relationships" xmlns:p="http://schemas.openxmlformats.org/presentationml/2006/main">
-  <p:cSld>
-    <p:spTree>
-      <p:nvGrpSpPr>
-        <p:cNvPr id="1" name=""/>
-        <p:cNvGrpSpPr/>
-        <p:nvPr/>
-      </p:nvGrpSpPr>
-      <p:grpSpPr>
-        <a:xfrm>
-          <a:off x="0" y="0"/>
-          <a:ext cx="0" cy="0"/>
-          <a:chOff x="0" y="0"/>
-          <a:chExt cx="0" cy="0"/>
-        </a:xfrm>
-      </p:grpSpPr>
-      <p:sp>
-        <p:nvSpPr>
-          <p:cNvPr id="2" name="CuadroTexto 1">
-            <a:extLst>
-              <a:ext uri="{FF2B5EF4-FFF2-40B4-BE49-F238E27FC236}">
-                <a16:creationId xmlns:a16="http://schemas.microsoft.com/office/drawing/2014/main" id="{4A86E36D-9A68-6C07-C690-C26F6F1192B6}"/>
-              </a:ext>
-            </a:extLst>
-          </p:cNvPr>
-          <p:cNvSpPr txBox="1"/>
-          <p:nvPr/>
-        </p:nvSpPr>
-        <p:spPr>
-          <a:xfrm>
-            <a:off x="1093694" y="770965"/>
-            <a:ext cx="9556377" cy="369332"/>
-          </a:xfrm>
-          <a:prstGeom prst="rect">
-            <a:avLst/>
-          </a:prstGeom>
-          <a:noFill/>
-        </p:spPr>
-        <p:txBody>
-          <a:bodyPr wrap="square" rtlCol="0">
-            <a:spAutoFit/>
-          </a:bodyPr>
-          <a:lstStyle/>
-          <a:p>
-            <a:r>
-              <a:rPr lang="en-US" dirty="0"/>
-              <a:t>GRAFICAS INTERACTIVAS </a:t>
-            </a:r>
-            <a:endParaRPr lang="es-MX" dirty="0"/>
-          </a:p>
-        </p:txBody>
-      </p:sp>
-    </p:spTree>
-    <p:extLst>
-      <p:ext uri="{BB962C8B-B14F-4D97-AF65-F5344CB8AC3E}">
-        <p14:creationId xmlns:p14="http://schemas.microsoft.com/office/powerpoint/2010/main" val="1932511422"/>
-      </p:ext>
-    </p:extLst>
-  </p:cSld>
-  <p:clrMapOvr>
-    <a:masterClrMapping/>
-  </p:clrMapOvr>
-</p:sld>
-</file>
-
-<file path=ppt/slides/slide6.xml><?xml version="1.0" encoding="utf-8"?>
+<file path=ppt/slides/slide13.xml><?xml version="1.0" encoding="utf-8"?>
 <p:sld xmlns:a="http://schemas.openxmlformats.org/drawingml/2006/main" xmlns:r="http://schemas.openxmlformats.org/officeDocument/2006/relationships" xmlns:p="http://schemas.openxmlformats.org/presentationml/2006/main">
   <p:cSld>
     <p:spTree>
@@ -10476,7 +10235,7 @@
 </p:sld>
 </file>
 
-<file path=ppt/slides/slide7.xml><?xml version="1.0" encoding="utf-8"?>
+<file path=ppt/slides/slide14.xml><?xml version="1.0" encoding="utf-8"?>
 <p:sld xmlns:a="http://schemas.openxmlformats.org/drawingml/2006/main" xmlns:r="http://schemas.openxmlformats.org/officeDocument/2006/relationships" xmlns:p="http://schemas.openxmlformats.org/presentationml/2006/main">
   <p:cSld>
     <p:bg>
@@ -10786,7 +10545,7 @@
 </p:sld>
 </file>
 
-<file path=ppt/slides/slide8.xml><?xml version="1.0" encoding="utf-8"?>
+<file path=ppt/slides/slide15.xml><?xml version="1.0" encoding="utf-8"?>
 <p:sld xmlns:a="http://schemas.openxmlformats.org/drawingml/2006/main" xmlns:r="http://schemas.openxmlformats.org/officeDocument/2006/relationships" xmlns:p="http://schemas.openxmlformats.org/presentationml/2006/main">
   <p:cSld>
     <p:spTree>
@@ -10958,7 +10717,7 @@
 </p:sld>
 </file>
 
-<file path=ppt/slides/slide9.xml><?xml version="1.0" encoding="utf-8"?>
+<file path=ppt/slides/slide16.xml><?xml version="1.0" encoding="utf-8"?>
 <p:sld xmlns:a="http://schemas.openxmlformats.org/drawingml/2006/main" xmlns:r="http://schemas.openxmlformats.org/officeDocument/2006/relationships" xmlns:p="http://schemas.openxmlformats.org/presentationml/2006/main">
   <p:cSld>
     <p:spTree>
@@ -11140,6 +10899,3379 @@
     <p:extLst>
       <p:ext uri="{BB962C8B-B14F-4D97-AF65-F5344CB8AC3E}">
         <p14:creationId xmlns:p14="http://schemas.microsoft.com/office/powerpoint/2010/main" val="2442432776"/>
+      </p:ext>
+    </p:extLst>
+  </p:cSld>
+  <p:clrMapOvr>
+    <a:masterClrMapping/>
+  </p:clrMapOvr>
+</p:sld>
+</file>
+
+<file path=ppt/slides/slide17.xml><?xml version="1.0" encoding="utf-8"?>
+<p:sld xmlns:a="http://schemas.openxmlformats.org/drawingml/2006/main" xmlns:r="http://schemas.openxmlformats.org/officeDocument/2006/relationships" xmlns:p="http://schemas.openxmlformats.org/presentationml/2006/main">
+  <p:cSld>
+    <p:spTree>
+      <p:nvGrpSpPr>
+        <p:cNvPr id="1" name=""/>
+        <p:cNvGrpSpPr/>
+        <p:nvPr/>
+      </p:nvGrpSpPr>
+      <p:grpSpPr>
+        <a:xfrm>
+          <a:off x="0" y="0"/>
+          <a:ext cx="0" cy="0"/>
+          <a:chOff x="0" y="0"/>
+          <a:chExt cx="0" cy="0"/>
+        </a:xfrm>
+      </p:grpSpPr>
+      <p:pic>
+        <p:nvPicPr>
+          <p:cNvPr id="3" name="Imagen 2" descr="Gráfico, Gráfico de dispersión&#10;&#10;Descripción generada automáticamente">
+            <a:extLst>
+              <a:ext uri="{FF2B5EF4-FFF2-40B4-BE49-F238E27FC236}">
+                <a16:creationId xmlns:a16="http://schemas.microsoft.com/office/drawing/2014/main" id="{D680BBF0-D262-7709-D837-CA9497BB0F21}"/>
+              </a:ext>
+            </a:extLst>
+          </p:cNvPr>
+          <p:cNvPicPr>
+            <a:picLocks noChangeAspect="1"/>
+          </p:cNvPicPr>
+          <p:nvPr/>
+        </p:nvPicPr>
+        <p:blipFill>
+          <a:blip r:embed="rId2">
+            <a:extLst>
+              <a:ext uri="{28A0092B-C50C-407E-A947-70E740481C1C}">
+                <a14:useLocalDpi xmlns:a14="http://schemas.microsoft.com/office/drawing/2010/main" val="0"/>
+              </a:ext>
+            </a:extLst>
+          </a:blip>
+          <a:stretch>
+            <a:fillRect/>
+          </a:stretch>
+        </p:blipFill>
+        <p:spPr>
+          <a:xfrm>
+            <a:off x="286871" y="239358"/>
+            <a:ext cx="5158292" cy="2579146"/>
+          </a:xfrm>
+          <a:prstGeom prst="rect">
+            <a:avLst/>
+          </a:prstGeom>
+        </p:spPr>
+      </p:pic>
+      <p:pic>
+        <p:nvPicPr>
+          <p:cNvPr id="5" name="Imagen 4" descr="Gráfico, Gráfico de barras&#10;&#10;Descripción generada automáticamente">
+            <a:extLst>
+              <a:ext uri="{FF2B5EF4-FFF2-40B4-BE49-F238E27FC236}">
+                <a16:creationId xmlns:a16="http://schemas.microsoft.com/office/drawing/2014/main" id="{AF6D783A-F75B-871B-99C9-AA39CCF6C805}"/>
+              </a:ext>
+            </a:extLst>
+          </p:cNvPr>
+          <p:cNvPicPr>
+            <a:picLocks noChangeAspect="1"/>
+          </p:cNvPicPr>
+          <p:nvPr/>
+        </p:nvPicPr>
+        <p:blipFill>
+          <a:blip r:embed="rId3">
+            <a:extLst>
+              <a:ext uri="{28A0092B-C50C-407E-A947-70E740481C1C}">
+                <a14:useLocalDpi xmlns:a14="http://schemas.microsoft.com/office/drawing/2010/main" val="0"/>
+              </a:ext>
+            </a:extLst>
+          </a:blip>
+          <a:stretch>
+            <a:fillRect/>
+          </a:stretch>
+        </p:blipFill>
+        <p:spPr>
+          <a:xfrm>
+            <a:off x="286871" y="2956261"/>
+            <a:ext cx="5317863" cy="3662381"/>
+          </a:xfrm>
+          <a:prstGeom prst="rect">
+            <a:avLst/>
+          </a:prstGeom>
+        </p:spPr>
+      </p:pic>
+      <p:sp>
+        <p:nvSpPr>
+          <p:cNvPr id="6" name="CuadroTexto 5">
+            <a:extLst>
+              <a:ext uri="{FF2B5EF4-FFF2-40B4-BE49-F238E27FC236}">
+                <a16:creationId xmlns:a16="http://schemas.microsoft.com/office/drawing/2014/main" id="{1B4076F8-7472-7249-B026-5F04B9AA01ED}"/>
+              </a:ext>
+            </a:extLst>
+          </p:cNvPr>
+          <p:cNvSpPr txBox="1"/>
+          <p:nvPr/>
+        </p:nvSpPr>
+        <p:spPr>
+          <a:xfrm>
+            <a:off x="6096000" y="239358"/>
+            <a:ext cx="5387788" cy="6832640"/>
+          </a:xfrm>
+          <a:prstGeom prst="rect">
+            <a:avLst/>
+          </a:prstGeom>
+          <a:noFill/>
+        </p:spPr>
+        <p:txBody>
+          <a:bodyPr wrap="square" rtlCol="0">
+            <a:spAutoFit/>
+          </a:bodyPr>
+          <a:lstStyle/>
+          <a:p>
+            <a:r>
+              <a:rPr lang="es-MX" sz="1400" b="0" dirty="0">
+                <a:effectLst/>
+                <a:latin typeface="Consolas" panose="020B0609020204030204" pitchFamily="49" charset="0"/>
+              </a:rPr>
+              <a:t>Se realizo una </a:t>
+            </a:r>
+            <a:r>
+              <a:rPr lang="es-MX" sz="1400" b="0" dirty="0" err="1">
+                <a:effectLst/>
+                <a:latin typeface="Consolas" panose="020B0609020204030204" pitchFamily="49" charset="0"/>
+              </a:rPr>
+              <a:t>segmentacion</a:t>
+            </a:r>
+            <a:r>
+              <a:rPr lang="es-MX" sz="1400" b="0" dirty="0">
+                <a:effectLst/>
+                <a:latin typeface="Consolas" panose="020B0609020204030204" pitchFamily="49" charset="0"/>
+              </a:rPr>
+              <a:t> de cliente con base en la frecuencia con la que compran en la tienda, el monto que suelen gastar en sus compras y el tiempo transcurrido desde su ultima </a:t>
+            </a:r>
+            <a:r>
+              <a:rPr lang="es-MX" sz="1400" b="0" dirty="0" err="1">
+                <a:effectLst/>
+                <a:latin typeface="Consolas" panose="020B0609020204030204" pitchFamily="49" charset="0"/>
+              </a:rPr>
+              <a:t>combra</a:t>
+            </a:r>
+            <a:r>
+              <a:rPr lang="es-MX" sz="1400" b="0" dirty="0">
+                <a:effectLst/>
+                <a:latin typeface="Consolas" panose="020B0609020204030204" pitchFamily="49" charset="0"/>
+              </a:rPr>
+              <a:t>. Se obtuvieron 5 segmentos que dividen a los clientes en:</a:t>
+            </a:r>
+          </a:p>
+          <a:p>
+            <a:r>
+              <a:rPr lang="es-MX" sz="1400" b="0" dirty="0">
+                <a:effectLst/>
+                <a:latin typeface="Consolas" panose="020B0609020204030204" pitchFamily="49" charset="0"/>
+              </a:rPr>
+              <a:t>- *Potencial*: Son clientes con actividad superior a la media, en los cuales podemos en formar </a:t>
+            </a:r>
+            <a:r>
+              <a:rPr lang="es-MX" sz="1400" b="0" dirty="0" err="1">
+                <a:effectLst/>
+                <a:latin typeface="Consolas" panose="020B0609020204030204" pitchFamily="49" charset="0"/>
+              </a:rPr>
+              <a:t>algun</a:t>
+            </a:r>
+            <a:r>
+              <a:rPr lang="es-MX" sz="1400" b="0" dirty="0">
+                <a:effectLst/>
+                <a:latin typeface="Consolas" panose="020B0609020204030204" pitchFamily="49" charset="0"/>
+              </a:rPr>
+              <a:t> programa especifico para incentivarlos a convertirlos en clientes leales o de alto valor.</a:t>
+            </a:r>
+          </a:p>
+          <a:p>
+            <a:r>
+              <a:rPr lang="es-MX" sz="1400" b="0" dirty="0">
+                <a:effectLst/>
+                <a:latin typeface="Consolas" panose="020B0609020204030204" pitchFamily="49" charset="0"/>
+              </a:rPr>
+              <a:t>- *Leal*: En este grupo encontraremos a los clientes </a:t>
+            </a:r>
+            <a:r>
+              <a:rPr lang="es-MX" sz="1400" b="0" dirty="0" err="1">
+                <a:effectLst/>
+                <a:latin typeface="Consolas" panose="020B0609020204030204" pitchFamily="49" charset="0"/>
+              </a:rPr>
+              <a:t>aliosos</a:t>
+            </a:r>
+            <a:r>
+              <a:rPr lang="es-MX" sz="1400" b="0" dirty="0">
+                <a:effectLst/>
+                <a:latin typeface="Consolas" panose="020B0609020204030204" pitchFamily="49" charset="0"/>
+              </a:rPr>
+              <a:t> para la empresa, ya que son propensos a realizar compras repetidas y recomendar nuestros productos o servicios a otros.</a:t>
+            </a:r>
+          </a:p>
+          <a:p>
+            <a:r>
+              <a:rPr lang="es-MX" sz="1400" b="0" dirty="0">
+                <a:effectLst/>
+                <a:latin typeface="Consolas" panose="020B0609020204030204" pitchFamily="49" charset="0"/>
+              </a:rPr>
+              <a:t>- *Activo*: Clientes que utilizan compran nuestros productos de manera regular, sin llegar a superar el promedio de compras o visitas. Este segmento representa la mayor oportunidad de crecimiento para la empresa. Se deben implementar estrategias para aumentar la satisfacción y la lealtad de estos clientes.</a:t>
+            </a:r>
+          </a:p>
+          <a:p>
+            <a:r>
+              <a:rPr lang="es-MX" sz="1400" b="0" dirty="0">
+                <a:effectLst/>
+                <a:latin typeface="Consolas" panose="020B0609020204030204" pitchFamily="49" charset="0"/>
+              </a:rPr>
+              <a:t>- *Alto valor*: Estos clientes generan la mayor parte de los ingresos para la empresa. Es importante enfocarse en este segmento para mantener su satisfacción y lealtad.</a:t>
+            </a:r>
+          </a:p>
+          <a:p>
+            <a:r>
+              <a:rPr lang="es-MX" sz="1400" b="0" dirty="0">
+                <a:effectLst/>
+                <a:latin typeface="Consolas" panose="020B0609020204030204" pitchFamily="49" charset="0"/>
+              </a:rPr>
+              <a:t>- *Cliente </a:t>
+            </a:r>
+            <a:r>
+              <a:rPr lang="es-MX" sz="1400" b="0" dirty="0" err="1">
+                <a:effectLst/>
+                <a:latin typeface="Consolas" panose="020B0609020204030204" pitchFamily="49" charset="0"/>
+              </a:rPr>
+              <a:t>Churn</a:t>
+            </a:r>
+            <a:r>
+              <a:rPr lang="es-MX" sz="1400" b="0" dirty="0">
+                <a:effectLst/>
+                <a:latin typeface="Consolas" panose="020B0609020204030204" pitchFamily="49" charset="0"/>
+              </a:rPr>
+              <a:t>*: Estos clientes ya no compran nuestros productos. Es de vital importancia enfocarse en este segmento y analizar las razones por las que estos clientes se han perdido y tomar medidas para evitar que otros clientes se pierdan en el futuro.</a:t>
+            </a:r>
+          </a:p>
+          <a:p>
+            <a:endParaRPr lang="es-MX" dirty="0"/>
+          </a:p>
+        </p:txBody>
+      </p:sp>
+    </p:spTree>
+    <p:extLst>
+      <p:ext uri="{BB962C8B-B14F-4D97-AF65-F5344CB8AC3E}">
+        <p14:creationId xmlns:p14="http://schemas.microsoft.com/office/powerpoint/2010/main" val="2250166912"/>
+      </p:ext>
+    </p:extLst>
+  </p:cSld>
+  <p:clrMapOvr>
+    <a:masterClrMapping/>
+  </p:clrMapOvr>
+</p:sld>
+</file>
+
+<file path=ppt/slides/slide18.xml><?xml version="1.0" encoding="utf-8"?>
+<p:sld xmlns:a="http://schemas.openxmlformats.org/drawingml/2006/main" xmlns:r="http://schemas.openxmlformats.org/officeDocument/2006/relationships" xmlns:p="http://schemas.openxmlformats.org/presentationml/2006/main">
+  <p:cSld>
+    <p:spTree>
+      <p:nvGrpSpPr>
+        <p:cNvPr id="1" name=""/>
+        <p:cNvGrpSpPr/>
+        <p:nvPr/>
+      </p:nvGrpSpPr>
+      <p:grpSpPr>
+        <a:xfrm>
+          <a:off x="0" y="0"/>
+          <a:ext cx="0" cy="0"/>
+          <a:chOff x="0" y="0"/>
+          <a:chExt cx="0" cy="0"/>
+        </a:xfrm>
+      </p:grpSpPr>
+      <p:sp>
+        <p:nvSpPr>
+          <p:cNvPr id="2" name="Título 1">
+            <a:extLst>
+              <a:ext uri="{FF2B5EF4-FFF2-40B4-BE49-F238E27FC236}">
+                <a16:creationId xmlns:a16="http://schemas.microsoft.com/office/drawing/2014/main" id="{3FCFE1C6-315D-E65E-2532-6E013B22D409}"/>
+              </a:ext>
+            </a:extLst>
+          </p:cNvPr>
+          <p:cNvSpPr>
+            <a:spLocks noGrp="1"/>
+          </p:cNvSpPr>
+          <p:nvPr>
+            <p:ph type="ctrTitle"/>
+          </p:nvPr>
+        </p:nvSpPr>
+        <p:spPr/>
+        <p:txBody>
+          <a:bodyPr/>
+          <a:lstStyle/>
+          <a:p>
+            <a:r>
+              <a:rPr lang="en-US" dirty="0" err="1"/>
+              <a:t>Modelo</a:t>
+            </a:r>
+            <a:endParaRPr lang="es-MX" dirty="0"/>
+          </a:p>
+        </p:txBody>
+      </p:sp>
+      <p:sp>
+        <p:nvSpPr>
+          <p:cNvPr id="3" name="Subtítulo 2">
+            <a:extLst>
+              <a:ext uri="{FF2B5EF4-FFF2-40B4-BE49-F238E27FC236}">
+                <a16:creationId xmlns:a16="http://schemas.microsoft.com/office/drawing/2014/main" id="{E9FD6347-E92D-AACB-9FDB-A37B1B6B9221}"/>
+              </a:ext>
+            </a:extLst>
+          </p:cNvPr>
+          <p:cNvSpPr>
+            <a:spLocks noGrp="1"/>
+          </p:cNvSpPr>
+          <p:nvPr>
+            <p:ph type="subTitle" idx="1"/>
+          </p:nvPr>
+        </p:nvSpPr>
+        <p:spPr/>
+        <p:txBody>
+          <a:bodyPr/>
+          <a:lstStyle/>
+          <a:p>
+            <a:endParaRPr lang="es-MX"/>
+          </a:p>
+        </p:txBody>
+      </p:sp>
+    </p:spTree>
+    <p:extLst>
+      <p:ext uri="{BB962C8B-B14F-4D97-AF65-F5344CB8AC3E}">
+        <p14:creationId xmlns:p14="http://schemas.microsoft.com/office/powerpoint/2010/main" val="3481479923"/>
+      </p:ext>
+    </p:extLst>
+  </p:cSld>
+  <p:clrMapOvr>
+    <a:masterClrMapping/>
+  </p:clrMapOvr>
+</p:sld>
+</file>
+
+<file path=ppt/slides/slide19.xml><?xml version="1.0" encoding="utf-8"?>
+<p:sld xmlns:a="http://schemas.openxmlformats.org/drawingml/2006/main" xmlns:r="http://schemas.openxmlformats.org/officeDocument/2006/relationships" xmlns:p="http://schemas.openxmlformats.org/presentationml/2006/main">
+  <p:cSld>
+    <p:spTree>
+      <p:nvGrpSpPr>
+        <p:cNvPr id="1" name=""/>
+        <p:cNvGrpSpPr/>
+        <p:nvPr/>
+      </p:nvGrpSpPr>
+      <p:grpSpPr>
+        <a:xfrm>
+          <a:off x="0" y="0"/>
+          <a:ext cx="0" cy="0"/>
+          <a:chOff x="0" y="0"/>
+          <a:chExt cx="0" cy="0"/>
+        </a:xfrm>
+      </p:grpSpPr>
+      <p:pic>
+        <p:nvPicPr>
+          <p:cNvPr id="3" name="Imagen 2">
+            <a:extLst>
+              <a:ext uri="{FF2B5EF4-FFF2-40B4-BE49-F238E27FC236}">
+                <a16:creationId xmlns:a16="http://schemas.microsoft.com/office/drawing/2014/main" id="{D823D1F0-0CFE-DB77-4EA4-EB8D78D9ED3D}"/>
+              </a:ext>
+            </a:extLst>
+          </p:cNvPr>
+          <p:cNvPicPr>
+            <a:picLocks noChangeAspect="1"/>
+          </p:cNvPicPr>
+          <p:nvPr/>
+        </p:nvPicPr>
+        <p:blipFill>
+          <a:blip r:embed="rId2"/>
+          <a:stretch>
+            <a:fillRect/>
+          </a:stretch>
+        </p:blipFill>
+        <p:spPr>
+          <a:xfrm>
+            <a:off x="74784" y="448987"/>
+            <a:ext cx="4793672" cy="3074142"/>
+          </a:xfrm>
+          <a:prstGeom prst="rect">
+            <a:avLst/>
+          </a:prstGeom>
+        </p:spPr>
+      </p:pic>
+      <p:sp>
+        <p:nvSpPr>
+          <p:cNvPr id="2" name="CuadroTexto 1">
+            <a:extLst>
+              <a:ext uri="{FF2B5EF4-FFF2-40B4-BE49-F238E27FC236}">
+                <a16:creationId xmlns:a16="http://schemas.microsoft.com/office/drawing/2014/main" id="{4CB78ED0-DC00-EECD-D786-1A32517AFFD5}"/>
+              </a:ext>
+            </a:extLst>
+          </p:cNvPr>
+          <p:cNvSpPr txBox="1"/>
+          <p:nvPr/>
+        </p:nvSpPr>
+        <p:spPr>
+          <a:xfrm>
+            <a:off x="5405718" y="448987"/>
+            <a:ext cx="6212541" cy="6186309"/>
+          </a:xfrm>
+          <a:prstGeom prst="rect">
+            <a:avLst/>
+          </a:prstGeom>
+          <a:noFill/>
+        </p:spPr>
+        <p:txBody>
+          <a:bodyPr wrap="square" rtlCol="0">
+            <a:spAutoFit/>
+          </a:bodyPr>
+          <a:lstStyle/>
+          <a:p>
+            <a:r>
+              <a:rPr lang="es-MX" sz="900" b="0" dirty="0">
+                <a:effectLst/>
+                <a:latin typeface="Consolas" panose="020B0609020204030204" pitchFamily="49" charset="0"/>
+              </a:rPr>
+              <a:t>La gráfica muestra la segmentación de clientes utilizando el algoritmo K-</a:t>
+            </a:r>
+            <a:r>
+              <a:rPr lang="es-MX" sz="900" b="0" dirty="0" err="1">
+                <a:effectLst/>
+                <a:latin typeface="Consolas" panose="020B0609020204030204" pitchFamily="49" charset="0"/>
+              </a:rPr>
+              <a:t>means</a:t>
+            </a:r>
+            <a:r>
+              <a:rPr lang="es-MX" sz="900" b="0" dirty="0">
+                <a:effectLst/>
+                <a:latin typeface="Consolas" panose="020B0609020204030204" pitchFamily="49" charset="0"/>
+              </a:rPr>
+              <a:t>. El eje X representa el tiempo transcurrido desde la última compra del cliente y el eje Y el total de dinero que el cliente ha gastado en la empresa. </a:t>
+            </a:r>
+          </a:p>
+          <a:p>
+            <a:br>
+              <a:rPr lang="es-MX" sz="900" b="0" dirty="0">
+                <a:effectLst/>
+                <a:latin typeface="Consolas" panose="020B0609020204030204" pitchFamily="49" charset="0"/>
+              </a:rPr>
+            </a:br>
+            <a:r>
+              <a:rPr lang="es-MX" sz="900" b="0" dirty="0">
+                <a:effectLst/>
+                <a:latin typeface="Consolas" panose="020B0609020204030204" pitchFamily="49" charset="0"/>
+              </a:rPr>
+              <a:t>Los datos se dividen en cinco clústeres, cada uno de los cuales representa un tipo diferente de cliente:</a:t>
+            </a:r>
+          </a:p>
+          <a:p>
+            <a:br>
+              <a:rPr lang="es-MX" sz="900" b="0" dirty="0">
+                <a:effectLst/>
+                <a:latin typeface="Consolas" panose="020B0609020204030204" pitchFamily="49" charset="0"/>
+              </a:rPr>
+            </a:br>
+            <a:r>
+              <a:rPr lang="es-MX" sz="900" b="0" dirty="0">
+                <a:effectLst/>
+                <a:latin typeface="Consolas" panose="020B0609020204030204" pitchFamily="49" charset="0"/>
+              </a:rPr>
+              <a:t>- Clúster "Activo": Este clúster incluye a los clientes que han realizado compras recientemente y que han gastado una cantidad significativa de dinero. Estos son los clientes más valiosos para la empresa.</a:t>
+            </a:r>
+          </a:p>
+          <a:p>
+            <a:br>
+              <a:rPr lang="es-MX" sz="900" b="0" dirty="0">
+                <a:effectLst/>
+                <a:latin typeface="Consolas" panose="020B0609020204030204" pitchFamily="49" charset="0"/>
+              </a:rPr>
+            </a:br>
+            <a:r>
+              <a:rPr lang="es-MX" sz="900" b="0" dirty="0">
+                <a:effectLst/>
+                <a:latin typeface="Consolas" panose="020B0609020204030204" pitchFamily="49" charset="0"/>
+              </a:rPr>
+              <a:t>- Clúster "Leal": Este clúster incluye a los clientes que han realizado compras de manera constante a lo largo del tiempo, pero que no han gastado tanto dinero como los clientes del clúster "Activo". Estos clientes son valiosos para la empresa porque son leales y es probable que continúen comprando en el futuro.</a:t>
+            </a:r>
+          </a:p>
+          <a:p>
+            <a:br>
+              <a:rPr lang="es-MX" sz="900" b="0" dirty="0">
+                <a:effectLst/>
+                <a:latin typeface="Consolas" panose="020B0609020204030204" pitchFamily="49" charset="0"/>
+              </a:rPr>
+            </a:br>
+            <a:r>
+              <a:rPr lang="es-MX" sz="900" b="0" dirty="0">
+                <a:effectLst/>
+                <a:latin typeface="Consolas" panose="020B0609020204030204" pitchFamily="49" charset="0"/>
+              </a:rPr>
+              <a:t>- Clúster "Alto valor": Este clúster incluye a los clientes que han realizado una sola compra de gran valor. Estos clientes son potencialmente valiosos para la empresa, pero es necesario realizar un seguimiento para determinar si continuarán comprando en el futuro.</a:t>
+            </a:r>
+          </a:p>
+          <a:p>
+            <a:br>
+              <a:rPr lang="es-MX" sz="900" b="0" dirty="0">
+                <a:effectLst/>
+                <a:latin typeface="Consolas" panose="020B0609020204030204" pitchFamily="49" charset="0"/>
+              </a:rPr>
+            </a:br>
+            <a:r>
+              <a:rPr lang="es-MX" sz="900" b="0" dirty="0">
+                <a:effectLst/>
+                <a:latin typeface="Consolas" panose="020B0609020204030204" pitchFamily="49" charset="0"/>
+              </a:rPr>
+              <a:t>- Clúster "Potencial": Este clúster incluye a los clientes que han realizado compras recientemente y que han gastado una cantidad moderada de dinero. Estos clientes son potencialmente valiosos para la empresa, pero es necesario realizar un seguimiento para determinar si continuarán comprando en el futuro.</a:t>
+            </a:r>
+          </a:p>
+          <a:p>
+            <a:br>
+              <a:rPr lang="es-MX" sz="900" b="0" dirty="0">
+                <a:effectLst/>
+                <a:latin typeface="Consolas" panose="020B0609020204030204" pitchFamily="49" charset="0"/>
+              </a:rPr>
+            </a:br>
+            <a:r>
+              <a:rPr lang="es-MX" sz="900" b="0" dirty="0">
+                <a:effectLst/>
+                <a:latin typeface="Consolas" panose="020B0609020204030204" pitchFamily="49" charset="0"/>
+              </a:rPr>
+              <a:t>- Clúster "Cliente Perdido": Este clúster incluye a los clientes que no han realizado compras en un período de tiempo prolongado. Estos clientes ya no son valiosos para la empresa y es probable que no regresen.</a:t>
+            </a:r>
+          </a:p>
+          <a:p>
+            <a:br>
+              <a:rPr lang="es-MX" sz="900" b="0" dirty="0">
+                <a:effectLst/>
+                <a:latin typeface="Consolas" panose="020B0609020204030204" pitchFamily="49" charset="0"/>
+              </a:rPr>
+            </a:br>
+            <a:r>
+              <a:rPr lang="es-MX" sz="900" b="0" dirty="0">
+                <a:effectLst/>
+                <a:latin typeface="Consolas" panose="020B0609020204030204" pitchFamily="49" charset="0"/>
+              </a:rPr>
+              <a:t>Se observan las siguientes tendencias </a:t>
+            </a:r>
+          </a:p>
+          <a:p>
+            <a:br>
+              <a:rPr lang="es-MX" sz="900" b="0" dirty="0">
+                <a:effectLst/>
+                <a:latin typeface="Consolas" panose="020B0609020204030204" pitchFamily="49" charset="0"/>
+              </a:rPr>
+            </a:br>
+            <a:r>
+              <a:rPr lang="es-MX" sz="900" b="0" dirty="0">
+                <a:effectLst/>
+                <a:latin typeface="Consolas" panose="020B0609020204030204" pitchFamily="49" charset="0"/>
+              </a:rPr>
+              <a:t>- El número de clientes en el clúster "Activo" está aumentando con el tiempo. Esto sugiere que la empresa está atrayendo a nuevos clientes valiosos.</a:t>
+            </a:r>
+          </a:p>
+          <a:p>
+            <a:br>
+              <a:rPr lang="es-MX" sz="900" b="0" dirty="0">
+                <a:effectLst/>
+                <a:latin typeface="Consolas" panose="020B0609020204030204" pitchFamily="49" charset="0"/>
+              </a:rPr>
+            </a:br>
+            <a:r>
+              <a:rPr lang="es-MX" sz="900" b="0" dirty="0">
+                <a:effectLst/>
+                <a:latin typeface="Consolas" panose="020B0609020204030204" pitchFamily="49" charset="0"/>
+              </a:rPr>
+              <a:t>- El número de clientes en el clúster "Leal" está disminuyendo con el tiempo. Esto sugiere que la empresa está perdiendo clientes leales.</a:t>
+            </a:r>
+          </a:p>
+          <a:p>
+            <a:r>
+              <a:rPr lang="es-MX" sz="900" b="0" dirty="0">
+                <a:effectLst/>
+                <a:latin typeface="Consolas" panose="020B0609020204030204" pitchFamily="49" charset="0"/>
+              </a:rPr>
+              <a:t> </a:t>
+            </a:r>
+          </a:p>
+          <a:p>
+            <a:r>
+              <a:rPr lang="es-MX" sz="900" b="0" dirty="0">
+                <a:effectLst/>
+                <a:latin typeface="Consolas" panose="020B0609020204030204" pitchFamily="49" charset="0"/>
+              </a:rPr>
+              <a:t>- El número de clientes en el clúster "Alto valor" está fluctuando con el tiempo. Esto sugiere que la empresa no está siendo consistente en la atracción de clientes de alto valor.</a:t>
+            </a:r>
+          </a:p>
+          <a:p>
+            <a:br>
+              <a:rPr lang="es-MX" sz="900" b="0" dirty="0">
+                <a:effectLst/>
+                <a:latin typeface="Consolas" panose="020B0609020204030204" pitchFamily="49" charset="0"/>
+              </a:rPr>
+            </a:br>
+            <a:r>
+              <a:rPr lang="es-MX" sz="900" b="0" dirty="0">
+                <a:effectLst/>
+                <a:latin typeface="Consolas" panose="020B0609020204030204" pitchFamily="49" charset="0"/>
+              </a:rPr>
+              <a:t>- El número de clientes en el clúster "Cliente Perdido" está disminuyendo con el tiempo. Esto sugiere que la empresa está haciendo un mejor trabajo para retener a sus clientes.</a:t>
+            </a:r>
+          </a:p>
+          <a:p>
+            <a:endParaRPr lang="es-MX" dirty="0"/>
+          </a:p>
+        </p:txBody>
+      </p:sp>
+    </p:spTree>
+    <p:extLst>
+      <p:ext uri="{BB962C8B-B14F-4D97-AF65-F5344CB8AC3E}">
+        <p14:creationId xmlns:p14="http://schemas.microsoft.com/office/powerpoint/2010/main" val="1492005602"/>
+      </p:ext>
+    </p:extLst>
+  </p:cSld>
+  <p:clrMapOvr>
+    <a:masterClrMapping/>
+  </p:clrMapOvr>
+</p:sld>
+</file>
+
+<file path=ppt/slides/slide2.xml><?xml version="1.0" encoding="utf-8"?>
+<p:sld xmlns:a="http://schemas.openxmlformats.org/drawingml/2006/main" xmlns:r="http://schemas.openxmlformats.org/officeDocument/2006/relationships" xmlns:p="http://schemas.openxmlformats.org/presentationml/2006/main">
+  <p:cSld>
+    <p:spTree>
+      <p:nvGrpSpPr>
+        <p:cNvPr id="1" name=""/>
+        <p:cNvGrpSpPr/>
+        <p:nvPr/>
+      </p:nvGrpSpPr>
+      <p:grpSpPr>
+        <a:xfrm>
+          <a:off x="0" y="0"/>
+          <a:ext cx="0" cy="0"/>
+          <a:chOff x="0" y="0"/>
+          <a:chExt cx="0" cy="0"/>
+        </a:xfrm>
+      </p:grpSpPr>
+      <p:sp>
+        <p:nvSpPr>
+          <p:cNvPr id="2" name="CuadroTexto 1">
+            <a:extLst>
+              <a:ext uri="{FF2B5EF4-FFF2-40B4-BE49-F238E27FC236}">
+                <a16:creationId xmlns:a16="http://schemas.microsoft.com/office/drawing/2014/main" id="{B0F4EA24-0E77-88F2-29A6-3EDEBFF112E5}"/>
+              </a:ext>
+            </a:extLst>
+          </p:cNvPr>
+          <p:cNvSpPr txBox="1"/>
+          <p:nvPr/>
+        </p:nvSpPr>
+        <p:spPr>
+          <a:xfrm>
+            <a:off x="627529" y="1380565"/>
+            <a:ext cx="10623177" cy="5170646"/>
+          </a:xfrm>
+          <a:prstGeom prst="rect">
+            <a:avLst/>
+          </a:prstGeom>
+          <a:noFill/>
+        </p:spPr>
+        <p:txBody>
+          <a:bodyPr wrap="square" rtlCol="0">
+            <a:spAutoFit/>
+          </a:bodyPr>
+          <a:lstStyle/>
+          <a:p>
+            <a:r>
+              <a:rPr lang="es-MX" sz="1400" b="0" dirty="0">
+                <a:effectLst/>
+                <a:latin typeface="Consolas" panose="020B0609020204030204" pitchFamily="49" charset="0"/>
+              </a:rPr>
+              <a:t>En el competitivo mundo del comercio electrónico, entender a fondo a nuestros clientes es fundamental para ofrecer experiencias personalizadas y maximizar la satisfacción y lealtad del cliente. Este análisis de segmentación de clientes tiene como objetivo explorar y comprender las distintas características y comportamientos de los clientes que interactúan con nuestra tienda en línea, especializada en productos creativos.</a:t>
+            </a:r>
+          </a:p>
+          <a:p>
+            <a:br>
+              <a:rPr lang="es-MX" sz="1400" b="0" dirty="0">
+                <a:effectLst/>
+                <a:latin typeface="Consolas" panose="020B0609020204030204" pitchFamily="49" charset="0"/>
+              </a:rPr>
+            </a:br>
+            <a:r>
+              <a:rPr lang="es-MX" sz="1400" b="0" dirty="0">
+                <a:effectLst/>
+                <a:latin typeface="Consolas" panose="020B0609020204030204" pitchFamily="49" charset="0"/>
+              </a:rPr>
+              <a:t>Utilizando técnicas avanzadas de análisis de datos, como </a:t>
+            </a:r>
+            <a:r>
+              <a:rPr lang="es-MX" sz="1400" b="0" dirty="0" err="1">
+                <a:effectLst/>
+                <a:latin typeface="Consolas" panose="020B0609020204030204" pitchFamily="49" charset="0"/>
+              </a:rPr>
+              <a:t>clustering</a:t>
+            </a:r>
+            <a:r>
+              <a:rPr lang="es-MX" sz="1400" b="0" dirty="0">
+                <a:effectLst/>
+                <a:latin typeface="Consolas" panose="020B0609020204030204" pitchFamily="49" charset="0"/>
+              </a:rPr>
+              <a:t> y segmentación, este estudio buscará identificar grupos homogéneos de clientes. Estos segmentos nos permitirán personalizar estrategias de marketing más efectivas, optimizar la selección de productos y mejorar la experiencia general de compra. Al comprender las necesidades y preferencias únicas de cada segmento, aspiramos a fortalecer la conexión emocional con la marca y aumentar la retención de clientes a largo plazo.</a:t>
+            </a:r>
+          </a:p>
+          <a:p>
+            <a:br>
+              <a:rPr lang="es-MX" sz="1400" b="0" dirty="0">
+                <a:effectLst/>
+                <a:latin typeface="Consolas" panose="020B0609020204030204" pitchFamily="49" charset="0"/>
+              </a:rPr>
+            </a:br>
+            <a:r>
+              <a:rPr lang="es-MX" sz="1400" b="0" dirty="0">
+                <a:effectLst/>
+                <a:latin typeface="Consolas" panose="020B0609020204030204" pitchFamily="49" charset="0"/>
+              </a:rPr>
+              <a:t>A lo largo de este análisis, exploraremos cómo diferentes segmentos de clientes interactúan con nuestros productos, qué atributos compartidos tienen y cómo podemos adaptar nuestras iniciativas de negocio para satisfacer mejor sus expectativas. Este enfoque estratégico no solo impulsará el crecimiento y la rentabilidad de </a:t>
+            </a:r>
+            <a:r>
+              <a:rPr lang="es-MX" sz="1400" b="0" dirty="0" err="1">
+                <a:effectLst/>
+                <a:latin typeface="Consolas" panose="020B0609020204030204" pitchFamily="49" charset="0"/>
+              </a:rPr>
+              <a:t>Design</a:t>
+            </a:r>
+            <a:r>
+              <a:rPr lang="es-MX" sz="1400" b="0" dirty="0">
+                <a:effectLst/>
+                <a:latin typeface="Consolas" panose="020B0609020204030204" pitchFamily="49" charset="0"/>
+              </a:rPr>
+              <a:t> </a:t>
+            </a:r>
+            <a:r>
+              <a:rPr lang="es-MX" sz="1400" b="0" dirty="0" err="1">
+                <a:effectLst/>
+                <a:latin typeface="Consolas" panose="020B0609020204030204" pitchFamily="49" charset="0"/>
+              </a:rPr>
+              <a:t>Reels</a:t>
+            </a:r>
+            <a:r>
+              <a:rPr lang="es-MX" sz="1400" b="0" dirty="0">
+                <a:effectLst/>
+                <a:latin typeface="Consolas" panose="020B0609020204030204" pitchFamily="49" charset="0"/>
+              </a:rPr>
+              <a:t>, sino que también nos permitirá destacar en un mercado saturado al ofrecer soluciones que verdaderamente resuenen con nuestros clientes.</a:t>
+            </a:r>
+          </a:p>
+          <a:p>
+            <a:br>
+              <a:rPr lang="es-MX" sz="1400" b="0" dirty="0">
+                <a:effectLst/>
+                <a:latin typeface="Consolas" panose="020B0609020204030204" pitchFamily="49" charset="0"/>
+              </a:rPr>
+            </a:br>
+            <a:r>
+              <a:rPr lang="es-MX" sz="1400" b="0" dirty="0">
+                <a:effectLst/>
+                <a:latin typeface="Consolas" panose="020B0609020204030204" pitchFamily="49" charset="0"/>
+              </a:rPr>
+              <a:t>Juntos, avanzaremos hacia una comprensión más profunda de nuestros clientes y hacia la creación de experiencias de compra personalizadas y significativas que fortalezcan la posición de </a:t>
+            </a:r>
+            <a:r>
+              <a:rPr lang="es-MX" sz="1400" b="0" dirty="0" err="1">
+                <a:effectLst/>
+                <a:latin typeface="Consolas" panose="020B0609020204030204" pitchFamily="49" charset="0"/>
+              </a:rPr>
+              <a:t>DesignReels</a:t>
+            </a:r>
+            <a:r>
+              <a:rPr lang="es-MX" sz="1400" b="0" dirty="0">
+                <a:effectLst/>
+                <a:latin typeface="Consolas" panose="020B0609020204030204" pitchFamily="49" charset="0"/>
+              </a:rPr>
+              <a:t> como líder en su categoría de productos creativos.</a:t>
+            </a:r>
+          </a:p>
+          <a:p>
+            <a:br>
+              <a:rPr lang="es-MX" b="0" dirty="0">
+                <a:solidFill>
+                  <a:srgbClr val="ABB2BF"/>
+                </a:solidFill>
+                <a:effectLst/>
+                <a:highlight>
+                  <a:srgbClr val="23272E"/>
+                </a:highlight>
+                <a:latin typeface="Consolas" panose="020B0609020204030204" pitchFamily="49" charset="0"/>
+              </a:rPr>
+            </a:br>
+            <a:endParaRPr lang="es-MX" b="0" dirty="0">
+              <a:solidFill>
+                <a:srgbClr val="ABB2BF"/>
+              </a:solidFill>
+              <a:effectLst/>
+              <a:highlight>
+                <a:srgbClr val="23272E"/>
+              </a:highlight>
+              <a:latin typeface="Consolas" panose="020B0609020204030204" pitchFamily="49" charset="0"/>
+            </a:endParaRPr>
+          </a:p>
+        </p:txBody>
+      </p:sp>
+      <p:sp>
+        <p:nvSpPr>
+          <p:cNvPr id="3" name="CuadroTexto 2">
+            <a:extLst>
+              <a:ext uri="{FF2B5EF4-FFF2-40B4-BE49-F238E27FC236}">
+                <a16:creationId xmlns:a16="http://schemas.microsoft.com/office/drawing/2014/main" id="{6F21FAE7-CDD0-04C0-A709-DC07D14BA0E0}"/>
+              </a:ext>
+            </a:extLst>
+          </p:cNvPr>
+          <p:cNvSpPr txBox="1"/>
+          <p:nvPr/>
+        </p:nvSpPr>
+        <p:spPr>
+          <a:xfrm>
+            <a:off x="502023" y="403412"/>
+            <a:ext cx="7270377" cy="738664"/>
+          </a:xfrm>
+          <a:prstGeom prst="rect">
+            <a:avLst/>
+          </a:prstGeom>
+          <a:noFill/>
+        </p:spPr>
+        <p:txBody>
+          <a:bodyPr wrap="square" rtlCol="0">
+            <a:spAutoFit/>
+          </a:bodyPr>
+          <a:lstStyle/>
+          <a:p>
+            <a:r>
+              <a:rPr lang="es-MX" sz="2400" b="0" dirty="0">
+                <a:solidFill>
+                  <a:srgbClr val="E06C75"/>
+                </a:solidFill>
+                <a:effectLst/>
+                <a:latin typeface="Consolas" panose="020B0609020204030204" pitchFamily="49" charset="0"/>
+              </a:rPr>
+              <a:t>Segmentación de Clientes para </a:t>
+            </a:r>
+            <a:r>
+              <a:rPr lang="es-MX" sz="2400" b="0" dirty="0" err="1">
+                <a:solidFill>
+                  <a:srgbClr val="E06C75"/>
+                </a:solidFill>
+                <a:effectLst/>
+                <a:latin typeface="Consolas" panose="020B0609020204030204" pitchFamily="49" charset="0"/>
+              </a:rPr>
+              <a:t>Design</a:t>
+            </a:r>
+            <a:r>
+              <a:rPr lang="es-MX" sz="2400" b="0" dirty="0">
+                <a:solidFill>
+                  <a:srgbClr val="E06C75"/>
+                </a:solidFill>
+                <a:effectLst/>
+                <a:latin typeface="Consolas" panose="020B0609020204030204" pitchFamily="49" charset="0"/>
+              </a:rPr>
+              <a:t> </a:t>
+            </a:r>
+            <a:r>
+              <a:rPr lang="es-MX" sz="2400" b="0" dirty="0" err="1">
+                <a:solidFill>
+                  <a:srgbClr val="E06C75"/>
+                </a:solidFill>
+                <a:effectLst/>
+                <a:latin typeface="Consolas" panose="020B0609020204030204" pitchFamily="49" charset="0"/>
+              </a:rPr>
+              <a:t>Reels</a:t>
+            </a:r>
+            <a:endParaRPr lang="es-MX" sz="2400" b="0" dirty="0">
+              <a:solidFill>
+                <a:srgbClr val="ABB2BF"/>
+              </a:solidFill>
+              <a:effectLst/>
+              <a:latin typeface="Consolas" panose="020B0609020204030204" pitchFamily="49" charset="0"/>
+            </a:endParaRPr>
+          </a:p>
+          <a:p>
+            <a:endParaRPr lang="es-MX" dirty="0"/>
+          </a:p>
+        </p:txBody>
+      </p:sp>
+    </p:spTree>
+    <p:extLst>
+      <p:ext uri="{BB962C8B-B14F-4D97-AF65-F5344CB8AC3E}">
+        <p14:creationId xmlns:p14="http://schemas.microsoft.com/office/powerpoint/2010/main" val="2204100819"/>
+      </p:ext>
+    </p:extLst>
+  </p:cSld>
+  <p:clrMapOvr>
+    <a:masterClrMapping/>
+  </p:clrMapOvr>
+</p:sld>
+</file>
+
+<file path=ppt/slides/slide20.xml><?xml version="1.0" encoding="utf-8"?>
+<p:sld xmlns:a="http://schemas.openxmlformats.org/drawingml/2006/main" xmlns:r="http://schemas.openxmlformats.org/officeDocument/2006/relationships" xmlns:p="http://schemas.openxmlformats.org/presentationml/2006/main">
+  <p:cSld>
+    <p:spTree>
+      <p:nvGrpSpPr>
+        <p:cNvPr id="1" name=""/>
+        <p:cNvGrpSpPr/>
+        <p:nvPr/>
+      </p:nvGrpSpPr>
+      <p:grpSpPr>
+        <a:xfrm>
+          <a:off x="0" y="0"/>
+          <a:ext cx="0" cy="0"/>
+          <a:chOff x="0" y="0"/>
+          <a:chExt cx="0" cy="0"/>
+        </a:xfrm>
+      </p:grpSpPr>
+      <p:sp>
+        <p:nvSpPr>
+          <p:cNvPr id="2" name="CuadroTexto 1">
+            <a:extLst>
+              <a:ext uri="{FF2B5EF4-FFF2-40B4-BE49-F238E27FC236}">
+                <a16:creationId xmlns:a16="http://schemas.microsoft.com/office/drawing/2014/main" id="{B5809274-CD51-9311-5EB3-2FA86A86F369}"/>
+              </a:ext>
+            </a:extLst>
+          </p:cNvPr>
+          <p:cNvSpPr txBox="1"/>
+          <p:nvPr/>
+        </p:nvSpPr>
+        <p:spPr>
+          <a:xfrm>
+            <a:off x="349624" y="-358589"/>
+            <a:ext cx="11187953" cy="1862048"/>
+          </a:xfrm>
+          <a:prstGeom prst="rect">
+            <a:avLst/>
+          </a:prstGeom>
+          <a:noFill/>
+        </p:spPr>
+        <p:txBody>
+          <a:bodyPr wrap="square" rtlCol="0">
+            <a:spAutoFit/>
+          </a:bodyPr>
+          <a:lstStyle/>
+          <a:p>
+            <a:r>
+              <a:rPr lang="en-US" sz="11500" dirty="0"/>
+              <a:t>Insights</a:t>
+            </a:r>
+            <a:endParaRPr lang="es-MX" dirty="0"/>
+          </a:p>
+        </p:txBody>
+      </p:sp>
+      <p:sp>
+        <p:nvSpPr>
+          <p:cNvPr id="3" name="CuadroTexto 2">
+            <a:extLst>
+              <a:ext uri="{FF2B5EF4-FFF2-40B4-BE49-F238E27FC236}">
+                <a16:creationId xmlns:a16="http://schemas.microsoft.com/office/drawing/2014/main" id="{DA6B64BD-CABA-D920-D5C5-BC2CBC4EDC9C}"/>
+              </a:ext>
+            </a:extLst>
+          </p:cNvPr>
+          <p:cNvSpPr txBox="1"/>
+          <p:nvPr/>
+        </p:nvSpPr>
+        <p:spPr>
+          <a:xfrm>
+            <a:off x="439271" y="1269448"/>
+            <a:ext cx="9628094" cy="5770811"/>
+          </a:xfrm>
+          <a:prstGeom prst="rect">
+            <a:avLst/>
+          </a:prstGeom>
+          <a:noFill/>
+        </p:spPr>
+        <p:txBody>
+          <a:bodyPr wrap="square" rtlCol="0">
+            <a:spAutoFit/>
+          </a:bodyPr>
+          <a:lstStyle/>
+          <a:p>
+            <a:r>
+              <a:rPr lang="es-MX" sz="900" b="0" dirty="0">
+                <a:effectLst/>
+                <a:latin typeface="Consolas" panose="020B0609020204030204" pitchFamily="49" charset="0"/>
+              </a:rPr>
+              <a:t>1. Distribución de las Ventas por Mes:</a:t>
+            </a:r>
+          </a:p>
+          <a:p>
+            <a:br>
+              <a:rPr lang="es-MX" sz="900" b="0" dirty="0">
+                <a:effectLst/>
+                <a:latin typeface="Consolas" panose="020B0609020204030204" pitchFamily="49" charset="0"/>
+              </a:rPr>
+            </a:br>
+            <a:r>
+              <a:rPr lang="es-MX" sz="900" b="0" dirty="0">
+                <a:effectLst/>
+                <a:latin typeface="Consolas" panose="020B0609020204030204" pitchFamily="49" charset="0"/>
+              </a:rPr>
+              <a:t>    Se identifico que los meses con mayores ventas son septiembre, octubre y noviembre. En diciembre se identifico </a:t>
+            </a:r>
+            <a:r>
+              <a:rPr lang="es-MX" sz="900" b="0" dirty="0" err="1">
+                <a:effectLst/>
+                <a:latin typeface="Consolas" panose="020B0609020204030204" pitchFamily="49" charset="0"/>
+              </a:rPr>
+              <a:t>tambien</a:t>
+            </a:r>
+            <a:r>
+              <a:rPr lang="es-MX" sz="900" b="0" dirty="0">
+                <a:effectLst/>
+                <a:latin typeface="Consolas" panose="020B0609020204030204" pitchFamily="49" charset="0"/>
+              </a:rPr>
+              <a:t> una baja en las ventas la cual se sugiere </a:t>
+            </a:r>
+            <a:r>
+              <a:rPr lang="es-MX" sz="900" b="0" dirty="0" err="1">
+                <a:effectLst/>
+                <a:latin typeface="Consolas" panose="020B0609020204030204" pitchFamily="49" charset="0"/>
+              </a:rPr>
+              <a:t>coparar</a:t>
+            </a:r>
+            <a:r>
+              <a:rPr lang="es-MX" sz="900" b="0" dirty="0">
+                <a:effectLst/>
+                <a:latin typeface="Consolas" panose="020B0609020204030204" pitchFamily="49" charset="0"/>
+              </a:rPr>
+              <a:t> con datos de otros años para verificar si es una constante e identificar las posibles causas para generar una estrategia de </a:t>
+            </a:r>
+            <a:r>
+              <a:rPr lang="es-MX" sz="900" b="0" dirty="0" err="1">
+                <a:effectLst/>
+                <a:latin typeface="Consolas" panose="020B0609020204030204" pitchFamily="49" charset="0"/>
+              </a:rPr>
+              <a:t>solucion</a:t>
+            </a:r>
+            <a:r>
+              <a:rPr lang="es-MX" sz="900" b="0" dirty="0">
+                <a:effectLst/>
+                <a:latin typeface="Consolas" panose="020B0609020204030204" pitchFamily="49" charset="0"/>
+              </a:rPr>
+              <a:t>. </a:t>
+            </a:r>
+          </a:p>
+          <a:p>
+            <a:br>
+              <a:rPr lang="es-MX" sz="900" b="0" dirty="0">
+                <a:effectLst/>
+                <a:latin typeface="Consolas" panose="020B0609020204030204" pitchFamily="49" charset="0"/>
+              </a:rPr>
+            </a:br>
+            <a:r>
+              <a:rPr lang="es-MX" sz="900" b="0" dirty="0">
+                <a:effectLst/>
+                <a:latin typeface="Consolas" panose="020B0609020204030204" pitchFamily="49" charset="0"/>
+              </a:rPr>
+              <a:t>2. Análisis de la Frecuencia de Compra:</a:t>
+            </a:r>
+          </a:p>
+          <a:p>
+            <a:br>
+              <a:rPr lang="es-MX" sz="900" b="0" dirty="0">
+                <a:effectLst/>
+                <a:latin typeface="Consolas" panose="020B0609020204030204" pitchFamily="49" charset="0"/>
+              </a:rPr>
+            </a:br>
+            <a:r>
+              <a:rPr lang="es-MX" sz="900" b="0" dirty="0">
+                <a:effectLst/>
+                <a:latin typeface="Consolas" panose="020B0609020204030204" pitchFamily="49" charset="0"/>
+              </a:rPr>
+              <a:t>    Se identifico que la </a:t>
+            </a:r>
+            <a:r>
+              <a:rPr lang="es-MX" sz="900" b="0" dirty="0" err="1">
+                <a:effectLst/>
+                <a:latin typeface="Consolas" panose="020B0609020204030204" pitchFamily="49" charset="0"/>
+              </a:rPr>
+              <a:t>mayoria</a:t>
+            </a:r>
+            <a:r>
+              <a:rPr lang="es-MX" sz="900" b="0" dirty="0">
+                <a:effectLst/>
+                <a:latin typeface="Consolas" panose="020B0609020204030204" pitchFamily="49" charset="0"/>
+              </a:rPr>
+              <a:t> de los clientes regresa a realizar una compra dentro de los 50 </a:t>
+            </a:r>
+            <a:r>
+              <a:rPr lang="es-MX" sz="900" b="0" dirty="0" err="1">
+                <a:effectLst/>
+                <a:latin typeface="Consolas" panose="020B0609020204030204" pitchFamily="49" charset="0"/>
+              </a:rPr>
+              <a:t>dias</a:t>
+            </a:r>
+            <a:r>
+              <a:rPr lang="es-MX" sz="900" b="0" dirty="0">
+                <a:effectLst/>
+                <a:latin typeface="Consolas" panose="020B0609020204030204" pitchFamily="49" charset="0"/>
+              </a:rPr>
+              <a:t> posteriores. Este numero </a:t>
+            </a:r>
+            <a:r>
+              <a:rPr lang="es-MX" sz="900" b="0" dirty="0" err="1">
+                <a:effectLst/>
+                <a:latin typeface="Consolas" panose="020B0609020204030204" pitchFamily="49" charset="0"/>
+              </a:rPr>
+              <a:t>podria</a:t>
+            </a:r>
+            <a:r>
+              <a:rPr lang="es-MX" sz="900" b="0" dirty="0">
+                <a:effectLst/>
+                <a:latin typeface="Consolas" panose="020B0609020204030204" pitchFamily="49" charset="0"/>
+              </a:rPr>
+              <a:t> intentar disminuirse con alguna estrategia de marketing determinada como promociones o similares. </a:t>
+            </a:r>
+          </a:p>
+          <a:p>
+            <a:br>
+              <a:rPr lang="es-MX" sz="900" b="0" dirty="0">
+                <a:effectLst/>
+                <a:latin typeface="Consolas" panose="020B0609020204030204" pitchFamily="49" charset="0"/>
+              </a:rPr>
+            </a:br>
+            <a:r>
+              <a:rPr lang="es-MX" sz="900" b="0" dirty="0">
+                <a:effectLst/>
+                <a:latin typeface="Consolas" panose="020B0609020204030204" pitchFamily="49" charset="0"/>
+              </a:rPr>
+              <a:t>3. Segmentación de Clientes:</a:t>
+            </a:r>
+          </a:p>
+          <a:p>
+            <a:br>
+              <a:rPr lang="es-MX" sz="900" b="0" dirty="0">
+                <a:effectLst/>
+                <a:latin typeface="Consolas" panose="020B0609020204030204" pitchFamily="49" charset="0"/>
+              </a:rPr>
+            </a:br>
+            <a:r>
+              <a:rPr lang="es-MX" sz="900" b="0" dirty="0">
+                <a:effectLst/>
+                <a:latin typeface="Consolas" panose="020B0609020204030204" pitchFamily="49" charset="0"/>
+              </a:rPr>
+              <a:t>    Clasificar a los clientes en diferentes segmentos basados en su comportamiento de compra (por ejemplo, frecuentes, ocasionales, nuevos, etc.). Esto permitirá personalizar las estrategias de marketing para cada segmento.</a:t>
+            </a:r>
+          </a:p>
+          <a:p>
+            <a:br>
+              <a:rPr lang="es-MX" sz="900" b="0" dirty="0">
+                <a:effectLst/>
+                <a:latin typeface="Consolas" panose="020B0609020204030204" pitchFamily="49" charset="0"/>
+              </a:rPr>
+            </a:br>
+            <a:r>
+              <a:rPr lang="es-MX" sz="900" b="0" dirty="0">
+                <a:effectLst/>
+                <a:latin typeface="Consolas" panose="020B0609020204030204" pitchFamily="49" charset="0"/>
+              </a:rPr>
+              <a:t>4. Valor Promedio de las Compras:</a:t>
+            </a:r>
+          </a:p>
+          <a:p>
+            <a:br>
+              <a:rPr lang="es-MX" sz="900" b="0" dirty="0">
+                <a:effectLst/>
+                <a:latin typeface="Consolas" panose="020B0609020204030204" pitchFamily="49" charset="0"/>
+              </a:rPr>
+            </a:br>
+            <a:r>
+              <a:rPr lang="es-MX" sz="900" b="0" dirty="0">
+                <a:effectLst/>
+                <a:latin typeface="Consolas" panose="020B0609020204030204" pitchFamily="49" charset="0"/>
+              </a:rPr>
+              <a:t>    El valor promedio de compra se establece entre los $200 y $1000; sin embargo, se detectaron un par de clientes con compras por encima de los $8,000. Seria importante tomarlos en cuenta para asegurarnos que </a:t>
+            </a:r>
+            <a:r>
+              <a:rPr lang="es-MX" sz="900" b="0" dirty="0" err="1">
+                <a:effectLst/>
+                <a:latin typeface="Consolas" panose="020B0609020204030204" pitchFamily="49" charset="0"/>
+              </a:rPr>
+              <a:t>continuen</a:t>
+            </a:r>
+            <a:r>
+              <a:rPr lang="es-MX" sz="900" b="0" dirty="0">
+                <a:effectLst/>
+                <a:latin typeface="Consolas" panose="020B0609020204030204" pitchFamily="49" charset="0"/>
+              </a:rPr>
+              <a:t> haciendo compras de alto valor. </a:t>
+            </a:r>
+          </a:p>
+          <a:p>
+            <a:br>
+              <a:rPr lang="es-MX" sz="900" b="0" dirty="0">
+                <a:effectLst/>
+                <a:latin typeface="Consolas" panose="020B0609020204030204" pitchFamily="49" charset="0"/>
+              </a:rPr>
+            </a:br>
+            <a:r>
+              <a:rPr lang="es-MX" sz="900" b="0" dirty="0">
+                <a:effectLst/>
+                <a:latin typeface="Consolas" panose="020B0609020204030204" pitchFamily="49" charset="0"/>
+              </a:rPr>
+              <a:t>5. Análisis de Productos más Rentables:</a:t>
+            </a:r>
+          </a:p>
+          <a:p>
+            <a:br>
+              <a:rPr lang="es-MX" sz="900" b="0" dirty="0">
+                <a:effectLst/>
+                <a:latin typeface="Consolas" panose="020B0609020204030204" pitchFamily="49" charset="0"/>
+              </a:rPr>
+            </a:br>
+            <a:r>
+              <a:rPr lang="es-MX" sz="900" b="0" dirty="0">
+                <a:effectLst/>
+                <a:latin typeface="Consolas" panose="020B0609020204030204" pitchFamily="49" charset="0"/>
+              </a:rPr>
+              <a:t>    Nuestro dos productos mas vendidos son el papel </a:t>
+            </a:r>
+            <a:r>
+              <a:rPr lang="es-MX" sz="900" b="0" dirty="0" err="1">
+                <a:effectLst/>
+                <a:latin typeface="Consolas" panose="020B0609020204030204" pitchFamily="49" charset="0"/>
+              </a:rPr>
+              <a:t>craft</a:t>
+            </a:r>
+            <a:r>
+              <a:rPr lang="es-MX" sz="900" b="0" dirty="0">
+                <a:effectLst/>
+                <a:latin typeface="Consolas" panose="020B0609020204030204" pitchFamily="49" charset="0"/>
+              </a:rPr>
+              <a:t> </a:t>
+            </a:r>
+            <a:r>
+              <a:rPr lang="es-MX" sz="900" b="0" dirty="0" err="1">
+                <a:effectLst/>
+                <a:latin typeface="Consolas" panose="020B0609020204030204" pitchFamily="49" charset="0"/>
+              </a:rPr>
+              <a:t>little</a:t>
+            </a:r>
+            <a:r>
+              <a:rPr lang="es-MX" sz="900" b="0" dirty="0">
+                <a:effectLst/>
+                <a:latin typeface="Consolas" panose="020B0609020204030204" pitchFamily="49" charset="0"/>
+              </a:rPr>
+              <a:t> birdie y </a:t>
+            </a:r>
+            <a:r>
+              <a:rPr lang="es-MX" sz="900" b="0" dirty="0" err="1">
+                <a:effectLst/>
+                <a:latin typeface="Consolas" panose="020B0609020204030204" pitchFamily="49" charset="0"/>
+              </a:rPr>
+              <a:t>medium</a:t>
+            </a:r>
+            <a:r>
+              <a:rPr lang="es-MX" sz="900" b="0" dirty="0">
+                <a:effectLst/>
+                <a:latin typeface="Consolas" panose="020B0609020204030204" pitchFamily="49" charset="0"/>
+              </a:rPr>
+              <a:t> </a:t>
+            </a:r>
+            <a:r>
+              <a:rPr lang="es-MX" sz="900" b="0" dirty="0" err="1">
+                <a:effectLst/>
+                <a:latin typeface="Consolas" panose="020B0609020204030204" pitchFamily="49" charset="0"/>
+              </a:rPr>
+              <a:t>ceramic</a:t>
+            </a:r>
+            <a:r>
+              <a:rPr lang="es-MX" sz="900" b="0" dirty="0">
+                <a:effectLst/>
+                <a:latin typeface="Consolas" panose="020B0609020204030204" pitchFamily="49" charset="0"/>
+              </a:rPr>
+              <a:t> top </a:t>
+            </a:r>
+            <a:r>
+              <a:rPr lang="es-MX" sz="900" b="0" dirty="0" err="1">
+                <a:effectLst/>
+                <a:latin typeface="Consolas" panose="020B0609020204030204" pitchFamily="49" charset="0"/>
+              </a:rPr>
+              <a:t>storage</a:t>
+            </a:r>
+            <a:r>
+              <a:rPr lang="es-MX" sz="900" b="0" dirty="0">
+                <a:effectLst/>
+                <a:latin typeface="Consolas" panose="020B0609020204030204" pitchFamily="49" charset="0"/>
+              </a:rPr>
+              <a:t> </a:t>
+            </a:r>
+            <a:r>
+              <a:rPr lang="es-MX" sz="900" b="0" dirty="0" err="1">
+                <a:effectLst/>
+                <a:latin typeface="Consolas" panose="020B0609020204030204" pitchFamily="49" charset="0"/>
+              </a:rPr>
+              <a:t>jar</a:t>
+            </a:r>
+            <a:r>
+              <a:rPr lang="es-MX" sz="900" b="0" dirty="0">
+                <a:effectLst/>
+                <a:latin typeface="Consolas" panose="020B0609020204030204" pitchFamily="49" charset="0"/>
+              </a:rPr>
+              <a:t>. Por lo que nuestras estrategias de marketing </a:t>
+            </a:r>
+            <a:r>
+              <a:rPr lang="es-MX" sz="900" b="0" dirty="0" err="1">
+                <a:effectLst/>
+                <a:latin typeface="Consolas" panose="020B0609020204030204" pitchFamily="49" charset="0"/>
+              </a:rPr>
+              <a:t>podrian</a:t>
+            </a:r>
+            <a:r>
+              <a:rPr lang="es-MX" sz="900" b="0" dirty="0">
+                <a:effectLst/>
+                <a:latin typeface="Consolas" panose="020B0609020204030204" pitchFamily="49" charset="0"/>
+              </a:rPr>
+              <a:t> ir orientadas a este clase de productos para generar mayor rentabilidad. </a:t>
+            </a:r>
+          </a:p>
+          <a:p>
+            <a:br>
+              <a:rPr lang="es-MX" sz="900" b="0" dirty="0">
+                <a:effectLst/>
+                <a:latin typeface="Consolas" panose="020B0609020204030204" pitchFamily="49" charset="0"/>
+              </a:rPr>
+            </a:br>
+            <a:r>
+              <a:rPr lang="es-MX" sz="900" b="0" dirty="0">
+                <a:effectLst/>
+                <a:latin typeface="Consolas" panose="020B0609020204030204" pitchFamily="49" charset="0"/>
+              </a:rPr>
+              <a:t>6. Tasa de Retención de Clientes:</a:t>
+            </a:r>
+          </a:p>
+          <a:p>
+            <a:br>
+              <a:rPr lang="es-MX" sz="900" b="0" dirty="0">
+                <a:effectLst/>
+                <a:latin typeface="Consolas" panose="020B0609020204030204" pitchFamily="49" charset="0"/>
+              </a:rPr>
+            </a:br>
+            <a:r>
+              <a:rPr lang="es-MX" sz="900" b="0" dirty="0">
+                <a:effectLst/>
+                <a:latin typeface="Consolas" panose="020B0609020204030204" pitchFamily="49" charset="0"/>
+              </a:rPr>
+              <a:t>    Con base en el periodo de tiempo con el que contamos no fue posible </a:t>
+            </a:r>
+            <a:r>
+              <a:rPr lang="es-MX" sz="900" b="0" dirty="0" err="1">
+                <a:effectLst/>
+                <a:latin typeface="Consolas" panose="020B0609020204030204" pitchFamily="49" charset="0"/>
+              </a:rPr>
+              <a:t>determiner</a:t>
+            </a:r>
+            <a:r>
+              <a:rPr lang="es-MX" sz="900" b="0" dirty="0">
+                <a:effectLst/>
+                <a:latin typeface="Consolas" panose="020B0609020204030204" pitchFamily="49" charset="0"/>
+              </a:rPr>
+              <a:t> la </a:t>
+            </a:r>
+            <a:r>
+              <a:rPr lang="es-MX" sz="900" b="0" dirty="0" err="1">
+                <a:effectLst/>
+                <a:latin typeface="Consolas" panose="020B0609020204030204" pitchFamily="49" charset="0"/>
+              </a:rPr>
+              <a:t>retencion</a:t>
+            </a:r>
+            <a:r>
+              <a:rPr lang="es-MX" sz="900" b="0" dirty="0">
+                <a:effectLst/>
+                <a:latin typeface="Consolas" panose="020B0609020204030204" pitchFamily="49" charset="0"/>
+              </a:rPr>
+              <a:t> de clientes, pues solo contamos con datos de 2020. Seria prudente comparar estos datos con mas años para obtener </a:t>
+            </a:r>
+            <a:r>
+              <a:rPr lang="es-MX" sz="900" b="0" dirty="0" err="1">
+                <a:effectLst/>
+                <a:latin typeface="Consolas" panose="020B0609020204030204" pitchFamily="49" charset="0"/>
+              </a:rPr>
+              <a:t>informacion</a:t>
+            </a:r>
+            <a:r>
+              <a:rPr lang="es-MX" sz="900" b="0" dirty="0">
+                <a:effectLst/>
+                <a:latin typeface="Consolas" panose="020B0609020204030204" pitchFamily="49" charset="0"/>
+              </a:rPr>
+              <a:t> mas precisa al respecto. </a:t>
+            </a:r>
+          </a:p>
+          <a:p>
+            <a:br>
+              <a:rPr lang="es-MX" sz="900" b="0" dirty="0">
+                <a:effectLst/>
+                <a:latin typeface="Consolas" panose="020B0609020204030204" pitchFamily="49" charset="0"/>
+              </a:rPr>
+            </a:br>
+            <a:r>
+              <a:rPr lang="es-MX" sz="900" b="0" dirty="0">
+                <a:effectLst/>
+                <a:latin typeface="Consolas" panose="020B0609020204030204" pitchFamily="49" charset="0"/>
+              </a:rPr>
+              <a:t>7. Comportamiento de Compra por Región:</a:t>
+            </a:r>
+          </a:p>
+          <a:p>
+            <a:br>
+              <a:rPr lang="es-MX" sz="900" b="0" dirty="0">
+                <a:effectLst/>
+                <a:latin typeface="Consolas" panose="020B0609020204030204" pitchFamily="49" charset="0"/>
+              </a:rPr>
+            </a:br>
+            <a:r>
+              <a:rPr lang="es-MX" sz="900" b="0" dirty="0">
+                <a:effectLst/>
+                <a:latin typeface="Consolas" panose="020B0609020204030204" pitchFamily="49" charset="0"/>
+              </a:rPr>
+              <a:t>    La </a:t>
+            </a:r>
+            <a:r>
+              <a:rPr lang="es-MX" sz="900" b="0" dirty="0" err="1">
+                <a:effectLst/>
+                <a:latin typeface="Consolas" panose="020B0609020204030204" pitchFamily="49" charset="0"/>
+              </a:rPr>
+              <a:t>region</a:t>
+            </a:r>
+            <a:r>
+              <a:rPr lang="es-MX" sz="900" b="0" dirty="0">
+                <a:effectLst/>
+                <a:latin typeface="Consolas" panose="020B0609020204030204" pitchFamily="49" charset="0"/>
+              </a:rPr>
+              <a:t> que sin duda destaca por las ganancias generadas a la empresa es Reino Unido, sugerimos destinar mas estrategias a este mercado. </a:t>
+            </a:r>
+          </a:p>
+          <a:p>
+            <a:br>
+              <a:rPr lang="es-MX" sz="900" b="0" dirty="0">
+                <a:effectLst/>
+                <a:latin typeface="Consolas" panose="020B0609020204030204" pitchFamily="49" charset="0"/>
+              </a:rPr>
+            </a:br>
+            <a:r>
+              <a:rPr lang="es-MX" sz="900" b="0" dirty="0">
+                <a:effectLst/>
+                <a:latin typeface="Consolas" panose="020B0609020204030204" pitchFamily="49" charset="0"/>
+              </a:rPr>
+              <a:t>8. Integridad de los datos:</a:t>
+            </a:r>
+          </a:p>
+          <a:p>
+            <a:br>
+              <a:rPr lang="es-MX" sz="900" b="0" dirty="0">
+                <a:effectLst/>
+                <a:latin typeface="Consolas" panose="020B0609020204030204" pitchFamily="49" charset="0"/>
+              </a:rPr>
+            </a:br>
+            <a:r>
+              <a:rPr lang="es-MX" sz="900" b="0" dirty="0">
+                <a:effectLst/>
+                <a:latin typeface="Consolas" panose="020B0609020204030204" pitchFamily="49" charset="0"/>
+              </a:rPr>
+              <a:t>    Se detecto una mezcla en los datos de facturas relativa al ingreso de dinero por compras de clientes y facturas relacionadas con pagos de servicios de la empresa, como plataformas de </a:t>
+            </a:r>
+            <a:r>
+              <a:rPr lang="es-MX" sz="900" b="0" dirty="0" err="1">
+                <a:effectLst/>
+                <a:latin typeface="Consolas" panose="020B0609020204030204" pitchFamily="49" charset="0"/>
+              </a:rPr>
+              <a:t>Amazos</a:t>
+            </a:r>
+            <a:r>
+              <a:rPr lang="es-MX" sz="900" b="0" dirty="0">
+                <a:effectLst/>
+                <a:latin typeface="Consolas" panose="020B0609020204030204" pitchFamily="49" charset="0"/>
+              </a:rPr>
+              <a:t> y </a:t>
+            </a:r>
+            <a:r>
+              <a:rPr lang="es-MX" sz="900" b="0" dirty="0" err="1">
+                <a:effectLst/>
+                <a:latin typeface="Consolas" panose="020B0609020204030204" pitchFamily="49" charset="0"/>
+              </a:rPr>
+              <a:t>envios</a:t>
+            </a:r>
+            <a:r>
+              <a:rPr lang="es-MX" sz="900" b="0" dirty="0">
+                <a:effectLst/>
+                <a:latin typeface="Consolas" panose="020B0609020204030204" pitchFamily="49" charset="0"/>
+              </a:rPr>
+              <a:t> postales. </a:t>
+            </a:r>
+          </a:p>
+          <a:p>
+            <a:br>
+              <a:rPr lang="es-MX" sz="900" b="0" dirty="0">
+                <a:solidFill>
+                  <a:srgbClr val="ABB2BF"/>
+                </a:solidFill>
+                <a:effectLst/>
+                <a:highlight>
+                  <a:srgbClr val="23272E"/>
+                </a:highlight>
+                <a:latin typeface="Consolas" panose="020B0609020204030204" pitchFamily="49" charset="0"/>
+              </a:rPr>
+            </a:br>
+            <a:endParaRPr lang="es-MX" sz="900" b="0" dirty="0">
+              <a:solidFill>
+                <a:srgbClr val="ABB2BF"/>
+              </a:solidFill>
+              <a:effectLst/>
+              <a:highlight>
+                <a:srgbClr val="23272E"/>
+              </a:highlight>
+              <a:latin typeface="Consolas" panose="020B0609020204030204" pitchFamily="49" charset="0"/>
+            </a:endParaRPr>
+          </a:p>
+        </p:txBody>
+      </p:sp>
+    </p:spTree>
+    <p:extLst>
+      <p:ext uri="{BB962C8B-B14F-4D97-AF65-F5344CB8AC3E}">
+        <p14:creationId xmlns:p14="http://schemas.microsoft.com/office/powerpoint/2010/main" val="202277044"/>
+      </p:ext>
+    </p:extLst>
+  </p:cSld>
+  <p:clrMapOvr>
+    <a:masterClrMapping/>
+  </p:clrMapOvr>
+</p:sld>
+</file>
+
+<file path=ppt/slides/slide21.xml><?xml version="1.0" encoding="utf-8"?>
+<p:sld xmlns:a="http://schemas.openxmlformats.org/drawingml/2006/main" xmlns:r="http://schemas.openxmlformats.org/officeDocument/2006/relationships" xmlns:p="http://schemas.openxmlformats.org/presentationml/2006/main">
+  <p:cSld>
+    <p:spTree>
+      <p:nvGrpSpPr>
+        <p:cNvPr id="1" name=""/>
+        <p:cNvGrpSpPr/>
+        <p:nvPr/>
+      </p:nvGrpSpPr>
+      <p:grpSpPr>
+        <a:xfrm>
+          <a:off x="0" y="0"/>
+          <a:ext cx="0" cy="0"/>
+          <a:chOff x="0" y="0"/>
+          <a:chExt cx="0" cy="0"/>
+        </a:xfrm>
+      </p:grpSpPr>
+      <p:sp>
+        <p:nvSpPr>
+          <p:cNvPr id="2" name="CuadroTexto 1">
+            <a:extLst>
+              <a:ext uri="{FF2B5EF4-FFF2-40B4-BE49-F238E27FC236}">
+                <a16:creationId xmlns:a16="http://schemas.microsoft.com/office/drawing/2014/main" id="{7FAF8D4C-05CB-A019-A03F-86026C67F864}"/>
+              </a:ext>
+            </a:extLst>
+          </p:cNvPr>
+          <p:cNvSpPr txBox="1"/>
+          <p:nvPr/>
+        </p:nvSpPr>
+        <p:spPr>
+          <a:xfrm>
+            <a:off x="842683" y="618564"/>
+            <a:ext cx="10237694" cy="6370975"/>
+          </a:xfrm>
+          <a:prstGeom prst="rect">
+            <a:avLst/>
+          </a:prstGeom>
+          <a:noFill/>
+        </p:spPr>
+        <p:txBody>
+          <a:bodyPr wrap="square" rtlCol="0">
+            <a:spAutoFit/>
+          </a:bodyPr>
+          <a:lstStyle/>
+          <a:p>
+            <a:r>
+              <a:rPr lang="es-MX" sz="1000" b="0" dirty="0">
+                <a:effectLst/>
+                <a:latin typeface="Consolas" panose="020B0609020204030204" pitchFamily="49" charset="0"/>
+              </a:rPr>
+              <a:t>1. Análisis de Ventas por Meses y Años:</a:t>
+            </a:r>
+          </a:p>
+          <a:p>
+            <a:br>
+              <a:rPr lang="es-MX" sz="1000" b="0" dirty="0">
+                <a:effectLst/>
+                <a:latin typeface="Consolas" panose="020B0609020204030204" pitchFamily="49" charset="0"/>
+              </a:rPr>
+            </a:br>
+            <a:r>
+              <a:rPr lang="es-MX" sz="1000" b="0" dirty="0">
+                <a:effectLst/>
+                <a:latin typeface="Consolas" panose="020B0609020204030204" pitchFamily="49" charset="0"/>
+              </a:rPr>
+              <a:t>    Se observa una concentración de ventas significativa en los meses de septiembre, octubre y noviembre, indicando que son los mejores meses en términos de facturación.</a:t>
+            </a:r>
+          </a:p>
+          <a:p>
+            <a:r>
+              <a:rPr lang="es-MX" sz="1000" b="0" dirty="0">
+                <a:effectLst/>
+                <a:latin typeface="Consolas" panose="020B0609020204030204" pitchFamily="49" charset="0"/>
+              </a:rPr>
+              <a:t>    Diciembre muestra una disminución en las ventas, sugiriendo oportunidades para mejorar las estrategias de ventas durante las festividades.</a:t>
+            </a:r>
+          </a:p>
+          <a:p>
+            <a:br>
+              <a:rPr lang="es-MX" sz="1000" b="0" dirty="0">
+                <a:effectLst/>
+                <a:latin typeface="Consolas" panose="020B0609020204030204" pitchFamily="49" charset="0"/>
+              </a:rPr>
+            </a:br>
+            <a:r>
+              <a:rPr lang="es-MX" sz="1000" b="0" dirty="0">
+                <a:effectLst/>
+                <a:latin typeface="Consolas" panose="020B0609020204030204" pitchFamily="49" charset="0"/>
+              </a:rPr>
+              <a:t>2. Segmentación de Clientes:</a:t>
+            </a:r>
+          </a:p>
+          <a:p>
+            <a:br>
+              <a:rPr lang="es-MX" sz="1000" b="0" dirty="0">
+                <a:effectLst/>
+                <a:latin typeface="Consolas" panose="020B0609020204030204" pitchFamily="49" charset="0"/>
+              </a:rPr>
+            </a:br>
+            <a:r>
+              <a:rPr lang="es-MX" sz="1000" b="0" dirty="0">
+                <a:effectLst/>
+                <a:latin typeface="Consolas" panose="020B0609020204030204" pitchFamily="49" charset="0"/>
+              </a:rPr>
+              <a:t>    La segmentación de clientes de la empresa, realizada con el algoritmo K-</a:t>
+            </a:r>
+            <a:r>
+              <a:rPr lang="es-MX" sz="1000" b="0" dirty="0" err="1">
+                <a:effectLst/>
+                <a:latin typeface="Consolas" panose="020B0609020204030204" pitchFamily="49" charset="0"/>
+              </a:rPr>
+              <a:t>means</a:t>
+            </a:r>
+            <a:r>
+              <a:rPr lang="es-MX" sz="1000" b="0" dirty="0">
+                <a:effectLst/>
+                <a:latin typeface="Consolas" panose="020B0609020204030204" pitchFamily="49" charset="0"/>
+              </a:rPr>
+              <a:t>, ha revelado cuatro tipos de clientes: Activos, Leales, Alto Valor, Potencial y Perdidos. La información obtenida permite desarrollar estrategias personalizadas para cada segmento, enfocándose en la retención, el aumento del gasto y la conversión de clientes potenciales. Es importante recordar que la segmentación es un proceso continuo y que se deben utilizar herramientas y métodos adicionales para obtener una visión completa de la base de clientes. Invertir en la recopilación de datos, análisis y profesionales especializados permitirá a la empresa aprovechar al máximo la segmentación de clientes para mejorar sus resultados comerciales.</a:t>
+            </a:r>
+          </a:p>
+          <a:p>
+            <a:br>
+              <a:rPr lang="es-MX" sz="1000" b="0" dirty="0">
+                <a:effectLst/>
+                <a:latin typeface="Consolas" panose="020B0609020204030204" pitchFamily="49" charset="0"/>
+              </a:rPr>
+            </a:br>
+            <a:r>
+              <a:rPr lang="es-MX" sz="1000" b="0" dirty="0">
+                <a:effectLst/>
+                <a:latin typeface="Consolas" panose="020B0609020204030204" pitchFamily="49" charset="0"/>
+              </a:rPr>
+              <a:t>    </a:t>
+            </a:r>
+          </a:p>
+          <a:p>
+            <a:r>
+              <a:rPr lang="es-MX" sz="1000" b="0" dirty="0">
+                <a:effectLst/>
+                <a:latin typeface="Consolas" panose="020B0609020204030204" pitchFamily="49" charset="0"/>
+              </a:rPr>
+              <a:t>3. Distribución del Tiempo de Vida del Cliente:</a:t>
+            </a:r>
+          </a:p>
+          <a:p>
+            <a:br>
+              <a:rPr lang="es-MX" sz="1000" b="0" dirty="0">
+                <a:effectLst/>
+                <a:latin typeface="Consolas" panose="020B0609020204030204" pitchFamily="49" charset="0"/>
+              </a:rPr>
+            </a:br>
+            <a:r>
+              <a:rPr lang="es-MX" sz="1000" b="0" dirty="0">
+                <a:effectLst/>
+                <a:latin typeface="Consolas" panose="020B0609020204030204" pitchFamily="49" charset="0"/>
+              </a:rPr>
+              <a:t>    La mayoría de los clientes presentan una frecuencia de compra entre 0 y 50 días, sugiriendo tanto clientes nuevos como potencialmente inactivos que podrían reactivarse.</a:t>
+            </a:r>
+          </a:p>
+          <a:p>
+            <a:br>
+              <a:rPr lang="es-MX" sz="1000" b="0" dirty="0">
+                <a:effectLst/>
+                <a:latin typeface="Consolas" panose="020B0609020204030204" pitchFamily="49" charset="0"/>
+              </a:rPr>
+            </a:br>
+            <a:r>
+              <a:rPr lang="es-MX" sz="1000" b="0" dirty="0">
+                <a:effectLst/>
+                <a:latin typeface="Consolas" panose="020B0609020204030204" pitchFamily="49" charset="0"/>
+              </a:rPr>
+              <a:t>4. Valor Promedio por Compra:</a:t>
+            </a:r>
+          </a:p>
+          <a:p>
+            <a:br>
+              <a:rPr lang="es-MX" sz="1000" b="0" dirty="0">
+                <a:effectLst/>
+                <a:latin typeface="Consolas" panose="020B0609020204030204" pitchFamily="49" charset="0"/>
+              </a:rPr>
+            </a:br>
+            <a:r>
+              <a:rPr lang="es-MX" sz="1000" b="0" dirty="0">
+                <a:effectLst/>
+                <a:latin typeface="Consolas" panose="020B0609020204030204" pitchFamily="49" charset="0"/>
+              </a:rPr>
+              <a:t>    La mayoría de las transacciones se encuentran por debajo de los $1,000, con un número significativo de clientes en el rango de $200 a $1,000.</a:t>
+            </a:r>
+          </a:p>
+          <a:p>
+            <a:r>
+              <a:rPr lang="es-MX" sz="1000" b="0" dirty="0">
+                <a:effectLst/>
+                <a:latin typeface="Consolas" panose="020B0609020204030204" pitchFamily="49" charset="0"/>
+              </a:rPr>
+              <a:t>    Existe un segmento minoritario pero importante de clientes que realizan compras de alto valor ($1,000+), representando una oportunidad para aumentar las ventas entre estos clientes.</a:t>
+            </a:r>
+          </a:p>
+          <a:p>
+            <a:r>
+              <a:rPr lang="es-MX" sz="1000" b="0" dirty="0">
+                <a:effectLst/>
+                <a:latin typeface="Consolas" panose="020B0609020204030204" pitchFamily="49" charset="0"/>
+              </a:rPr>
+              <a:t>    Se detectaron un par de clientes que realizaron compras de muy alto valor y cantidades de productos </a:t>
+            </a:r>
+            <a:r>
+              <a:rPr lang="es-MX" sz="1000" b="0" dirty="0" err="1">
+                <a:effectLst/>
+                <a:latin typeface="Consolas" panose="020B0609020204030204" pitchFamily="49" charset="0"/>
+              </a:rPr>
+              <a:t>especificos</a:t>
+            </a:r>
+            <a:r>
+              <a:rPr lang="es-MX" sz="1000" b="0" dirty="0">
+                <a:effectLst/>
+                <a:latin typeface="Consolas" panose="020B0609020204030204" pitchFamily="49" charset="0"/>
+              </a:rPr>
+              <a:t>, se sugiere analizar la posibilidad de crear estrategias de marketing dirigidas a clientes mayoristas.</a:t>
+            </a:r>
+          </a:p>
+          <a:p>
+            <a:br>
+              <a:rPr lang="es-MX" sz="1000" b="0" dirty="0">
+                <a:effectLst/>
+                <a:latin typeface="Consolas" panose="020B0609020204030204" pitchFamily="49" charset="0"/>
+              </a:rPr>
+            </a:br>
+            <a:r>
+              <a:rPr lang="es-MX" sz="1000" b="0" dirty="0">
+                <a:effectLst/>
+                <a:latin typeface="Consolas" panose="020B0609020204030204" pitchFamily="49" charset="0"/>
+              </a:rPr>
+              <a:t>5. Evolución del Valor Promedio por Compra:</a:t>
+            </a:r>
+          </a:p>
+          <a:p>
+            <a:br>
+              <a:rPr lang="es-MX" sz="1000" b="0" dirty="0">
+                <a:effectLst/>
+                <a:latin typeface="Consolas" panose="020B0609020204030204" pitchFamily="49" charset="0"/>
+              </a:rPr>
+            </a:br>
+            <a:r>
+              <a:rPr lang="es-MX" sz="1000" b="0" dirty="0">
+                <a:effectLst/>
+                <a:latin typeface="Consolas" panose="020B0609020204030204" pitchFamily="49" charset="0"/>
+              </a:rPr>
+              <a:t>    Se observa una distribución variada del valor promedio por compra, con la mayoría por debajo de $1,000. Estrategias para aumentar el gasto promedio podrían centrarse en personalizar ofertas según el historial de compras.</a:t>
+            </a:r>
+          </a:p>
+          <a:p>
+            <a:br>
+              <a:rPr lang="es-MX" sz="1000" b="0" dirty="0">
+                <a:effectLst/>
+                <a:latin typeface="Consolas" panose="020B0609020204030204" pitchFamily="49" charset="0"/>
+              </a:rPr>
+            </a:br>
+            <a:r>
+              <a:rPr lang="es-MX" sz="1000" b="0" dirty="0">
+                <a:effectLst/>
+                <a:latin typeface="Consolas" panose="020B0609020204030204" pitchFamily="49" charset="0"/>
+              </a:rPr>
+              <a:t>6. Segmentación de Clientes por Valor y Frecuencia:</a:t>
+            </a:r>
+          </a:p>
+          <a:p>
+            <a:br>
+              <a:rPr lang="es-MX" sz="1000" b="0" dirty="0">
+                <a:effectLst/>
+                <a:latin typeface="Consolas" panose="020B0609020204030204" pitchFamily="49" charset="0"/>
+              </a:rPr>
+            </a:br>
+            <a:r>
+              <a:rPr lang="es-MX" sz="1000" b="0" dirty="0">
+                <a:effectLst/>
+                <a:latin typeface="Consolas" panose="020B0609020204030204" pitchFamily="49" charset="0"/>
+              </a:rPr>
+              <a:t>    Se identificaron segmentos como Potencial, Leal, Activo, Alto Valor y </a:t>
+            </a:r>
+            <a:r>
+              <a:rPr lang="es-MX" sz="1000" b="0" dirty="0" err="1">
+                <a:effectLst/>
+                <a:latin typeface="Consolas" panose="020B0609020204030204" pitchFamily="49" charset="0"/>
+              </a:rPr>
+              <a:t>Churn</a:t>
+            </a:r>
+            <a:r>
+              <a:rPr lang="es-MX" sz="1000" b="0" dirty="0">
+                <a:effectLst/>
+                <a:latin typeface="Consolas" panose="020B0609020204030204" pitchFamily="49" charset="0"/>
+              </a:rPr>
+              <a:t>, cada uno con necesidades y estrategias específicas para aumentar la satisfacción y lealtad del cliente.</a:t>
+            </a:r>
+          </a:p>
+          <a:p>
+            <a:endParaRPr lang="es-MX" dirty="0"/>
+          </a:p>
+        </p:txBody>
+      </p:sp>
+      <p:sp>
+        <p:nvSpPr>
+          <p:cNvPr id="3" name="CuadroTexto 2">
+            <a:extLst>
+              <a:ext uri="{FF2B5EF4-FFF2-40B4-BE49-F238E27FC236}">
+                <a16:creationId xmlns:a16="http://schemas.microsoft.com/office/drawing/2014/main" id="{5A4EF42F-EB3E-281B-4984-8B02A28DEDD0}"/>
+              </a:ext>
+            </a:extLst>
+          </p:cNvPr>
+          <p:cNvSpPr txBox="1"/>
+          <p:nvPr/>
+        </p:nvSpPr>
+        <p:spPr>
+          <a:xfrm>
+            <a:off x="1129553" y="188259"/>
+            <a:ext cx="3550023" cy="369332"/>
+          </a:xfrm>
+          <a:prstGeom prst="rect">
+            <a:avLst/>
+          </a:prstGeom>
+          <a:noFill/>
+        </p:spPr>
+        <p:txBody>
+          <a:bodyPr wrap="square" rtlCol="0">
+            <a:spAutoFit/>
+          </a:bodyPr>
+          <a:lstStyle/>
+          <a:p>
+            <a:r>
+              <a:rPr lang="es-MX" b="0">
+                <a:solidFill>
+                  <a:srgbClr val="E06C75"/>
+                </a:solidFill>
+                <a:effectLst/>
+                <a:highlight>
+                  <a:srgbClr val="23272E"/>
+                </a:highlight>
+                <a:latin typeface="Consolas" panose="020B0609020204030204" pitchFamily="49" charset="0"/>
+              </a:rPr>
+              <a:t>Conclusiones </a:t>
+            </a:r>
+            <a:endParaRPr lang="es-MX" b="0">
+              <a:solidFill>
+                <a:srgbClr val="ABB2BF"/>
+              </a:solidFill>
+              <a:effectLst/>
+              <a:highlight>
+                <a:srgbClr val="23272E"/>
+              </a:highlight>
+              <a:latin typeface="Consolas" panose="020B0609020204030204" pitchFamily="49" charset="0"/>
+            </a:endParaRPr>
+          </a:p>
+        </p:txBody>
+      </p:sp>
+    </p:spTree>
+    <p:extLst>
+      <p:ext uri="{BB962C8B-B14F-4D97-AF65-F5344CB8AC3E}">
+        <p14:creationId xmlns:p14="http://schemas.microsoft.com/office/powerpoint/2010/main" val="439379593"/>
+      </p:ext>
+    </p:extLst>
+  </p:cSld>
+  <p:clrMapOvr>
+    <a:masterClrMapping/>
+  </p:clrMapOvr>
+</p:sld>
+</file>
+
+<file path=ppt/slides/slide22.xml><?xml version="1.0" encoding="utf-8"?>
+<p:sld xmlns:a="http://schemas.openxmlformats.org/drawingml/2006/main" xmlns:r="http://schemas.openxmlformats.org/officeDocument/2006/relationships" xmlns:p="http://schemas.openxmlformats.org/presentationml/2006/main">
+  <p:cSld>
+    <p:spTree>
+      <p:nvGrpSpPr>
+        <p:cNvPr id="1" name=""/>
+        <p:cNvGrpSpPr/>
+        <p:nvPr/>
+      </p:nvGrpSpPr>
+      <p:grpSpPr>
+        <a:xfrm>
+          <a:off x="0" y="0"/>
+          <a:ext cx="0" cy="0"/>
+          <a:chOff x="0" y="0"/>
+          <a:chExt cx="0" cy="0"/>
+        </a:xfrm>
+      </p:grpSpPr>
+      <p:sp>
+        <p:nvSpPr>
+          <p:cNvPr id="2" name="CuadroTexto 1">
+            <a:extLst>
+              <a:ext uri="{FF2B5EF4-FFF2-40B4-BE49-F238E27FC236}">
+                <a16:creationId xmlns:a16="http://schemas.microsoft.com/office/drawing/2014/main" id="{CA1E8AEB-35C9-1B93-84C0-CAD66A0DC2D3}"/>
+              </a:ext>
+            </a:extLst>
+          </p:cNvPr>
+          <p:cNvSpPr txBox="1"/>
+          <p:nvPr/>
+        </p:nvSpPr>
+        <p:spPr>
+          <a:xfrm>
+            <a:off x="896470" y="349624"/>
+            <a:ext cx="9923929" cy="7048083"/>
+          </a:xfrm>
+          <a:prstGeom prst="rect">
+            <a:avLst/>
+          </a:prstGeom>
+          <a:noFill/>
+        </p:spPr>
+        <p:txBody>
+          <a:bodyPr wrap="square" rtlCol="0">
+            <a:spAutoFit/>
+          </a:bodyPr>
+          <a:lstStyle/>
+          <a:p>
+            <a:r>
+              <a:rPr lang="es-MX" sz="1000" b="0" dirty="0">
+                <a:effectLst/>
+                <a:latin typeface="Consolas" panose="020B0609020204030204" pitchFamily="49" charset="0"/>
+              </a:rPr>
+              <a:t>- **Implementar programas de fidelización para clientes**: Los programas de fidelización pueden ayudar a mantener a los clientes comprometidos y reducir la rotación. Estos programas pueden ofrecer beneficios como descuentos, puntos, acceso anticipado a nuevos productos o servicios, y eventos exclusivos.</a:t>
+            </a:r>
+          </a:p>
+          <a:p>
+            <a:br>
+              <a:rPr lang="es-MX" sz="1000" b="0" dirty="0">
+                <a:effectLst/>
+                <a:latin typeface="Consolas" panose="020B0609020204030204" pitchFamily="49" charset="0"/>
+              </a:rPr>
+            </a:br>
+            <a:r>
+              <a:rPr lang="es-MX" sz="1000" b="0" dirty="0">
+                <a:effectLst/>
+                <a:latin typeface="Consolas" panose="020B0609020204030204" pitchFamily="49" charset="0"/>
+              </a:rPr>
+              <a:t>- **Mejorar el servicio al cliente**: Un buen servicio al cliente puede ayudar a aumentar la satisfacción del cliente y reducir la probabilidad de que se vayan. La empresa debe asegurarse de que sus canales de servicio al cliente sean accesibles y fáciles de usar, y que sus empleados estén capacitados para brindar un servicio de alta calidad.</a:t>
+            </a:r>
+          </a:p>
+          <a:p>
+            <a:br>
+              <a:rPr lang="es-MX" sz="1000" b="0" dirty="0">
+                <a:effectLst/>
+                <a:latin typeface="Consolas" panose="020B0609020204030204" pitchFamily="49" charset="0"/>
+              </a:rPr>
+            </a:br>
+            <a:r>
+              <a:rPr lang="es-MX" sz="1000" b="0" dirty="0">
+                <a:effectLst/>
+                <a:latin typeface="Consolas" panose="020B0609020204030204" pitchFamily="49" charset="0"/>
+              </a:rPr>
+              <a:t>- **Analizar las razones por las que los clientes se van**: Es importante comprender por qué los clientes se van para poder abordar las causas subyacentes. La empresa puede realizar encuestas de salida o entrevistas a los clientes perdidos para obtener información sobre sus razones para irse.</a:t>
+            </a:r>
+          </a:p>
+          <a:p>
+            <a:br>
+              <a:rPr lang="es-MX" sz="1000" b="0" dirty="0">
+                <a:effectLst/>
+                <a:latin typeface="Consolas" panose="020B0609020204030204" pitchFamily="49" charset="0"/>
+              </a:rPr>
+            </a:br>
+            <a:r>
+              <a:rPr lang="es-MX" sz="1000" b="0" dirty="0">
+                <a:effectLst/>
+                <a:latin typeface="Consolas" panose="020B0609020204030204" pitchFamily="49" charset="0"/>
+              </a:rPr>
+              <a:t>- **Analizar los factores que impulsan la fidelización**: La empresa debería investigar los factores que impulsan la fidelización de los clientes que realizan más de 100 compras. Esto podría ayudar a identificar estrategias para aumentar la fidelidad entre otros segmentos de clientes.</a:t>
+            </a:r>
+          </a:p>
+          <a:p>
+            <a:br>
+              <a:rPr lang="es-MX" sz="1000" b="0" dirty="0">
+                <a:effectLst/>
+                <a:latin typeface="Consolas" panose="020B0609020204030204" pitchFamily="49" charset="0"/>
+              </a:rPr>
+            </a:br>
+            <a:r>
+              <a:rPr lang="es-MX" sz="1000" b="0" dirty="0">
+                <a:effectLst/>
+                <a:latin typeface="Consolas" panose="020B0609020204030204" pitchFamily="49" charset="0"/>
+              </a:rPr>
+              <a:t>- **Personalizar las comunicaciones de marketing**: La empresa podría personalizar sus comunicaciones de marketing en función del historial de compras de cada cliente. Esto podría ayudar a aumentar la relevancia de los mensajes de marketing y fomentar la conversión.</a:t>
+            </a:r>
+          </a:p>
+          <a:p>
+            <a:br>
+              <a:rPr lang="es-MX" sz="1000" b="0" dirty="0">
+                <a:effectLst/>
+                <a:latin typeface="Consolas" panose="020B0609020204030204" pitchFamily="49" charset="0"/>
+              </a:rPr>
+            </a:br>
+            <a:r>
+              <a:rPr lang="es-MX" sz="1000" b="0" dirty="0">
+                <a:effectLst/>
+                <a:latin typeface="Consolas" panose="020B0609020204030204" pitchFamily="49" charset="0"/>
+              </a:rPr>
+              <a:t>- **Analizar los factores que influyen en el gasto**: La empresa debería investigar los factores que influyen en el gasto de los clientes en diferentes rangos de precios. Esto podría incluir factores demográficos, psicográficos, comportamentales y relacionados con los productos y servicios de la empresa.</a:t>
+            </a:r>
+          </a:p>
+          <a:p>
+            <a:br>
+              <a:rPr lang="es-MX" sz="1000" b="0" dirty="0">
+                <a:effectLst/>
+                <a:latin typeface="Consolas" panose="020B0609020204030204" pitchFamily="49" charset="0"/>
+              </a:rPr>
+            </a:br>
+            <a:r>
+              <a:rPr lang="es-MX" sz="1000" b="0" dirty="0">
+                <a:effectLst/>
+                <a:latin typeface="Consolas" panose="020B0609020204030204" pitchFamily="49" charset="0"/>
+              </a:rPr>
+              <a:t>- **Implementar estrategias para aumentar el gasto promedio**: La empresa podría implementar estrategias para aumentar el gasto promedio de los clientes en el rango de $0 a $200. Esto podría incluir ofrecer descuentos por volumen, promociones especiales, programas de fidelización o mejorar la experiencia de compra en la tienda.</a:t>
+            </a:r>
+          </a:p>
+          <a:p>
+            <a:br>
+              <a:rPr lang="es-MX" sz="1000" b="0" dirty="0">
+                <a:effectLst/>
+                <a:latin typeface="Consolas" panose="020B0609020204030204" pitchFamily="49" charset="0"/>
+              </a:rPr>
+            </a:br>
+            <a:r>
+              <a:rPr lang="es-MX" sz="1000" b="0" dirty="0">
+                <a:effectLst/>
+                <a:latin typeface="Consolas" panose="020B0609020204030204" pitchFamily="49" charset="0"/>
+              </a:rPr>
+              <a:t>- **Atraer y fidelizar a los clientes de alto valor**: La empresa podría implementar estrategias de marketing personalizadas para atraer y fidelizar a los clientes que gastan más de $1000. Esto podría incluir ofrecer productos y servicios exclusivos, brindar un servicio al cliente excepcional o invitar a eventos especiales.</a:t>
+            </a:r>
+          </a:p>
+          <a:p>
+            <a:br>
+              <a:rPr lang="es-MX" sz="1000" b="0" dirty="0">
+                <a:effectLst/>
+                <a:latin typeface="Consolas" panose="020B0609020204030204" pitchFamily="49" charset="0"/>
+              </a:rPr>
+            </a:br>
+            <a:r>
+              <a:rPr lang="es-MX" sz="1000" b="0" dirty="0">
+                <a:effectLst/>
+                <a:latin typeface="Consolas" panose="020B0609020204030204" pitchFamily="49" charset="0"/>
+              </a:rPr>
+              <a:t>- **Mejora en Estrategias de Marketing**: Centrarse en los meses con menor rendimiento, como diciembre, con campañas promocionales adecuadas para mejorar las ventas estacionales.</a:t>
+            </a:r>
+          </a:p>
+          <a:p>
+            <a:br>
+              <a:rPr lang="es-MX" sz="1000" b="0" dirty="0">
+                <a:effectLst/>
+                <a:latin typeface="Consolas" panose="020B0609020204030204" pitchFamily="49" charset="0"/>
+              </a:rPr>
+            </a:br>
+            <a:r>
+              <a:rPr lang="es-MX" sz="1000" b="0" dirty="0">
+                <a:effectLst/>
+                <a:latin typeface="Consolas" panose="020B0609020204030204" pitchFamily="49" charset="0"/>
+              </a:rPr>
+              <a:t>- **Reactivación de Clientes Inactivos**: Utilizar estrategias de reactivación como recordatorios y ofertas especiales para atraer de nuevo a clientes ocasionales y reducir la tasa de abandono.</a:t>
+            </a:r>
+          </a:p>
+          <a:p>
+            <a:br>
+              <a:rPr lang="es-MX" sz="1000" b="0" dirty="0">
+                <a:effectLst/>
+                <a:latin typeface="Consolas" panose="020B0609020204030204" pitchFamily="49" charset="0"/>
+              </a:rPr>
+            </a:br>
+            <a:r>
+              <a:rPr lang="es-MX" sz="1000" b="0" dirty="0">
+                <a:effectLst/>
+                <a:latin typeface="Consolas" panose="020B0609020204030204" pitchFamily="49" charset="0"/>
+              </a:rPr>
+              <a:t>- **Integridad de los datos**: Implementar un proceso para separar los datos de facturas en dos categorías Facturas de compras de clientes que deben incluir solo los ingresos generados por las compras realizadas por los clientes y Facturas de pagos de servicios donde se incluyan sola los pagos realizados por la empresa por servicios como plataformas de Amazon, envíos postales o cualquier otro servicio similar.</a:t>
+            </a:r>
+          </a:p>
+          <a:p>
+            <a:br>
+              <a:rPr lang="es-MX" sz="1400" b="0" dirty="0">
+                <a:solidFill>
+                  <a:srgbClr val="ABB2BF"/>
+                </a:solidFill>
+                <a:effectLst/>
+                <a:highlight>
+                  <a:srgbClr val="23272E"/>
+                </a:highlight>
+                <a:latin typeface="Consolas" panose="020B0609020204030204" pitchFamily="49" charset="0"/>
+              </a:rPr>
+            </a:br>
+            <a:endParaRPr lang="es-MX" sz="1400" b="0" dirty="0">
+              <a:solidFill>
+                <a:srgbClr val="ABB2BF"/>
+              </a:solidFill>
+              <a:effectLst/>
+              <a:highlight>
+                <a:srgbClr val="23272E"/>
+              </a:highlight>
+              <a:latin typeface="Consolas" panose="020B0609020204030204" pitchFamily="49" charset="0"/>
+            </a:endParaRPr>
+          </a:p>
+          <a:p>
+            <a:endParaRPr lang="es-MX" sz="1400" dirty="0"/>
+          </a:p>
+        </p:txBody>
+      </p:sp>
+      <p:sp>
+        <p:nvSpPr>
+          <p:cNvPr id="3" name="CuadroTexto 2">
+            <a:extLst>
+              <a:ext uri="{FF2B5EF4-FFF2-40B4-BE49-F238E27FC236}">
+                <a16:creationId xmlns:a16="http://schemas.microsoft.com/office/drawing/2014/main" id="{051351B7-5415-BB06-FCE2-1662F7FB5D35}"/>
+              </a:ext>
+            </a:extLst>
+          </p:cNvPr>
+          <p:cNvSpPr txBox="1"/>
+          <p:nvPr/>
+        </p:nvSpPr>
+        <p:spPr>
+          <a:xfrm>
+            <a:off x="896470" y="35859"/>
+            <a:ext cx="3397624" cy="369332"/>
+          </a:xfrm>
+          <a:prstGeom prst="rect">
+            <a:avLst/>
+          </a:prstGeom>
+          <a:noFill/>
+        </p:spPr>
+        <p:txBody>
+          <a:bodyPr wrap="square" rtlCol="0">
+            <a:spAutoFit/>
+          </a:bodyPr>
+          <a:lstStyle/>
+          <a:p>
+            <a:r>
+              <a:rPr lang="en-US" dirty="0"/>
+              <a:t>RECOMENDACIONES</a:t>
+            </a:r>
+            <a:endParaRPr lang="es-MX" dirty="0"/>
+          </a:p>
+        </p:txBody>
+      </p:sp>
+    </p:spTree>
+    <p:extLst>
+      <p:ext uri="{BB962C8B-B14F-4D97-AF65-F5344CB8AC3E}">
+        <p14:creationId xmlns:p14="http://schemas.microsoft.com/office/powerpoint/2010/main" val="1878075765"/>
+      </p:ext>
+    </p:extLst>
+  </p:cSld>
+  <p:clrMapOvr>
+    <a:masterClrMapping/>
+  </p:clrMapOvr>
+</p:sld>
+</file>
+
+<file path=ppt/slides/slide3.xml><?xml version="1.0" encoding="utf-8"?>
+<p:sld xmlns:a="http://schemas.openxmlformats.org/drawingml/2006/main" xmlns:r="http://schemas.openxmlformats.org/officeDocument/2006/relationships" xmlns:p="http://schemas.openxmlformats.org/presentationml/2006/main">
+  <p:cSld>
+    <p:spTree>
+      <p:nvGrpSpPr>
+        <p:cNvPr id="1" name=""/>
+        <p:cNvGrpSpPr/>
+        <p:nvPr/>
+      </p:nvGrpSpPr>
+      <p:grpSpPr>
+        <a:xfrm>
+          <a:off x="0" y="0"/>
+          <a:ext cx="0" cy="0"/>
+          <a:chOff x="0" y="0"/>
+          <a:chExt cx="0" cy="0"/>
+        </a:xfrm>
+      </p:grpSpPr>
+      <p:sp>
+        <p:nvSpPr>
+          <p:cNvPr id="2" name="CuadroTexto 1">
+            <a:extLst>
+              <a:ext uri="{FF2B5EF4-FFF2-40B4-BE49-F238E27FC236}">
+                <a16:creationId xmlns:a16="http://schemas.microsoft.com/office/drawing/2014/main" id="{8668F625-1326-4954-8DD3-19E4210C2E6B}"/>
+              </a:ext>
+            </a:extLst>
+          </p:cNvPr>
+          <p:cNvSpPr txBox="1"/>
+          <p:nvPr/>
+        </p:nvSpPr>
+        <p:spPr>
+          <a:xfrm>
+            <a:off x="636494" y="1604683"/>
+            <a:ext cx="10919012" cy="4247317"/>
+          </a:xfrm>
+          <a:prstGeom prst="rect">
+            <a:avLst/>
+          </a:prstGeom>
+          <a:noFill/>
+        </p:spPr>
+        <p:txBody>
+          <a:bodyPr wrap="square" rtlCol="0">
+            <a:spAutoFit/>
+          </a:bodyPr>
+          <a:lstStyle/>
+          <a:p>
+            <a:r>
+              <a:rPr lang="es-MX" b="0" dirty="0">
+                <a:effectLst/>
+                <a:latin typeface="Consolas" panose="020B0609020204030204" pitchFamily="49" charset="0"/>
+              </a:rPr>
+              <a:t>El conjunto de datos contiene información detallada sobre las transacciones de ventas de la tienda </a:t>
+            </a:r>
+          </a:p>
+          <a:p>
+            <a:br>
+              <a:rPr lang="es-MX" b="0" dirty="0">
+                <a:effectLst/>
+                <a:latin typeface="Consolas" panose="020B0609020204030204" pitchFamily="49" charset="0"/>
+              </a:rPr>
+            </a:br>
+            <a:r>
+              <a:rPr lang="es-MX" b="0" dirty="0">
+                <a:effectLst/>
+                <a:latin typeface="Consolas" panose="020B0609020204030204" pitchFamily="49" charset="0"/>
+              </a:rPr>
+              <a:t>Descripción de las Columnas</a:t>
+            </a:r>
+          </a:p>
+          <a:p>
+            <a:br>
+              <a:rPr lang="es-MX" b="0" dirty="0">
+                <a:effectLst/>
+                <a:latin typeface="Consolas" panose="020B0609020204030204" pitchFamily="49" charset="0"/>
+              </a:rPr>
+            </a:br>
+            <a:r>
+              <a:rPr lang="es-MX" b="0" dirty="0">
+                <a:effectLst/>
+                <a:latin typeface="Consolas" panose="020B0609020204030204" pitchFamily="49" charset="0"/>
+              </a:rPr>
+              <a:t>- </a:t>
+            </a:r>
+            <a:r>
+              <a:rPr lang="es-MX" b="0" dirty="0" err="1">
+                <a:effectLst/>
+                <a:latin typeface="Consolas" panose="020B0609020204030204" pitchFamily="49" charset="0"/>
+              </a:rPr>
+              <a:t>invoice_no</a:t>
+            </a:r>
+            <a:r>
+              <a:rPr lang="es-MX" b="0" dirty="0">
+                <a:effectLst/>
+                <a:latin typeface="Consolas" panose="020B0609020204030204" pitchFamily="49" charset="0"/>
+              </a:rPr>
+              <a:t>: Número de factura generado para cada transacción.</a:t>
+            </a:r>
+          </a:p>
+          <a:p>
+            <a:r>
+              <a:rPr lang="es-MX" b="0" dirty="0">
+                <a:effectLst/>
+                <a:latin typeface="Consolas" panose="020B0609020204030204" pitchFamily="49" charset="0"/>
+              </a:rPr>
+              <a:t>- </a:t>
+            </a:r>
+            <a:r>
+              <a:rPr lang="es-MX" b="0" dirty="0" err="1">
+                <a:effectLst/>
+                <a:latin typeface="Consolas" panose="020B0609020204030204" pitchFamily="49" charset="0"/>
+              </a:rPr>
+              <a:t>stock_code</a:t>
+            </a:r>
+            <a:r>
+              <a:rPr lang="es-MX" b="0" dirty="0">
+                <a:effectLst/>
+                <a:latin typeface="Consolas" panose="020B0609020204030204" pitchFamily="49" charset="0"/>
+              </a:rPr>
+              <a:t>: Código único que identifica cada producto vendido.</a:t>
+            </a:r>
+          </a:p>
+          <a:p>
+            <a:r>
+              <a:rPr lang="es-MX" b="0" dirty="0">
+                <a:effectLst/>
+                <a:latin typeface="Consolas" panose="020B0609020204030204" pitchFamily="49" charset="0"/>
+              </a:rPr>
+              <a:t>- </a:t>
+            </a:r>
+            <a:r>
+              <a:rPr lang="es-MX" b="0" dirty="0" err="1">
+                <a:effectLst/>
+                <a:latin typeface="Consolas" panose="020B0609020204030204" pitchFamily="49" charset="0"/>
+              </a:rPr>
+              <a:t>description</a:t>
+            </a:r>
+            <a:r>
+              <a:rPr lang="es-MX" b="0" dirty="0">
+                <a:effectLst/>
+                <a:latin typeface="Consolas" panose="020B0609020204030204" pitchFamily="49" charset="0"/>
+              </a:rPr>
+              <a:t>: Descripción del producto vendido.</a:t>
+            </a:r>
+          </a:p>
+          <a:p>
+            <a:r>
+              <a:rPr lang="es-MX" b="0" dirty="0">
+                <a:effectLst/>
+                <a:latin typeface="Consolas" panose="020B0609020204030204" pitchFamily="49" charset="0"/>
+              </a:rPr>
+              <a:t>- </a:t>
+            </a:r>
+            <a:r>
+              <a:rPr lang="es-MX" b="0" dirty="0" err="1">
+                <a:effectLst/>
+                <a:latin typeface="Consolas" panose="020B0609020204030204" pitchFamily="49" charset="0"/>
+              </a:rPr>
+              <a:t>quantity</a:t>
+            </a:r>
+            <a:r>
+              <a:rPr lang="es-MX" b="0" dirty="0">
+                <a:effectLst/>
+                <a:latin typeface="Consolas" panose="020B0609020204030204" pitchFamily="49" charset="0"/>
+              </a:rPr>
+              <a:t>: Cantidad de unidades vendidas de cada producto en la factura.</a:t>
+            </a:r>
+          </a:p>
+          <a:p>
+            <a:r>
+              <a:rPr lang="es-MX" b="0" dirty="0">
+                <a:effectLst/>
+                <a:latin typeface="Consolas" panose="020B0609020204030204" pitchFamily="49" charset="0"/>
+              </a:rPr>
+              <a:t>- </a:t>
+            </a:r>
+            <a:r>
+              <a:rPr lang="es-MX" b="0" dirty="0" err="1">
+                <a:effectLst/>
+                <a:latin typeface="Consolas" panose="020B0609020204030204" pitchFamily="49" charset="0"/>
+              </a:rPr>
+              <a:t>invoice_date</a:t>
+            </a:r>
+            <a:r>
+              <a:rPr lang="es-MX" b="0" dirty="0">
+                <a:effectLst/>
+                <a:latin typeface="Consolas" panose="020B0609020204030204" pitchFamily="49" charset="0"/>
+              </a:rPr>
+              <a:t>: Fecha y hora en que se emitió la factura.</a:t>
+            </a:r>
+          </a:p>
+          <a:p>
+            <a:r>
+              <a:rPr lang="es-MX" b="0" dirty="0">
+                <a:effectLst/>
+                <a:latin typeface="Consolas" panose="020B0609020204030204" pitchFamily="49" charset="0"/>
+              </a:rPr>
+              <a:t>- </a:t>
+            </a:r>
+            <a:r>
+              <a:rPr lang="es-MX" b="0" dirty="0" err="1">
+                <a:effectLst/>
+                <a:latin typeface="Consolas" panose="020B0609020204030204" pitchFamily="49" charset="0"/>
+              </a:rPr>
+              <a:t>unit_price</a:t>
+            </a:r>
+            <a:r>
+              <a:rPr lang="es-MX" b="0" dirty="0">
+                <a:effectLst/>
+                <a:latin typeface="Consolas" panose="020B0609020204030204" pitchFamily="49" charset="0"/>
+              </a:rPr>
+              <a:t>: Precio unitario del producto en la factura.</a:t>
+            </a:r>
+          </a:p>
+          <a:p>
+            <a:r>
+              <a:rPr lang="es-MX" b="0" dirty="0">
+                <a:effectLst/>
+                <a:latin typeface="Consolas" panose="020B0609020204030204" pitchFamily="49" charset="0"/>
+              </a:rPr>
+              <a:t>- </a:t>
+            </a:r>
+            <a:r>
+              <a:rPr lang="es-MX" b="0" dirty="0" err="1">
+                <a:effectLst/>
+                <a:latin typeface="Consolas" panose="020B0609020204030204" pitchFamily="49" charset="0"/>
+              </a:rPr>
+              <a:t>customer_id</a:t>
+            </a:r>
+            <a:r>
+              <a:rPr lang="es-MX" b="0" dirty="0">
+                <a:effectLst/>
+                <a:latin typeface="Consolas" panose="020B0609020204030204" pitchFamily="49" charset="0"/>
+              </a:rPr>
+              <a:t>: Identificación única del cliente que realizó la compra.</a:t>
+            </a:r>
+          </a:p>
+          <a:p>
+            <a:r>
+              <a:rPr lang="es-MX" b="0" dirty="0">
+                <a:effectLst/>
+                <a:latin typeface="Consolas" panose="020B0609020204030204" pitchFamily="49" charset="0"/>
+              </a:rPr>
+              <a:t>- </a:t>
+            </a:r>
+            <a:r>
+              <a:rPr lang="es-MX" b="0" dirty="0" err="1">
+                <a:effectLst/>
+                <a:latin typeface="Consolas" panose="020B0609020204030204" pitchFamily="49" charset="0"/>
+              </a:rPr>
+              <a:t>region</a:t>
+            </a:r>
+            <a:r>
+              <a:rPr lang="es-MX" b="0" dirty="0">
+                <a:effectLst/>
+                <a:latin typeface="Consolas" panose="020B0609020204030204" pitchFamily="49" charset="0"/>
+              </a:rPr>
+              <a:t>: Región o ubicación del cliente.</a:t>
+            </a:r>
+          </a:p>
+          <a:p>
+            <a:r>
+              <a:rPr lang="es-MX" b="0" dirty="0">
+                <a:effectLst/>
+                <a:latin typeface="Consolas" panose="020B0609020204030204" pitchFamily="49" charset="0"/>
+              </a:rPr>
+              <a:t>- total: Total de la venta, calculado como la cantidad vendida multiplicada por el precio unitario.</a:t>
+            </a:r>
+          </a:p>
+        </p:txBody>
+      </p:sp>
+      <p:sp>
+        <p:nvSpPr>
+          <p:cNvPr id="3" name="CuadroTexto 2">
+            <a:extLst>
+              <a:ext uri="{FF2B5EF4-FFF2-40B4-BE49-F238E27FC236}">
+                <a16:creationId xmlns:a16="http://schemas.microsoft.com/office/drawing/2014/main" id="{1E652532-635E-C9AE-789A-7EC527C365BD}"/>
+              </a:ext>
+            </a:extLst>
+          </p:cNvPr>
+          <p:cNvSpPr txBox="1"/>
+          <p:nvPr/>
+        </p:nvSpPr>
+        <p:spPr>
+          <a:xfrm>
+            <a:off x="528918" y="277906"/>
+            <a:ext cx="6293223" cy="800219"/>
+          </a:xfrm>
+          <a:prstGeom prst="rect">
+            <a:avLst/>
+          </a:prstGeom>
+          <a:noFill/>
+        </p:spPr>
+        <p:txBody>
+          <a:bodyPr wrap="square" rtlCol="0">
+            <a:spAutoFit/>
+          </a:bodyPr>
+          <a:lstStyle/>
+          <a:p>
+            <a:r>
+              <a:rPr lang="es-MX" b="0" dirty="0">
+                <a:solidFill>
+                  <a:srgbClr val="E06C75"/>
+                </a:solidFill>
+                <a:effectLst/>
+                <a:latin typeface="Consolas" panose="020B0609020204030204" pitchFamily="49" charset="0"/>
+              </a:rPr>
+              <a:t> </a:t>
+            </a:r>
+            <a:r>
+              <a:rPr lang="es-MX" sz="2800" b="0" dirty="0">
+                <a:solidFill>
+                  <a:srgbClr val="E06C75"/>
+                </a:solidFill>
+                <a:effectLst/>
+                <a:latin typeface="Consolas" panose="020B0609020204030204" pitchFamily="49" charset="0"/>
+              </a:rPr>
+              <a:t>Diccionario de datos </a:t>
+            </a:r>
+            <a:endParaRPr lang="es-MX" b="0" dirty="0">
+              <a:solidFill>
+                <a:srgbClr val="ABB2BF"/>
+              </a:solidFill>
+              <a:effectLst/>
+              <a:latin typeface="Consolas" panose="020B0609020204030204" pitchFamily="49" charset="0"/>
+            </a:endParaRPr>
+          </a:p>
+          <a:p>
+            <a:endParaRPr lang="es-MX" dirty="0"/>
+          </a:p>
+        </p:txBody>
+      </p:sp>
+    </p:spTree>
+    <p:extLst>
+      <p:ext uri="{BB962C8B-B14F-4D97-AF65-F5344CB8AC3E}">
+        <p14:creationId xmlns:p14="http://schemas.microsoft.com/office/powerpoint/2010/main" val="552470883"/>
+      </p:ext>
+    </p:extLst>
+  </p:cSld>
+  <p:clrMapOvr>
+    <a:masterClrMapping/>
+  </p:clrMapOvr>
+</p:sld>
+</file>
+
+<file path=ppt/slides/slide4.xml><?xml version="1.0" encoding="utf-8"?>
+<p:sld xmlns:a="http://schemas.openxmlformats.org/drawingml/2006/main" xmlns:r="http://schemas.openxmlformats.org/officeDocument/2006/relationships" xmlns:p="http://schemas.openxmlformats.org/presentationml/2006/main">
+  <p:cSld>
+    <p:spTree>
+      <p:nvGrpSpPr>
+        <p:cNvPr id="1" name=""/>
+        <p:cNvGrpSpPr/>
+        <p:nvPr/>
+      </p:nvGrpSpPr>
+      <p:grpSpPr>
+        <a:xfrm>
+          <a:off x="0" y="0"/>
+          <a:ext cx="0" cy="0"/>
+          <a:chOff x="0" y="0"/>
+          <a:chExt cx="0" cy="0"/>
+        </a:xfrm>
+      </p:grpSpPr>
+      <p:sp>
+        <p:nvSpPr>
+          <p:cNvPr id="2" name="Título 1">
+            <a:extLst>
+              <a:ext uri="{FF2B5EF4-FFF2-40B4-BE49-F238E27FC236}">
+                <a16:creationId xmlns:a16="http://schemas.microsoft.com/office/drawing/2014/main" id="{2595C453-4943-1DDE-FCCD-AF8A2CD311E2}"/>
+              </a:ext>
+            </a:extLst>
+          </p:cNvPr>
+          <p:cNvSpPr>
+            <a:spLocks noGrp="1"/>
+          </p:cNvSpPr>
+          <p:nvPr>
+            <p:ph type="ctrTitle"/>
+          </p:nvPr>
+        </p:nvSpPr>
+        <p:spPr/>
+        <p:txBody>
+          <a:bodyPr/>
+          <a:lstStyle/>
+          <a:p>
+            <a:r>
+              <a:rPr lang="en-US" dirty="0" err="1"/>
+              <a:t>Analis</a:t>
+            </a:r>
+            <a:r>
+              <a:rPr lang="en-US" dirty="0"/>
+              <a:t> </a:t>
+            </a:r>
+            <a:r>
+              <a:rPr lang="en-US" dirty="0" err="1"/>
+              <a:t>exploratorio</a:t>
+            </a:r>
+            <a:r>
+              <a:rPr lang="en-US" dirty="0"/>
+              <a:t> de </a:t>
+            </a:r>
+            <a:r>
+              <a:rPr lang="en-US" dirty="0" err="1"/>
+              <a:t>datos</a:t>
+            </a:r>
+            <a:endParaRPr lang="es-MX" dirty="0"/>
+          </a:p>
+        </p:txBody>
+      </p:sp>
+      <p:sp>
+        <p:nvSpPr>
+          <p:cNvPr id="3" name="Subtítulo 2">
+            <a:extLst>
+              <a:ext uri="{FF2B5EF4-FFF2-40B4-BE49-F238E27FC236}">
+                <a16:creationId xmlns:a16="http://schemas.microsoft.com/office/drawing/2014/main" id="{1DEDC75A-F1F4-8CB3-D1C8-5994BD500C4B}"/>
+              </a:ext>
+            </a:extLst>
+          </p:cNvPr>
+          <p:cNvSpPr>
+            <a:spLocks noGrp="1"/>
+          </p:cNvSpPr>
+          <p:nvPr>
+            <p:ph type="subTitle" idx="1"/>
+          </p:nvPr>
+        </p:nvSpPr>
+        <p:spPr/>
+        <p:txBody>
+          <a:bodyPr/>
+          <a:lstStyle/>
+          <a:p>
+            <a:endParaRPr lang="es-MX"/>
+          </a:p>
+        </p:txBody>
+      </p:sp>
+    </p:spTree>
+    <p:extLst>
+      <p:ext uri="{BB962C8B-B14F-4D97-AF65-F5344CB8AC3E}">
+        <p14:creationId xmlns:p14="http://schemas.microsoft.com/office/powerpoint/2010/main" val="241467360"/>
+      </p:ext>
+    </p:extLst>
+  </p:cSld>
+  <p:clrMapOvr>
+    <a:masterClrMapping/>
+  </p:clrMapOvr>
+</p:sld>
+</file>
+
+<file path=ppt/slides/slide5.xml><?xml version="1.0" encoding="utf-8"?>
+<p:sld xmlns:a="http://schemas.openxmlformats.org/drawingml/2006/main" xmlns:r="http://schemas.openxmlformats.org/officeDocument/2006/relationships" xmlns:p="http://schemas.openxmlformats.org/presentationml/2006/main">
+  <p:cSld>
+    <p:spTree>
+      <p:nvGrpSpPr>
+        <p:cNvPr id="1" name=""/>
+        <p:cNvGrpSpPr/>
+        <p:nvPr/>
+      </p:nvGrpSpPr>
+      <p:grpSpPr>
+        <a:xfrm>
+          <a:off x="0" y="0"/>
+          <a:ext cx="0" cy="0"/>
+          <a:chOff x="0" y="0"/>
+          <a:chExt cx="0" cy="0"/>
+        </a:xfrm>
+      </p:grpSpPr>
+      <p:sp>
+        <p:nvSpPr>
+          <p:cNvPr id="3" name="CuadroTexto 2">
+            <a:extLst>
+              <a:ext uri="{FF2B5EF4-FFF2-40B4-BE49-F238E27FC236}">
+                <a16:creationId xmlns:a16="http://schemas.microsoft.com/office/drawing/2014/main" id="{41459FE8-29EF-2DF7-6A48-0C5792A5ED7C}"/>
+              </a:ext>
+            </a:extLst>
+          </p:cNvPr>
+          <p:cNvSpPr txBox="1"/>
+          <p:nvPr/>
+        </p:nvSpPr>
+        <p:spPr>
+          <a:xfrm>
+            <a:off x="8498540" y="884419"/>
+            <a:ext cx="3012141" cy="4524315"/>
+          </a:xfrm>
+          <a:prstGeom prst="rect">
+            <a:avLst/>
+          </a:prstGeom>
+          <a:noFill/>
+        </p:spPr>
+        <p:txBody>
+          <a:bodyPr wrap="square" rtlCol="0">
+            <a:spAutoFit/>
+          </a:bodyPr>
+          <a:lstStyle/>
+          <a:p>
+            <a:r>
+              <a:rPr lang="es-MX" dirty="0">
+                <a:latin typeface="Consolas" panose="020B0609020204030204" pitchFamily="49" charset="0"/>
+              </a:rPr>
+              <a:t>La</a:t>
+            </a:r>
+            <a:r>
+              <a:rPr lang="es-MX" b="0" dirty="0">
+                <a:effectLst/>
+                <a:latin typeface="Consolas" panose="020B0609020204030204" pitchFamily="49" charset="0"/>
+              </a:rPr>
+              <a:t> visualización nos damos cuenta que hay una gran cantidad de nuestros clientes entre el rango de los 0 a los 50 días, por lo que pueden ser clientes recientes comprando en nuestra tiendo lo cual es bueno, o también pueden ser clientes que ya dejaron de comprar y debemos buscar la forma de retomarlos.</a:t>
+            </a:r>
+          </a:p>
+        </p:txBody>
+      </p:sp>
+      <p:pic>
+        <p:nvPicPr>
+          <p:cNvPr id="5" name="Imagen 4">
+            <a:extLst>
+              <a:ext uri="{FF2B5EF4-FFF2-40B4-BE49-F238E27FC236}">
+                <a16:creationId xmlns:a16="http://schemas.microsoft.com/office/drawing/2014/main" id="{B16A4EA7-905D-CCDF-6766-50BF3CD80E01}"/>
+              </a:ext>
+            </a:extLst>
+          </p:cNvPr>
+          <p:cNvPicPr>
+            <a:picLocks noChangeAspect="1"/>
+          </p:cNvPicPr>
+          <p:nvPr/>
+        </p:nvPicPr>
+        <p:blipFill>
+          <a:blip r:embed="rId2"/>
+          <a:stretch>
+            <a:fillRect/>
+          </a:stretch>
+        </p:blipFill>
+        <p:spPr>
+          <a:xfrm>
+            <a:off x="172962" y="784514"/>
+            <a:ext cx="8011813" cy="4788031"/>
+          </a:xfrm>
+          <a:prstGeom prst="rect">
+            <a:avLst/>
+          </a:prstGeom>
+        </p:spPr>
+      </p:pic>
+    </p:spTree>
+    <p:extLst>
+      <p:ext uri="{BB962C8B-B14F-4D97-AF65-F5344CB8AC3E}">
+        <p14:creationId xmlns:p14="http://schemas.microsoft.com/office/powerpoint/2010/main" val="1932511422"/>
+      </p:ext>
+    </p:extLst>
+  </p:cSld>
+  <p:clrMapOvr>
+    <a:masterClrMapping/>
+  </p:clrMapOvr>
+</p:sld>
+</file>
+
+<file path=ppt/slides/slide6.xml><?xml version="1.0" encoding="utf-8"?>
+<p:sld xmlns:a="http://schemas.openxmlformats.org/drawingml/2006/main" xmlns:r="http://schemas.openxmlformats.org/officeDocument/2006/relationships" xmlns:p="http://schemas.openxmlformats.org/presentationml/2006/main">
+  <p:cSld>
+    <p:spTree>
+      <p:nvGrpSpPr>
+        <p:cNvPr id="1" name="Shape 101"/>
+        <p:cNvGrpSpPr/>
+        <p:nvPr/>
+      </p:nvGrpSpPr>
+      <p:grpSpPr>
+        <a:xfrm>
+          <a:off x="0" y="0"/>
+          <a:ext cx="0" cy="0"/>
+          <a:chOff x="0" y="0"/>
+          <a:chExt cx="0" cy="0"/>
+        </a:xfrm>
+      </p:grpSpPr>
+      <p:pic>
+        <p:nvPicPr>
+          <p:cNvPr id="102" name="Google Shape;102;p15"/>
+          <p:cNvPicPr preferRelativeResize="0"/>
+          <p:nvPr/>
+        </p:nvPicPr>
+        <p:blipFill rotWithShape="1">
+          <a:blip r:embed="rId3">
+            <a:alphaModFix/>
+          </a:blip>
+          <a:srcRect/>
+          <a:stretch/>
+        </p:blipFill>
+        <p:spPr>
+          <a:xfrm>
+            <a:off x="1108329" y="156127"/>
+            <a:ext cx="7529450" cy="5015450"/>
+          </a:xfrm>
+          <a:prstGeom prst="rect">
+            <a:avLst/>
+          </a:prstGeom>
+          <a:noFill/>
+          <a:ln>
+            <a:noFill/>
+          </a:ln>
+        </p:spPr>
+      </p:pic>
+      <p:sp>
+        <p:nvSpPr>
+          <p:cNvPr id="103" name="Google Shape;103;p15"/>
+          <p:cNvSpPr txBox="1"/>
+          <p:nvPr/>
+        </p:nvSpPr>
+        <p:spPr>
+          <a:xfrm>
+            <a:off x="247075" y="5386800"/>
+            <a:ext cx="9600600" cy="1293000"/>
+          </a:xfrm>
+          <a:prstGeom prst="rect">
+            <a:avLst/>
+          </a:prstGeom>
+          <a:noFill/>
+          <a:ln>
+            <a:noFill/>
+          </a:ln>
+        </p:spPr>
+        <p:txBody>
+          <a:bodyPr spcFirstLastPara="1" wrap="square" lIns="91425" tIns="91425" rIns="91425" bIns="91425" anchor="t" anchorCtr="0">
+            <a:spAutoFit/>
+          </a:bodyPr>
+          <a:lstStyle/>
+          <a:p>
+            <a:pPr marL="0" lvl="0" indent="0" algn="l" rtl="0">
+              <a:spcBef>
+                <a:spcPts val="0"/>
+              </a:spcBef>
+              <a:spcAft>
+                <a:spcPts val="0"/>
+              </a:spcAft>
+              <a:buNone/>
+            </a:pPr>
+            <a:r>
+              <a:rPr lang="es-MX" sz="1800" dirty="0">
+                <a:solidFill>
+                  <a:schemeClr val="dk1"/>
+                </a:solidFill>
+                <a:latin typeface="Consolas"/>
+                <a:ea typeface="Consolas"/>
+                <a:cs typeface="Consolas"/>
+                <a:sym typeface="Consolas"/>
+              </a:rPr>
+              <a:t>La estacionalidad de ventas es bastante uniforme a lo largo del año, todas las regiones consumen nuestros productos, más o menos de la misma manera, salvo esos valores atípicos que se pueden observar en Enero y Septiembre que pueden ser un buen </a:t>
+            </a:r>
+            <a:r>
+              <a:rPr lang="es-MX" sz="1800" dirty="0" err="1">
+                <a:solidFill>
+                  <a:schemeClr val="dk1"/>
+                </a:solidFill>
+                <a:latin typeface="Consolas"/>
+                <a:ea typeface="Consolas"/>
+                <a:cs typeface="Consolas"/>
+                <a:sym typeface="Consolas"/>
+              </a:rPr>
+              <a:t>boost</a:t>
+            </a:r>
+            <a:r>
+              <a:rPr lang="es-MX" sz="1800" dirty="0">
+                <a:solidFill>
+                  <a:schemeClr val="dk1"/>
+                </a:solidFill>
+                <a:latin typeface="Consolas"/>
+                <a:ea typeface="Consolas"/>
+                <a:cs typeface="Consolas"/>
+                <a:sym typeface="Consolas"/>
+              </a:rPr>
+              <a:t> si logramos trabajaras bien. </a:t>
+            </a:r>
+            <a:endParaRPr sz="1800" dirty="0">
+              <a:solidFill>
+                <a:schemeClr val="dk1"/>
+              </a:solidFill>
+              <a:latin typeface="Consolas"/>
+              <a:ea typeface="Consolas"/>
+              <a:cs typeface="Consolas"/>
+              <a:sym typeface="Consolas"/>
+            </a:endParaRPr>
+          </a:p>
+        </p:txBody>
+      </p:sp>
+    </p:spTree>
+  </p:cSld>
+  <p:clrMapOvr>
+    <a:masterClrMapping/>
+  </p:clrMapOvr>
+</p:sld>
+</file>
+
+<file path=ppt/slides/slide7.xml><?xml version="1.0" encoding="utf-8"?>
+<p:sld xmlns:a="http://schemas.openxmlformats.org/drawingml/2006/main" xmlns:r="http://schemas.openxmlformats.org/officeDocument/2006/relationships" xmlns:p="http://schemas.openxmlformats.org/presentationml/2006/main">
+  <p:cSld>
+    <p:spTree>
+      <p:nvGrpSpPr>
+        <p:cNvPr id="1" name="Shape 107"/>
+        <p:cNvGrpSpPr/>
+        <p:nvPr/>
+      </p:nvGrpSpPr>
+      <p:grpSpPr>
+        <a:xfrm>
+          <a:off x="0" y="0"/>
+          <a:ext cx="0" cy="0"/>
+          <a:chOff x="0" y="0"/>
+          <a:chExt cx="0" cy="0"/>
+        </a:xfrm>
+      </p:grpSpPr>
+      <p:pic>
+        <p:nvPicPr>
+          <p:cNvPr id="108" name="Google Shape;108;p16"/>
+          <p:cNvPicPr preferRelativeResize="0"/>
+          <p:nvPr/>
+        </p:nvPicPr>
+        <p:blipFill rotWithShape="1">
+          <a:blip r:embed="rId3">
+            <a:alphaModFix/>
+          </a:blip>
+          <a:srcRect/>
+          <a:stretch/>
+        </p:blipFill>
+        <p:spPr>
+          <a:xfrm>
+            <a:off x="364471" y="482321"/>
+            <a:ext cx="5224013" cy="4762222"/>
+          </a:xfrm>
+          <a:prstGeom prst="rect">
+            <a:avLst/>
+          </a:prstGeom>
+          <a:noFill/>
+          <a:ln>
+            <a:noFill/>
+          </a:ln>
+        </p:spPr>
+      </p:pic>
+      <p:sp>
+        <p:nvSpPr>
+          <p:cNvPr id="109" name="Google Shape;109;p16"/>
+          <p:cNvSpPr txBox="1"/>
+          <p:nvPr/>
+        </p:nvSpPr>
+        <p:spPr>
+          <a:xfrm>
+            <a:off x="6376550" y="692725"/>
+            <a:ext cx="3255900" cy="4520100"/>
+          </a:xfrm>
+          <a:prstGeom prst="rect">
+            <a:avLst/>
+          </a:prstGeom>
+          <a:noFill/>
+          <a:ln>
+            <a:noFill/>
+          </a:ln>
+        </p:spPr>
+        <p:txBody>
+          <a:bodyPr spcFirstLastPara="1" wrap="square" lIns="91425" tIns="91425" rIns="91425" bIns="91425" anchor="t" anchorCtr="0">
+            <a:noAutofit/>
+          </a:bodyPr>
+          <a:lstStyle/>
+          <a:p>
+            <a:pPr marL="0" lvl="0" indent="0" algn="l" rtl="0">
+              <a:spcBef>
+                <a:spcPts val="0"/>
+              </a:spcBef>
+              <a:spcAft>
+                <a:spcPts val="0"/>
+              </a:spcAft>
+              <a:buNone/>
+            </a:pPr>
+            <a:r>
+              <a:rPr lang="es-MX" sz="1800" dirty="0">
+                <a:solidFill>
+                  <a:schemeClr val="dk1"/>
+                </a:solidFill>
+                <a:latin typeface="Consolas"/>
+                <a:ea typeface="Consolas"/>
+                <a:cs typeface="Consolas"/>
+                <a:sym typeface="Consolas"/>
+              </a:rPr>
+              <a:t>Recomendamos un análisis más a fondo con lo que respecta a los países, que se encuentra al fondo del </a:t>
+            </a:r>
+            <a:r>
+              <a:rPr lang="es-MX" sz="1800" dirty="0" err="1">
+                <a:solidFill>
+                  <a:schemeClr val="dk1"/>
+                </a:solidFill>
+                <a:latin typeface="Consolas"/>
+                <a:ea typeface="Consolas"/>
+                <a:cs typeface="Consolas"/>
+                <a:sym typeface="Consolas"/>
+              </a:rPr>
+              <a:t>indice</a:t>
+            </a:r>
+            <a:r>
+              <a:rPr lang="es-MX" sz="1800" dirty="0">
+                <a:solidFill>
+                  <a:schemeClr val="dk1"/>
+                </a:solidFill>
+                <a:latin typeface="Consolas"/>
+                <a:ea typeface="Consolas"/>
+                <a:cs typeface="Consolas"/>
+                <a:sym typeface="Consolas"/>
+              </a:rPr>
+              <a:t> de compra, para tener claro la real razón del bajo índice de ventas, tal vez un centro de distribución puede levantar los números de esos sectores o tal vez sea mejor concentrarse en regiones con mayor potencial</a:t>
+            </a:r>
+            <a:endParaRPr sz="1800" dirty="0">
+              <a:solidFill>
+                <a:schemeClr val="dk1"/>
+              </a:solidFill>
+              <a:latin typeface="Consolas"/>
+              <a:ea typeface="Consolas"/>
+              <a:cs typeface="Consolas"/>
+              <a:sym typeface="Consolas"/>
+            </a:endParaRPr>
+          </a:p>
+        </p:txBody>
+      </p:sp>
+    </p:spTree>
+  </p:cSld>
+  <p:clrMapOvr>
+    <a:masterClrMapping/>
+  </p:clrMapOvr>
+</p:sld>
+</file>
+
+<file path=ppt/slides/slide8.xml><?xml version="1.0" encoding="utf-8"?>
+<p:sld xmlns:a="http://schemas.openxmlformats.org/drawingml/2006/main" xmlns:r="http://schemas.openxmlformats.org/officeDocument/2006/relationships" xmlns:p="http://schemas.openxmlformats.org/presentationml/2006/main">
+  <p:cSld>
+    <p:spTree>
+      <p:nvGrpSpPr>
+        <p:cNvPr id="1" name="Shape 113"/>
+        <p:cNvGrpSpPr/>
+        <p:nvPr/>
+      </p:nvGrpSpPr>
+      <p:grpSpPr>
+        <a:xfrm>
+          <a:off x="0" y="0"/>
+          <a:ext cx="0" cy="0"/>
+          <a:chOff x="0" y="0"/>
+          <a:chExt cx="0" cy="0"/>
+        </a:xfrm>
+      </p:grpSpPr>
+      <p:pic>
+        <p:nvPicPr>
+          <p:cNvPr id="114" name="Google Shape;114;p17"/>
+          <p:cNvPicPr preferRelativeResize="0"/>
+          <p:nvPr/>
+        </p:nvPicPr>
+        <p:blipFill rotWithShape="1">
+          <a:blip r:embed="rId3">
+            <a:alphaModFix/>
+          </a:blip>
+          <a:srcRect/>
+          <a:stretch/>
+        </p:blipFill>
+        <p:spPr>
+          <a:xfrm>
+            <a:off x="424325" y="1062575"/>
+            <a:ext cx="7718674" cy="3706375"/>
+          </a:xfrm>
+          <a:prstGeom prst="rect">
+            <a:avLst/>
+          </a:prstGeom>
+          <a:noFill/>
+          <a:ln>
+            <a:noFill/>
+          </a:ln>
+        </p:spPr>
+      </p:pic>
+      <p:sp>
+        <p:nvSpPr>
+          <p:cNvPr id="115" name="Google Shape;115;p17"/>
+          <p:cNvSpPr txBox="1"/>
+          <p:nvPr/>
+        </p:nvSpPr>
+        <p:spPr>
+          <a:xfrm>
+            <a:off x="8489375" y="935175"/>
+            <a:ext cx="3411600" cy="5056800"/>
+          </a:xfrm>
+          <a:prstGeom prst="rect">
+            <a:avLst/>
+          </a:prstGeom>
+          <a:noFill/>
+          <a:ln>
+            <a:noFill/>
+          </a:ln>
+        </p:spPr>
+        <p:txBody>
+          <a:bodyPr spcFirstLastPara="1" wrap="square" lIns="91425" tIns="91425" rIns="91425" bIns="91425" anchor="t" anchorCtr="0">
+            <a:noAutofit/>
+          </a:bodyPr>
+          <a:lstStyle/>
+          <a:p>
+            <a:pPr marL="0" lvl="0" indent="0" algn="l" rtl="0">
+              <a:spcBef>
+                <a:spcPts val="0"/>
+              </a:spcBef>
+              <a:spcAft>
+                <a:spcPts val="0"/>
+              </a:spcAft>
+              <a:buNone/>
+            </a:pPr>
+            <a:r>
+              <a:rPr lang="es-MX" sz="1800" dirty="0">
+                <a:solidFill>
+                  <a:srgbClr val="111111"/>
+                </a:solidFill>
+                <a:highlight>
+                  <a:srgbClr val="F7F7F7"/>
+                </a:highlight>
+                <a:latin typeface="Consolas"/>
+                <a:ea typeface="Consolas"/>
+                <a:cs typeface="Consolas"/>
+                <a:sym typeface="Consolas"/>
+              </a:rPr>
+              <a:t>El Reino Unido es la región con el mayor volumen de compras por lejos. Sin embargo, a la fecha de hoy, debemos tomar esta información con precaución, ya que los datos fueron recopilados durante el revuelo del Brexit. Tal vez sea necesario analizar más a fondo este sector. Aun así, no podemos ignorar lo mucho que se distancia de las demás regiones</a:t>
+            </a:r>
+            <a:endParaRPr sz="2100" dirty="0">
+              <a:solidFill>
+                <a:schemeClr val="dk1"/>
+              </a:solidFill>
+              <a:latin typeface="Consolas"/>
+              <a:ea typeface="Consolas"/>
+              <a:cs typeface="Consolas"/>
+              <a:sym typeface="Consolas"/>
+            </a:endParaRPr>
+          </a:p>
+        </p:txBody>
+      </p:sp>
+    </p:spTree>
+  </p:cSld>
+  <p:clrMapOvr>
+    <a:masterClrMapping/>
+  </p:clrMapOvr>
+</p:sld>
+</file>
+
+<file path=ppt/slides/slide9.xml><?xml version="1.0" encoding="utf-8"?>
+<p:sld xmlns:a="http://schemas.openxmlformats.org/drawingml/2006/main" xmlns:r="http://schemas.openxmlformats.org/officeDocument/2006/relationships" xmlns:p="http://schemas.openxmlformats.org/presentationml/2006/main">
+  <p:cSld>
+    <p:spTree>
+      <p:nvGrpSpPr>
+        <p:cNvPr id="1" name=""/>
+        <p:cNvGrpSpPr/>
+        <p:nvPr/>
+      </p:nvGrpSpPr>
+      <p:grpSpPr>
+        <a:xfrm>
+          <a:off x="0" y="0"/>
+          <a:ext cx="0" cy="0"/>
+          <a:chOff x="0" y="0"/>
+          <a:chExt cx="0" cy="0"/>
+        </a:xfrm>
+      </p:grpSpPr>
+      <p:pic>
+        <p:nvPicPr>
+          <p:cNvPr id="3" name="Imagen 2">
+            <a:extLst>
+              <a:ext uri="{FF2B5EF4-FFF2-40B4-BE49-F238E27FC236}">
+                <a16:creationId xmlns:a16="http://schemas.microsoft.com/office/drawing/2014/main" id="{5FF67BCC-F6FF-3151-49B3-978A79BF7453}"/>
+              </a:ext>
+            </a:extLst>
+          </p:cNvPr>
+          <p:cNvPicPr>
+            <a:picLocks noChangeAspect="1"/>
+          </p:cNvPicPr>
+          <p:nvPr/>
+        </p:nvPicPr>
+        <p:blipFill>
+          <a:blip r:embed="rId2"/>
+          <a:stretch>
+            <a:fillRect/>
+          </a:stretch>
+        </p:blipFill>
+        <p:spPr>
+          <a:xfrm>
+            <a:off x="223144" y="311972"/>
+            <a:ext cx="5738019" cy="3818965"/>
+          </a:xfrm>
+          <a:prstGeom prst="rect">
+            <a:avLst/>
+          </a:prstGeom>
+        </p:spPr>
+      </p:pic>
+      <p:sp>
+        <p:nvSpPr>
+          <p:cNvPr id="4" name="CuadroTexto 3">
+            <a:extLst>
+              <a:ext uri="{FF2B5EF4-FFF2-40B4-BE49-F238E27FC236}">
+                <a16:creationId xmlns:a16="http://schemas.microsoft.com/office/drawing/2014/main" id="{4F174083-7D5A-CFC7-BB79-671E3EA9F996}"/>
+              </a:ext>
+            </a:extLst>
+          </p:cNvPr>
+          <p:cNvSpPr txBox="1"/>
+          <p:nvPr/>
+        </p:nvSpPr>
+        <p:spPr>
+          <a:xfrm>
+            <a:off x="6535271" y="573741"/>
+            <a:ext cx="4563035" cy="5632311"/>
+          </a:xfrm>
+          <a:prstGeom prst="rect">
+            <a:avLst/>
+          </a:prstGeom>
+          <a:noFill/>
+        </p:spPr>
+        <p:txBody>
+          <a:bodyPr wrap="square" rtlCol="0">
+            <a:spAutoFit/>
+          </a:bodyPr>
+          <a:lstStyle/>
+          <a:p>
+            <a:r>
+              <a:rPr lang="es-MX" b="0" dirty="0">
+                <a:solidFill>
+                  <a:srgbClr val="ABB2BF"/>
+                </a:solidFill>
+                <a:effectLst/>
+                <a:highlight>
+                  <a:srgbClr val="23272E"/>
+                </a:highlight>
+                <a:latin typeface="Consolas" panose="020B0609020204030204" pitchFamily="49" charset="0"/>
+              </a:rPr>
+              <a:t>Podemos observar en el grafico anterior 2 </a:t>
+            </a:r>
+            <a:r>
+              <a:rPr lang="es-MX" b="0" dirty="0" err="1">
+                <a:solidFill>
+                  <a:srgbClr val="ABB2BF"/>
+                </a:solidFill>
+                <a:effectLst/>
+                <a:highlight>
+                  <a:srgbClr val="23272E"/>
+                </a:highlight>
+                <a:latin typeface="Consolas" panose="020B0609020204030204" pitchFamily="49" charset="0"/>
+              </a:rPr>
+              <a:t>anomalias</a:t>
+            </a:r>
+            <a:r>
+              <a:rPr lang="es-MX" b="0" dirty="0">
+                <a:solidFill>
+                  <a:srgbClr val="ABB2BF"/>
+                </a:solidFill>
+                <a:effectLst/>
+                <a:highlight>
+                  <a:srgbClr val="23272E"/>
+                </a:highlight>
+                <a:latin typeface="Consolas" panose="020B0609020204030204" pitchFamily="49" charset="0"/>
+              </a:rPr>
+              <a:t> de compras, las cuales al verificar la primera es un cliente que ha realizado ya varias compras con nosotros y el otro es un cliente que sus primeras 2 compras fueron pequeñas pero luego el 9 de diciembre de 2020 realiza una compra grande de (80995) </a:t>
+            </a:r>
+            <a:r>
+              <a:rPr lang="es-MX" b="0" dirty="0" err="1">
+                <a:solidFill>
+                  <a:srgbClr val="ABB2BF"/>
+                </a:solidFill>
+                <a:effectLst/>
+                <a:highlight>
+                  <a:srgbClr val="23272E"/>
+                </a:highlight>
+                <a:latin typeface="Consolas" panose="020B0609020204030204" pitchFamily="49" charset="0"/>
+              </a:rPr>
+              <a:t>paper</a:t>
+            </a:r>
+            <a:r>
+              <a:rPr lang="es-MX" b="0" dirty="0">
+                <a:solidFill>
+                  <a:srgbClr val="ABB2BF"/>
+                </a:solidFill>
+                <a:effectLst/>
+                <a:highlight>
+                  <a:srgbClr val="23272E"/>
+                </a:highlight>
+                <a:latin typeface="Consolas" panose="020B0609020204030204" pitchFamily="49" charset="0"/>
+              </a:rPr>
+              <a:t> </a:t>
+            </a:r>
+            <a:r>
+              <a:rPr lang="es-MX" b="0" dirty="0" err="1">
+                <a:solidFill>
+                  <a:srgbClr val="ABB2BF"/>
+                </a:solidFill>
+                <a:effectLst/>
+                <a:highlight>
+                  <a:srgbClr val="23272E"/>
+                </a:highlight>
+                <a:latin typeface="Consolas" panose="020B0609020204030204" pitchFamily="49" charset="0"/>
+              </a:rPr>
+              <a:t>craft</a:t>
+            </a:r>
+            <a:r>
+              <a:rPr lang="es-MX" b="0" dirty="0">
+                <a:solidFill>
+                  <a:srgbClr val="ABB2BF"/>
+                </a:solidFill>
+                <a:effectLst/>
+                <a:highlight>
+                  <a:srgbClr val="23272E"/>
+                </a:highlight>
+                <a:latin typeface="Consolas" panose="020B0609020204030204" pitchFamily="49" charset="0"/>
+              </a:rPr>
+              <a:t> </a:t>
+            </a:r>
+            <a:r>
+              <a:rPr lang="es-MX" b="0" dirty="0" err="1">
+                <a:solidFill>
+                  <a:srgbClr val="ABB2BF"/>
+                </a:solidFill>
+                <a:effectLst/>
+                <a:highlight>
+                  <a:srgbClr val="23272E"/>
+                </a:highlight>
+                <a:latin typeface="Consolas" panose="020B0609020204030204" pitchFamily="49" charset="0"/>
+              </a:rPr>
+              <a:t>little</a:t>
+            </a:r>
+            <a:r>
+              <a:rPr lang="es-MX" b="0" dirty="0">
+                <a:solidFill>
+                  <a:srgbClr val="ABB2BF"/>
+                </a:solidFill>
+                <a:effectLst/>
+                <a:highlight>
+                  <a:srgbClr val="23272E"/>
+                </a:highlight>
+                <a:latin typeface="Consolas" panose="020B0609020204030204" pitchFamily="49" charset="0"/>
+              </a:rPr>
+              <a:t> birdie. el cual da un total de 168469.60</a:t>
+            </a:r>
+          </a:p>
+          <a:p>
+            <a:br>
+              <a:rPr lang="es-MX" b="0" dirty="0">
+                <a:solidFill>
+                  <a:srgbClr val="ABB2BF"/>
+                </a:solidFill>
+                <a:effectLst/>
+                <a:highlight>
+                  <a:srgbClr val="23272E"/>
+                </a:highlight>
+                <a:latin typeface="Consolas" panose="020B0609020204030204" pitchFamily="49" charset="0"/>
+              </a:rPr>
+            </a:br>
+            <a:r>
+              <a:rPr lang="es-MX" b="0" dirty="0">
+                <a:solidFill>
+                  <a:srgbClr val="ABB2BF"/>
+                </a:solidFill>
+                <a:effectLst/>
+                <a:highlight>
+                  <a:srgbClr val="23272E"/>
+                </a:highlight>
+                <a:latin typeface="Consolas" panose="020B0609020204030204" pitchFamily="49" charset="0"/>
+              </a:rPr>
+              <a:t>Este ultimo cliente en particular nos sugiere la posibilidad de que existan clientes que compran mayoreo de ciertos productos, para los cuales se </a:t>
+            </a:r>
+            <a:r>
+              <a:rPr lang="es-MX" b="0" dirty="0" err="1">
+                <a:solidFill>
+                  <a:srgbClr val="ABB2BF"/>
+                </a:solidFill>
+                <a:effectLst/>
+                <a:highlight>
+                  <a:srgbClr val="23272E"/>
+                </a:highlight>
+                <a:latin typeface="Consolas" panose="020B0609020204030204" pitchFamily="49" charset="0"/>
+              </a:rPr>
+              <a:t>podrian</a:t>
+            </a:r>
+            <a:r>
+              <a:rPr lang="es-MX" b="0" dirty="0">
+                <a:solidFill>
+                  <a:srgbClr val="ABB2BF"/>
+                </a:solidFill>
+                <a:effectLst/>
+                <a:highlight>
+                  <a:srgbClr val="23272E"/>
+                </a:highlight>
+                <a:latin typeface="Consolas" panose="020B0609020204030204" pitchFamily="49" charset="0"/>
+              </a:rPr>
+              <a:t> crear estrategias de marketing especiales. </a:t>
+            </a:r>
+          </a:p>
+          <a:p>
+            <a:endParaRPr lang="es-MX" dirty="0"/>
+          </a:p>
+        </p:txBody>
+      </p:sp>
+    </p:spTree>
+    <p:extLst>
+      <p:ext uri="{BB962C8B-B14F-4D97-AF65-F5344CB8AC3E}">
+        <p14:creationId xmlns:p14="http://schemas.microsoft.com/office/powerpoint/2010/main" val="1905044959"/>
       </p:ext>
     </p:extLst>
   </p:cSld>
@@ -11348,4 +14480,319 @@
     </a:ext>
   </a:extLst>
 </a:theme>
+</file>
+
+<file path=ppt/theme/theme2.xml><?xml version="1.0" encoding="utf-8"?>
+<a:theme xmlns:a="http://schemas.openxmlformats.org/drawingml/2006/main" name="Tema de Office">
+  <a:themeElements>
+    <a:clrScheme name="Office">
+      <a:dk1>
+        <a:sysClr val="windowText" lastClr="000000"/>
+      </a:dk1>
+      <a:lt1>
+        <a:sysClr val="window" lastClr="FFFFFF"/>
+      </a:lt1>
+      <a:dk2>
+        <a:srgbClr val="0E2841"/>
+      </a:dk2>
+      <a:lt2>
+        <a:srgbClr val="E8E8E8"/>
+      </a:lt2>
+      <a:accent1>
+        <a:srgbClr val="156082"/>
+      </a:accent1>
+      <a:accent2>
+        <a:srgbClr val="E97132"/>
+      </a:accent2>
+      <a:accent3>
+        <a:srgbClr val="196B24"/>
+      </a:accent3>
+      <a:accent4>
+        <a:srgbClr val="0F9ED5"/>
+      </a:accent4>
+      <a:accent5>
+        <a:srgbClr val="A02B93"/>
+      </a:accent5>
+      <a:accent6>
+        <a:srgbClr val="4EA72E"/>
+      </a:accent6>
+      <a:hlink>
+        <a:srgbClr val="467886"/>
+      </a:hlink>
+      <a:folHlink>
+        <a:srgbClr val="96607D"/>
+      </a:folHlink>
+    </a:clrScheme>
+    <a:fontScheme name="Office">
+      <a:majorFont>
+        <a:latin typeface="Aptos Display" panose="02110004020202020204"/>
+        <a:ea typeface=""/>
+        <a:cs typeface=""/>
+        <a:font script="Jpan" typeface="游ゴシック Light"/>
+        <a:font script="Hang" typeface="맑은 고딕"/>
+        <a:font script="Hans" typeface="等线 Light"/>
+        <a:font script="Hant" typeface="新細明體"/>
+        <a:font script="Arab" typeface="Times New Roman"/>
+        <a:font script="Hebr" typeface="Times New Roman"/>
+        <a:font script="Thai" typeface="Angsana New"/>
+        <a:font script="Ethi" typeface="Nyala"/>
+        <a:font script="Beng" typeface="Vrinda"/>
+        <a:font script="Gujr" typeface="Shruti"/>
+        <a:font script="Khmr" typeface="MoolBoran"/>
+        <a:font script="Knda" typeface="Tunga"/>
+        <a:font script="Guru" typeface="Raavi"/>
+        <a:font script="Cans" typeface="Euphemia"/>
+        <a:font script="Cher" typeface="Plantagenet Cherokee"/>
+        <a:font script="Yiii" typeface="Microsoft Yi Baiti"/>
+        <a:font script="Tibt" typeface="Microsoft Himalaya"/>
+        <a:font script="Thaa" typeface="MV Boli"/>
+        <a:font script="Deva" typeface="Mangal"/>
+        <a:font script="Telu" typeface="Gautami"/>
+        <a:font script="Taml" typeface="Latha"/>
+        <a:font script="Syrc" typeface="Estrangelo Edessa"/>
+        <a:font script="Orya" typeface="Kalinga"/>
+        <a:font script="Mlym" typeface="Kartika"/>
+        <a:font script="Laoo" typeface="DokChampa"/>
+        <a:font script="Sinh" typeface="Iskoola Pota"/>
+        <a:font script="Mong" typeface="Mongolian Baiti"/>
+        <a:font script="Viet" typeface="Times New Roman"/>
+        <a:font script="Uigh" typeface="Microsoft Uighur"/>
+        <a:font script="Geor" typeface="Sylfaen"/>
+        <a:font script="Armn" typeface="Arial"/>
+        <a:font script="Bugi" typeface="Leelawadee UI"/>
+        <a:font script="Bopo" typeface="Microsoft JhengHei"/>
+        <a:font script="Java" typeface="Javanese Text"/>
+        <a:font script="Lisu" typeface="Segoe UI"/>
+        <a:font script="Mymr" typeface="Myanmar Text"/>
+        <a:font script="Nkoo" typeface="Ebrima"/>
+        <a:font script="Olck" typeface="Nirmala UI"/>
+        <a:font script="Osma" typeface="Ebrima"/>
+        <a:font script="Phag" typeface="Phagspa"/>
+        <a:font script="Syrn" typeface="Estrangelo Edessa"/>
+        <a:font script="Syrj" typeface="Estrangelo Edessa"/>
+        <a:font script="Syre" typeface="Estrangelo Edessa"/>
+        <a:font script="Sora" typeface="Nirmala UI"/>
+        <a:font script="Tale" typeface="Microsoft Tai Le"/>
+        <a:font script="Talu" typeface="Microsoft New Tai Lue"/>
+        <a:font script="Tfng" typeface="Ebrima"/>
+      </a:majorFont>
+      <a:minorFont>
+        <a:latin typeface="Aptos" panose="02110004020202020204"/>
+        <a:ea typeface=""/>
+        <a:cs typeface=""/>
+        <a:font script="Jpan" typeface="游ゴシック"/>
+        <a:font script="Hang" typeface="맑은 고딕"/>
+        <a:font script="Hans" typeface="等线"/>
+        <a:font script="Hant" typeface="新細明體"/>
+        <a:font script="Arab" typeface="Arial"/>
+        <a:font script="Hebr" typeface="Arial"/>
+        <a:font script="Thai" typeface="Cordia New"/>
+        <a:font script="Ethi" typeface="Nyala"/>
+        <a:font script="Beng" typeface="Vrinda"/>
+        <a:font script="Gujr" typeface="Shruti"/>
+        <a:font script="Khmr" typeface="DaunPenh"/>
+        <a:font script="Knda" typeface="Tunga"/>
+        <a:font script="Guru" typeface="Raavi"/>
+        <a:font script="Cans" typeface="Euphemia"/>
+        <a:font script="Cher" typeface="Plantagenet Cherokee"/>
+        <a:font script="Yiii" typeface="Microsoft Yi Baiti"/>
+        <a:font script="Tibt" typeface="Microsoft Himalaya"/>
+        <a:font script="Thaa" typeface="MV Boli"/>
+        <a:font script="Deva" typeface="Mangal"/>
+        <a:font script="Telu" typeface="Gautami"/>
+        <a:font script="Taml" typeface="Latha"/>
+        <a:font script="Syrc" typeface="Estrangelo Edessa"/>
+        <a:font script="Orya" typeface="Kalinga"/>
+        <a:font script="Mlym" typeface="Kartika"/>
+        <a:font script="Laoo" typeface="DokChampa"/>
+        <a:font script="Sinh" typeface="Iskoola Pota"/>
+        <a:font script="Mong" typeface="Mongolian Baiti"/>
+        <a:font script="Viet" typeface="Arial"/>
+        <a:font script="Uigh" typeface="Microsoft Uighur"/>
+        <a:font script="Geor" typeface="Sylfaen"/>
+        <a:font script="Armn" typeface="Arial"/>
+        <a:font script="Bugi" typeface="Leelawadee UI"/>
+        <a:font script="Bopo" typeface="Microsoft JhengHei"/>
+        <a:font script="Java" typeface="Javanese Text"/>
+        <a:font script="Lisu" typeface="Segoe UI"/>
+        <a:font script="Mymr" typeface="Myanmar Text"/>
+        <a:font script="Nkoo" typeface="Ebrima"/>
+        <a:font script="Olck" typeface="Nirmala UI"/>
+        <a:font script="Osma" typeface="Ebrima"/>
+        <a:font script="Phag" typeface="Phagspa"/>
+        <a:font script="Syrn" typeface="Estrangelo Edessa"/>
+        <a:font script="Syrj" typeface="Estrangelo Edessa"/>
+        <a:font script="Syre" typeface="Estrangelo Edessa"/>
+        <a:font script="Sora" typeface="Nirmala UI"/>
+        <a:font script="Tale" typeface="Microsoft Tai Le"/>
+        <a:font script="Talu" typeface="Microsoft New Tai Lue"/>
+        <a:font script="Tfng" typeface="Ebrima"/>
+      </a:minorFont>
+    </a:fontScheme>
+    <a:fmtScheme name="Office">
+      <a:fillStyleLst>
+        <a:solidFill>
+          <a:schemeClr val="phClr"/>
+        </a:solidFill>
+        <a:gradFill rotWithShape="1">
+          <a:gsLst>
+            <a:gs pos="0">
+              <a:schemeClr val="phClr">
+                <a:lumMod val="110000"/>
+                <a:satMod val="105000"/>
+                <a:tint val="67000"/>
+              </a:schemeClr>
+            </a:gs>
+            <a:gs pos="50000">
+              <a:schemeClr val="phClr">
+                <a:lumMod val="105000"/>
+                <a:satMod val="103000"/>
+                <a:tint val="73000"/>
+              </a:schemeClr>
+            </a:gs>
+            <a:gs pos="100000">
+              <a:schemeClr val="phClr">
+                <a:lumMod val="105000"/>
+                <a:satMod val="109000"/>
+                <a:tint val="81000"/>
+              </a:schemeClr>
+            </a:gs>
+          </a:gsLst>
+          <a:lin ang="5400000" scaled="0"/>
+        </a:gradFill>
+        <a:gradFill rotWithShape="1">
+          <a:gsLst>
+            <a:gs pos="0">
+              <a:schemeClr val="phClr">
+                <a:satMod val="103000"/>
+                <a:lumMod val="102000"/>
+                <a:tint val="94000"/>
+              </a:schemeClr>
+            </a:gs>
+            <a:gs pos="50000">
+              <a:schemeClr val="phClr">
+                <a:satMod val="110000"/>
+                <a:lumMod val="100000"/>
+                <a:shade val="100000"/>
+              </a:schemeClr>
+            </a:gs>
+            <a:gs pos="100000">
+              <a:schemeClr val="phClr">
+                <a:lumMod val="99000"/>
+                <a:satMod val="120000"/>
+                <a:shade val="78000"/>
+              </a:schemeClr>
+            </a:gs>
+          </a:gsLst>
+          <a:lin ang="5400000" scaled="0"/>
+        </a:gradFill>
+      </a:fillStyleLst>
+      <a:lnStyleLst>
+        <a:ln w="12700" cap="flat" cmpd="sng" algn="ctr">
+          <a:solidFill>
+            <a:schemeClr val="phClr"/>
+          </a:solidFill>
+          <a:prstDash val="solid"/>
+          <a:miter lim="800000"/>
+        </a:ln>
+        <a:ln w="19050" cap="flat" cmpd="sng" algn="ctr">
+          <a:solidFill>
+            <a:schemeClr val="phClr"/>
+          </a:solidFill>
+          <a:prstDash val="solid"/>
+          <a:miter lim="800000"/>
+        </a:ln>
+        <a:ln w="25400" cap="flat" cmpd="sng" algn="ctr">
+          <a:solidFill>
+            <a:schemeClr val="phClr"/>
+          </a:solidFill>
+          <a:prstDash val="solid"/>
+          <a:miter lim="800000"/>
+        </a:ln>
+      </a:lnStyleLst>
+      <a:effectStyleLst>
+        <a:effectStyle>
+          <a:effectLst/>
+        </a:effectStyle>
+        <a:effectStyle>
+          <a:effectLst/>
+        </a:effectStyle>
+        <a:effectStyle>
+          <a:effectLst>
+            <a:outerShdw blurRad="57150" dist="19050" dir="5400000" algn="ctr" rotWithShape="0">
+              <a:srgbClr val="000000">
+                <a:alpha val="63000"/>
+              </a:srgbClr>
+            </a:outerShdw>
+          </a:effectLst>
+        </a:effectStyle>
+      </a:effectStyleLst>
+      <a:bgFillStyleLst>
+        <a:solidFill>
+          <a:schemeClr val="phClr"/>
+        </a:solidFill>
+        <a:solidFill>
+          <a:schemeClr val="phClr">
+            <a:tint val="95000"/>
+            <a:satMod val="170000"/>
+          </a:schemeClr>
+        </a:solidFill>
+        <a:gradFill rotWithShape="1">
+          <a:gsLst>
+            <a:gs pos="0">
+              <a:schemeClr val="phClr">
+                <a:tint val="93000"/>
+                <a:satMod val="150000"/>
+                <a:shade val="98000"/>
+                <a:lumMod val="102000"/>
+              </a:schemeClr>
+            </a:gs>
+            <a:gs pos="50000">
+              <a:schemeClr val="phClr">
+                <a:tint val="98000"/>
+                <a:satMod val="130000"/>
+                <a:shade val="90000"/>
+                <a:lumMod val="103000"/>
+              </a:schemeClr>
+            </a:gs>
+            <a:gs pos="100000">
+              <a:schemeClr val="phClr">
+                <a:shade val="63000"/>
+                <a:satMod val="120000"/>
+              </a:schemeClr>
+            </a:gs>
+          </a:gsLst>
+          <a:lin ang="5400000" scaled="0"/>
+        </a:gradFill>
+      </a:bgFillStyleLst>
+    </a:fmtScheme>
+  </a:themeElements>
+  <a:objectDefaults>
+    <a:lnDef>
+      <a:spPr/>
+      <a:bodyPr/>
+      <a:lstStyle/>
+      <a:style>
+        <a:lnRef idx="2">
+          <a:schemeClr val="accent1"/>
+        </a:lnRef>
+        <a:fillRef idx="0">
+          <a:schemeClr val="accent1"/>
+        </a:fillRef>
+        <a:effectRef idx="1">
+          <a:schemeClr val="accent1"/>
+        </a:effectRef>
+        <a:fontRef idx="minor">
+          <a:schemeClr val="tx1"/>
+        </a:fontRef>
+      </a:style>
+    </a:lnDef>
+  </a:objectDefaults>
+  <a:extraClrSchemeLst/>
+  <a:extLst>
+    <a:ext uri="{05A4C25C-085E-4340-85A3-A5531E510DB2}">
+      <thm15:themeFamily xmlns:thm15="http://schemas.microsoft.com/office/thememl/2012/main" name="Office Theme" id="{2E142A2C-CD16-42D6-873A-C26D2A0506FA}" vid="{1BDDFF52-6CD6-40A5-AB3C-68EB2F1E4D0A}"/>
+    </a:ext>
+  </a:extLst>
+</a:theme>
 </file>
--- a/Data/static/Esqueleto.pptx
+++ b/Data/static/Esqueleto.pptx
@@ -553,8 +553,8 @@
         </p:nvSpPr>
         <p:spPr>
           <a:xfrm>
-            <a:off x="1143225" y="685800"/>
-            <a:ext cx="4572225" cy="3429000"/>
+            <a:off x="381000" y="685800"/>
+            <a:ext cx="6096000" cy="3429000"/>
           </a:xfrm>
           <a:custGeom>
             <a:avLst/>
@@ -657,8 +657,8 @@
         </p:nvSpPr>
         <p:spPr>
           <a:xfrm>
-            <a:off x="1143225" y="685800"/>
-            <a:ext cx="4572225" cy="3429000"/>
+            <a:off x="381000" y="685800"/>
+            <a:ext cx="6096000" cy="3429000"/>
           </a:xfrm>
           <a:custGeom>
             <a:avLst/>
@@ -761,8 +761,8 @@
         </p:nvSpPr>
         <p:spPr>
           <a:xfrm>
-            <a:off x="1143225" y="685800"/>
-            <a:ext cx="4572225" cy="3429000"/>
+            <a:off x="381000" y="685800"/>
+            <a:ext cx="6096000" cy="3429000"/>
           </a:xfrm>
           <a:custGeom>
             <a:avLst/>
@@ -865,8 +865,8 @@
         </p:nvSpPr>
         <p:spPr>
           <a:xfrm>
-            <a:off x="1143225" y="685800"/>
-            <a:ext cx="4572225" cy="3429000"/>
+            <a:off x="381000" y="685800"/>
+            <a:ext cx="6096000" cy="3429000"/>
           </a:xfrm>
           <a:custGeom>
             <a:avLst/>
@@ -9703,10 +9703,9 @@
           <a:lstStyle/>
           <a:p>
             <a:r>
-              <a:rPr lang="en-US" dirty="0" err="1"/>
-              <a:t>Introduccion</a:t>
-            </a:r>
-            <a:endParaRPr lang="es-MX" dirty="0"/>
+              <a:rPr lang="es-MX" dirty="0"/>
+              <a:t>Introducción</a:t>
+            </a:r>
           </a:p>
         </p:txBody>
       </p:sp>
@@ -9784,8 +9783,8 @@
         </p:nvSpPr>
         <p:spPr>
           <a:xfrm>
-            <a:off x="7046259" y="1004047"/>
-            <a:ext cx="4509247" cy="5632311"/>
+            <a:off x="6696635" y="851647"/>
+            <a:ext cx="5145741" cy="5078313"/>
           </a:xfrm>
           <a:prstGeom prst="rect">
             <a:avLst/>
@@ -9800,13 +9799,7 @@
           <a:p>
             <a:r>
               <a:rPr lang="es-MX" b="0" dirty="0">
-                <a:solidFill>
-                  <a:srgbClr val="ABB2BF"/>
-                </a:solidFill>
-                <a:effectLst/>
-                <a:highlight>
-                  <a:srgbClr val="23272E"/>
-                </a:highlight>
+                <a:effectLst/>
                 <a:latin typeface="Consolas" panose="020B0609020204030204" pitchFamily="49" charset="0"/>
               </a:rPr>
               <a:t>En este análisis, excluimos intencionalmente los dos valores atípicos del gráfico anterior para enfocarnos en la evolución del promedio de compra de manera más detallada. Observamos que la mayoría de los clientes tienen un promedio de compra por debajo de los 1000, pero también notamos una cantidad significativa de clientes cuyo promedio supera esta cifra. Para mejorar estos resultados, se pueden implementar estrategias como las mencionadas anteriormente para incentivar a los clientes con promedios de compra inferiores a 1000 a aumentar sus compras hacia este umbral o lo más cercano posible a él.</a:t>
@@ -9862,7 +9855,7 @@
         </p:blipFill>
         <p:spPr>
           <a:xfrm>
-            <a:off x="738641" y="656216"/>
+            <a:off x="666923" y="986081"/>
             <a:ext cx="6246426" cy="4740537"/>
           </a:xfrm>
           <a:prstGeom prst="rect">
@@ -9882,8 +9875,8 @@
         </p:nvSpPr>
         <p:spPr>
           <a:xfrm>
-            <a:off x="7571625" y="1270000"/>
-            <a:ext cx="3870600" cy="4172700"/>
+            <a:off x="7315200" y="1270000"/>
+            <a:ext cx="4127025" cy="4172700"/>
           </a:xfrm>
           <a:prstGeom prst="rect">
             <a:avLst/>
@@ -9974,95 +9967,68 @@
         </p:nvSpPr>
         <p:spPr>
           <a:xfrm>
-            <a:off x="851647" y="1819836"/>
+            <a:off x="797859" y="1305341"/>
             <a:ext cx="10040470" cy="4247317"/>
           </a:xfrm>
           <a:prstGeom prst="rect">
             <a:avLst/>
           </a:prstGeom>
           <a:noFill/>
+          <a:ln>
+            <a:noFill/>
+          </a:ln>
         </p:spPr>
         <p:txBody>
-          <a:bodyPr wrap="square" rtlCol="0">
-            <a:spAutoFit/>
+          <a:bodyPr spcFirstLastPara="1" wrap="square" lIns="91425" tIns="91425" rIns="91425" bIns="91425" anchor="t" anchorCtr="0">
+            <a:noAutofit/>
           </a:bodyPr>
-          <a:lstStyle/>
+          <a:lstStyle>
+            <a:defPPr>
+              <a:defRPr lang="es-MX"/>
+            </a:defPPr>
+            <a:lvl1pPr lvl="0" indent="0">
+              <a:spcBef>
+                <a:spcPts val="0"/>
+              </a:spcBef>
+              <a:spcAft>
+                <a:spcPts val="0"/>
+              </a:spcAft>
+              <a:buNone/>
+              <a:defRPr>
+                <a:solidFill>
+                  <a:srgbClr val="111111"/>
+                </a:solidFill>
+                <a:highlight>
+                  <a:srgbClr val="F7F7F7"/>
+                </a:highlight>
+                <a:latin typeface="Consolas"/>
+                <a:ea typeface="Consolas"/>
+                <a:cs typeface="Consolas"/>
+              </a:defRPr>
+            </a:lvl1pPr>
+          </a:lstStyle>
           <a:p>
             <a:br>
-              <a:rPr lang="es-MX" b="0" dirty="0">
-                <a:solidFill>
-                  <a:srgbClr val="ABB2BF"/>
-                </a:solidFill>
-                <a:effectLst/>
-                <a:highlight>
-                  <a:srgbClr val="23272E"/>
-                </a:highlight>
-                <a:latin typeface="Consolas" panose="020B0609020204030204" pitchFamily="49" charset="0"/>
-              </a:rPr>
+              <a:rPr lang="es-MX" dirty="0"/>
             </a:br>
             <a:r>
-              <a:rPr lang="es-MX" b="0" dirty="0">
-                <a:solidFill>
-                  <a:srgbClr val="ABB2BF"/>
-                </a:solidFill>
-                <a:effectLst/>
-                <a:highlight>
-                  <a:srgbClr val="23272E"/>
-                </a:highlight>
-                <a:latin typeface="Consolas" panose="020B0609020204030204" pitchFamily="49" charset="0"/>
-              </a:rPr>
+              <a:rPr lang="es-MX" dirty="0"/>
               <a:t>Basado en el análisis realizado, se destacan varios puntos clave. Los meses de septiembre, octubre y noviembre muestran un notable aumento en el número de facturaciones mensuales, indicando que son los períodos de mayor actividad y ventas para la empresa. Sin embargo, el mes de diciembre presenta una disminución significativa en las ventas, señalando una oportunidad para implementar estrategias que puedan mejorar el desempeño durante este mes crucial. Además, es relevante notar que el </a:t>
             </a:r>
             <a:r>
-              <a:rPr lang="es-MX" b="0" dirty="0" err="1">
-                <a:solidFill>
-                  <a:srgbClr val="ABB2BF"/>
-                </a:solidFill>
-                <a:effectLst/>
-                <a:highlight>
-                  <a:srgbClr val="23272E"/>
-                </a:highlight>
-                <a:latin typeface="Consolas" panose="020B0609020204030204" pitchFamily="49" charset="0"/>
-              </a:rPr>
+              <a:rPr lang="es-MX" dirty="0" err="1"/>
               <a:t>dataset</a:t>
             </a:r>
             <a:r>
-              <a:rPr lang="es-MX" b="0" dirty="0">
-                <a:solidFill>
-                  <a:srgbClr val="ABB2BF"/>
-                </a:solidFill>
-                <a:effectLst/>
-                <a:highlight>
-                  <a:srgbClr val="23272E"/>
-                </a:highlight>
-                <a:latin typeface="Consolas" panose="020B0609020204030204" pitchFamily="49" charset="0"/>
-              </a:rPr>
+              <a:rPr lang="es-MX" dirty="0"/>
               <a:t> solo incluye registros del mes de diciembre de 2019, lo cual limita la visión histórica completa de los patrones de ventas anuales. Estos hallazgos subrayan la importancia de ajustar las estrategias de marketing y ventas para capitalizar los períodos de alta demanda y mejorar el rendimiento en los meses de menor actividad.</a:t>
             </a:r>
           </a:p>
           <a:p>
             <a:br>
-              <a:rPr lang="es-MX" b="0" dirty="0">
-                <a:solidFill>
-                  <a:srgbClr val="ABB2BF"/>
-                </a:solidFill>
-                <a:effectLst/>
-                <a:highlight>
-                  <a:srgbClr val="23272E"/>
-                </a:highlight>
-                <a:latin typeface="Consolas" panose="020B0609020204030204" pitchFamily="49" charset="0"/>
-              </a:rPr>
+              <a:rPr lang="es-MX" dirty="0"/>
             </a:br>
-            <a:endParaRPr lang="es-MX" b="0" dirty="0">
-              <a:solidFill>
-                <a:srgbClr val="ABB2BF"/>
-              </a:solidFill>
-              <a:effectLst/>
-              <a:highlight>
-                <a:srgbClr val="23272E"/>
-              </a:highlight>
-              <a:latin typeface="Consolas" panose="020B0609020204030204" pitchFamily="49" charset="0"/>
-            </a:endParaRPr>
+            <a:endParaRPr lang="es-MX" dirty="0"/>
           </a:p>
           <a:p>
             <a:endParaRPr lang="es-MX" dirty="0"/>
@@ -10083,8 +10049,8 @@
         </p:nvSpPr>
         <p:spPr>
           <a:xfrm>
-            <a:off x="1416424" y="591671"/>
-            <a:ext cx="5710517" cy="646331"/>
+            <a:off x="627530" y="375348"/>
+            <a:ext cx="5710517" cy="830997"/>
           </a:xfrm>
           <a:prstGeom prst="rect">
             <a:avLst/>
@@ -10095,31 +10061,22 @@
           <a:bodyPr wrap="square" rtlCol="0">
             <a:spAutoFit/>
           </a:bodyPr>
-          <a:lstStyle/>
-          <a:p>
-            <a:r>
-              <a:rPr lang="es-MX" b="0" dirty="0">
-                <a:solidFill>
-                  <a:srgbClr val="E06C75"/>
-                </a:solidFill>
-                <a:effectLst/>
-                <a:highlight>
-                  <a:srgbClr val="23272E"/>
-                </a:highlight>
-                <a:latin typeface="Consolas" panose="020B0609020204030204" pitchFamily="49" charset="0"/>
-              </a:rPr>
+          <a:lstStyle>
+            <a:defPPr>
+              <a:defRPr lang="es-MX"/>
+            </a:defPPr>
+            <a:lvl1pPr>
+              <a:defRPr sz="2400" b="1">
+                <a:effectLst/>
+                <a:latin typeface="Consolas" panose="020B0609020204030204" pitchFamily="49" charset="0"/>
+              </a:defRPr>
+            </a:lvl1pPr>
+          </a:lstStyle>
+          <a:p>
+            <a:r>
+              <a:rPr lang="es-MX" dirty="0"/>
               <a:t> Conclusiones</a:t>
             </a:r>
-            <a:endParaRPr lang="es-MX" b="0" dirty="0">
-              <a:solidFill>
-                <a:srgbClr val="ABB2BF"/>
-              </a:solidFill>
-              <a:effectLst/>
-              <a:highlight>
-                <a:srgbClr val="23272E"/>
-              </a:highlight>
-              <a:latin typeface="Consolas" panose="020B0609020204030204" pitchFamily="49" charset="0"/>
-            </a:endParaRPr>
           </a:p>
           <a:p>
             <a:endParaRPr lang="es-MX" dirty="0"/>
@@ -10178,47 +10135,22 @@
           <a:lstStyle/>
           <a:p>
             <a:r>
-              <a:rPr lang="en-US" dirty="0"/>
-              <a:t>Application del </a:t>
-            </a:r>
-            <a:r>
-              <a:rPr lang="en-US" dirty="0" err="1"/>
+              <a:rPr lang="es-MX" dirty="0"/>
+              <a:t>APLICACION del </a:t>
+            </a:r>
+            <a:r>
+              <a:rPr lang="es-MX" dirty="0" err="1"/>
               <a:t>metodo</a:t>
             </a:r>
             <a:r>
-              <a:rPr lang="en-US" dirty="0"/>
+              <a:rPr lang="es-MX" dirty="0"/>
               <a:t> </a:t>
             </a:r>
             <a:r>
-              <a:rPr lang="en-US" dirty="0" err="1"/>
+              <a:rPr lang="es-MX" dirty="0" err="1"/>
               <a:t>rfm</a:t>
             </a:r>
             <a:endParaRPr lang="es-MX" dirty="0"/>
-          </a:p>
-        </p:txBody>
-      </p:sp>
-      <p:sp>
-        <p:nvSpPr>
-          <p:cNvPr id="3" name="Subtítulo 2">
-            <a:extLst>
-              <a:ext uri="{FF2B5EF4-FFF2-40B4-BE49-F238E27FC236}">
-                <a16:creationId xmlns:a16="http://schemas.microsoft.com/office/drawing/2014/main" id="{C9ED98C9-BAFD-5D7B-6ADB-986D6EDF27BA}"/>
-              </a:ext>
-            </a:extLst>
-          </p:cNvPr>
-          <p:cNvSpPr>
-            <a:spLocks noGrp="1"/>
-          </p:cNvSpPr>
-          <p:nvPr>
-            <p:ph type="subTitle" idx="1"/>
-          </p:nvPr>
-        </p:nvSpPr>
-        <p:spPr/>
-        <p:txBody>
-          <a:bodyPr/>
-          <a:lstStyle/>
-          <a:p>
-            <a:endParaRPr lang="es-MX"/>
           </a:p>
         </p:txBody>
       </p:sp>
@@ -10441,35 +10373,20 @@
                 <a:effectLst/>
                 <a:latin typeface="Consolas" panose="020B0609020204030204" pitchFamily="49" charset="0"/>
               </a:rPr>
-              <a:t>Se realizo un análisis para visualizar </a:t>
-            </a:r>
-            <a:r>
-              <a:rPr lang="es-MX" sz="1400" b="0" dirty="0" err="1">
-                <a:effectLst/>
-                <a:latin typeface="Consolas" panose="020B0609020204030204" pitchFamily="49" charset="0"/>
-              </a:rPr>
-              <a:t>cuandos</a:t>
+              <a:t>Se realizo un análisis para visualizar cuan</a:t>
+            </a:r>
+            <a:r>
+              <a:rPr lang="es-MX" sz="1400" dirty="0">
+                <a:latin typeface="Consolas" panose="020B0609020204030204" pitchFamily="49" charset="0"/>
+              </a:rPr>
+              <a:t>t</a:t>
             </a:r>
             <a:r>
               <a:rPr lang="es-MX" sz="1400" b="0" dirty="0">
                 <a:effectLst/>
                 <a:latin typeface="Consolas" panose="020B0609020204030204" pitchFamily="49" charset="0"/>
               </a:rPr>
-              <a:t> días suelen esperar los clientes hasta su </a:t>
-            </a:r>
-            <a:r>
-              <a:rPr lang="es-MX" sz="1400" b="0" dirty="0" err="1">
-                <a:effectLst/>
-                <a:latin typeface="Consolas" panose="020B0609020204030204" pitchFamily="49" charset="0"/>
-              </a:rPr>
-              <a:t>sigiente</a:t>
-            </a:r>
-            <a:r>
-              <a:rPr lang="es-MX" sz="1400" b="0" dirty="0">
-                <a:effectLst/>
-                <a:latin typeface="Consolas" panose="020B0609020204030204" pitchFamily="49" charset="0"/>
-              </a:rPr>
-              <a:t> compra. Como se observa la </a:t>
+              <a:t>os días suelen esperar los clientes hasta su siguiente compra. Como se observa la </a:t>
             </a:r>
             <a:r>
               <a:rPr lang="es-MX" sz="1400" b="0" dirty="0" err="1">
@@ -11212,31 +11129,6 @@
           </a:p>
         </p:txBody>
       </p:sp>
-      <p:sp>
-        <p:nvSpPr>
-          <p:cNvPr id="3" name="Subtítulo 2">
-            <a:extLst>
-              <a:ext uri="{FF2B5EF4-FFF2-40B4-BE49-F238E27FC236}">
-                <a16:creationId xmlns:a16="http://schemas.microsoft.com/office/drawing/2014/main" id="{E9FD6347-E92D-AACB-9FDB-A37B1B6B9221}"/>
-              </a:ext>
-            </a:extLst>
-          </p:cNvPr>
-          <p:cNvSpPr>
-            <a:spLocks noGrp="1"/>
-          </p:cNvSpPr>
-          <p:nvPr>
-            <p:ph type="subTitle" idx="1"/>
-          </p:nvPr>
-        </p:nvSpPr>
-        <p:spPr/>
-        <p:txBody>
-          <a:bodyPr/>
-          <a:lstStyle/>
-          <a:p>
-            <a:endParaRPr lang="es-MX"/>
-          </a:p>
-        </p:txBody>
-      </p:sp>
     </p:spTree>
     <p:extLst>
       <p:ext uri="{BB962C8B-B14F-4D97-AF65-F5344CB8AC3E}">
@@ -11289,7 +11181,7 @@
         </p:blipFill>
         <p:spPr>
           <a:xfrm>
-            <a:off x="74784" y="448987"/>
+            <a:off x="272008" y="1470963"/>
             <a:ext cx="4793672" cy="3074142"/>
           </a:xfrm>
           <a:prstGeom prst="rect">
@@ -11742,55 +11634,26 @@
           <a:lstStyle/>
           <a:p>
             <a:r>
-              <a:rPr lang="es-MX" sz="2400" b="0" dirty="0">
-                <a:solidFill>
-                  <a:srgbClr val="E06C75"/>
-                </a:solidFill>
+              <a:rPr lang="es-MX" sz="2400" b="1" dirty="0">
                 <a:effectLst/>
                 <a:latin typeface="Consolas" panose="020B0609020204030204" pitchFamily="49" charset="0"/>
               </a:rPr>
               <a:t>Segmentación de Clientes para </a:t>
             </a:r>
             <a:r>
-              <a:rPr lang="es-MX" sz="2400" b="0" dirty="0" err="1">
-                <a:solidFill>
-                  <a:srgbClr val="E06C75"/>
-                </a:solidFill>
-                <a:effectLst/>
-                <a:latin typeface="Consolas" panose="020B0609020204030204" pitchFamily="49" charset="0"/>
-              </a:rPr>
-              <a:t>Design</a:t>
-            </a:r>
-            <a:r>
-              <a:rPr lang="es-MX" sz="2400" b="0" dirty="0">
-                <a:solidFill>
-                  <a:srgbClr val="E06C75"/>
-                </a:solidFill>
-                <a:effectLst/>
-                <a:latin typeface="Consolas" panose="020B0609020204030204" pitchFamily="49" charset="0"/>
-              </a:rPr>
-              <a:t> </a:t>
-            </a:r>
-            <a:r>
-              <a:rPr lang="es-MX" sz="2400" b="0" dirty="0" err="1">
-                <a:solidFill>
-                  <a:srgbClr val="E06C75"/>
-                </a:solidFill>
-                <a:effectLst/>
-                <a:latin typeface="Consolas" panose="020B0609020204030204" pitchFamily="49" charset="0"/>
-              </a:rPr>
-              <a:t>Reels</a:t>
-            </a:r>
-            <a:endParaRPr lang="es-MX" sz="2400" b="0" dirty="0">
-              <a:solidFill>
-                <a:srgbClr val="ABB2BF"/>
-              </a:solidFill>
+              <a:rPr lang="es-MX" sz="2400" b="1" dirty="0" err="1">
+                <a:effectLst/>
+                <a:latin typeface="Consolas" panose="020B0609020204030204" pitchFamily="49" charset="0"/>
+              </a:rPr>
+              <a:t>DesignReels</a:t>
+            </a:r>
+            <a:endParaRPr lang="es-MX" sz="2400" b="1" dirty="0">
               <a:effectLst/>
               <a:latin typeface="Consolas" panose="020B0609020204030204" pitchFamily="49" charset="0"/>
             </a:endParaRPr>
           </a:p>
           <a:p>
-            <a:endParaRPr lang="es-MX" dirty="0"/>
+            <a:endParaRPr lang="es-MX" b="1" dirty="0"/>
           </a:p>
         </p:txBody>
       </p:sp>
@@ -11838,22 +11701,36 @@
         </p:nvSpPr>
         <p:spPr>
           <a:xfrm>
-            <a:off x="349624" y="-358589"/>
-            <a:ext cx="11187953" cy="1862048"/>
+            <a:off x="-340659" y="188258"/>
+            <a:ext cx="11187953" cy="830997"/>
           </a:xfrm>
           <a:prstGeom prst="rect">
             <a:avLst/>
           </a:prstGeom>
-          <a:noFill/>
         </p:spPr>
         <p:txBody>
-          <a:bodyPr wrap="square" rtlCol="0">
-            <a:spAutoFit/>
+          <a:bodyPr vert="horz" lIns="91440" tIns="45720" rIns="91440" bIns="45720" rtlCol="0" anchor="ctr">
+            <a:normAutofit/>
           </a:bodyPr>
-          <a:lstStyle/>
-          <a:p>
-            <a:r>
-              <a:rPr lang="en-US" sz="11500" dirty="0"/>
+          <a:lstStyle>
+            <a:lvl1pPr algn="ctr">
+              <a:lnSpc>
+                <a:spcPct val="100000"/>
+              </a:lnSpc>
+              <a:spcBef>
+                <a:spcPct val="0"/>
+              </a:spcBef>
+              <a:buNone/>
+              <a:defRPr sz="4800" b="1" spc="100" baseline="0">
+                <a:latin typeface="+mj-lt"/>
+                <a:ea typeface="+mj-ea"/>
+                <a:cs typeface="+mj-cs"/>
+              </a:defRPr>
+            </a:lvl1pPr>
+          </a:lstStyle>
+          <a:p>
+            <a:r>
+              <a:rPr lang="en-US" dirty="0"/>
               <a:t>Insights</a:t>
             </a:r>
             <a:endParaRPr lang="es-MX" dirty="0"/>
@@ -11874,7 +11751,7 @@
         </p:nvSpPr>
         <p:spPr>
           <a:xfrm>
-            <a:off x="439271" y="1269448"/>
+            <a:off x="528918" y="1161872"/>
             <a:ext cx="9628094" cy="5770811"/>
           </a:xfrm>
           <a:prstGeom prst="rect">
@@ -12755,43 +12632,41 @@
         </p:nvSpPr>
         <p:spPr>
           <a:xfrm>
-            <a:off x="1129553" y="188259"/>
-            <a:ext cx="3550023" cy="369332"/>
+            <a:off x="3872753" y="0"/>
+            <a:ext cx="3550023" cy="830997"/>
           </a:xfrm>
           <a:prstGeom prst="rect">
             <a:avLst/>
           </a:prstGeom>
-          <a:noFill/>
         </p:spPr>
         <p:txBody>
-          <a:bodyPr wrap="square" rtlCol="0">
-            <a:spAutoFit/>
+          <a:bodyPr vert="horz" lIns="91440" tIns="45720" rIns="91440" bIns="45720" rtlCol="0" anchor="ctr">
+            <a:normAutofit/>
           </a:bodyPr>
-          <a:lstStyle/>
-          <a:p>
-            <a:r>
-              <a:rPr lang="es-MX" b="0">
-                <a:solidFill>
-                  <a:srgbClr val="E06C75"/>
-                </a:solidFill>
-                <a:effectLst/>
-                <a:highlight>
-                  <a:srgbClr val="23272E"/>
-                </a:highlight>
-                <a:latin typeface="Consolas" panose="020B0609020204030204" pitchFamily="49" charset="0"/>
-              </a:rPr>
+          <a:lstStyle>
+            <a:defPPr>
+              <a:defRPr lang="es-MX"/>
+            </a:defPPr>
+            <a:lvl1pPr algn="ctr">
+              <a:lnSpc>
+                <a:spcPct val="100000"/>
+              </a:lnSpc>
+              <a:spcBef>
+                <a:spcPct val="0"/>
+              </a:spcBef>
+              <a:buNone/>
+              <a:defRPr sz="4800" b="1" spc="100" baseline="0">
+                <a:latin typeface="+mj-lt"/>
+                <a:ea typeface="+mj-ea"/>
+                <a:cs typeface="+mj-cs"/>
+              </a:defRPr>
+            </a:lvl1pPr>
+          </a:lstStyle>
+          <a:p>
+            <a:r>
+              <a:rPr lang="es-MX" dirty="0"/>
               <a:t>Conclusiones </a:t>
             </a:r>
-            <a:endParaRPr lang="es-MX" b="0">
-              <a:solidFill>
-                <a:srgbClr val="ABB2BF"/>
-              </a:solidFill>
-              <a:effectLst/>
-              <a:highlight>
-                <a:srgbClr val="23272E"/>
-              </a:highlight>
-              <a:latin typeface="Consolas" panose="020B0609020204030204" pitchFamily="49" charset="0"/>
-            </a:endParaRPr>
           </a:p>
         </p:txBody>
       </p:sp>
@@ -12839,8 +12714,8 @@
         </p:nvSpPr>
         <p:spPr>
           <a:xfrm>
-            <a:off x="896470" y="349624"/>
-            <a:ext cx="9923929" cy="7048083"/>
+            <a:off x="564776" y="1068579"/>
+            <a:ext cx="11062447" cy="6278642"/>
           </a:xfrm>
           <a:prstGeom prst="rect">
             <a:avLst/>
@@ -13054,19 +12929,36 @@
         </p:nvSpPr>
         <p:spPr>
           <a:xfrm>
-            <a:off x="896470" y="35859"/>
-            <a:ext cx="3397624" cy="369332"/>
+            <a:off x="4168588" y="0"/>
+            <a:ext cx="3397624" cy="830997"/>
           </a:xfrm>
           <a:prstGeom prst="rect">
             <a:avLst/>
           </a:prstGeom>
-          <a:noFill/>
         </p:spPr>
         <p:txBody>
-          <a:bodyPr wrap="square" rtlCol="0">
-            <a:spAutoFit/>
+          <a:bodyPr vert="horz" lIns="91440" tIns="45720" rIns="91440" bIns="45720" rtlCol="0" anchor="ctr">
+            <a:normAutofit/>
           </a:bodyPr>
-          <a:lstStyle/>
+          <a:lstStyle>
+            <a:defPPr>
+              <a:defRPr lang="es-MX"/>
+            </a:defPPr>
+            <a:lvl1pPr algn="ctr">
+              <a:lnSpc>
+                <a:spcPct val="100000"/>
+              </a:lnSpc>
+              <a:spcBef>
+                <a:spcPct val="0"/>
+              </a:spcBef>
+              <a:buNone/>
+              <a:defRPr sz="4800" b="1" spc="100" baseline="0">
+                <a:latin typeface="+mj-lt"/>
+                <a:ea typeface="+mj-ea"/>
+                <a:cs typeface="+mj-cs"/>
+              </a:defRPr>
+            </a:lvl1pPr>
+          </a:lstStyle>
           <a:p>
             <a:r>
               <a:rPr lang="en-US" dirty="0"/>
@@ -13387,35 +13279,26 @@
           <a:lstStyle/>
           <a:p>
             <a:r>
-              <a:rPr lang="es-MX" b="0" dirty="0">
-                <a:solidFill>
-                  <a:srgbClr val="E06C75"/>
-                </a:solidFill>
+              <a:rPr lang="es-MX" b="1" dirty="0">
                 <a:effectLst/>
                 <a:latin typeface="Consolas" panose="020B0609020204030204" pitchFamily="49" charset="0"/>
               </a:rPr>
               <a:t> </a:t>
             </a:r>
             <a:r>
-              <a:rPr lang="es-MX" sz="2800" b="0" dirty="0">
-                <a:solidFill>
-                  <a:srgbClr val="E06C75"/>
-                </a:solidFill>
+              <a:rPr lang="es-MX" sz="2800" b="1" dirty="0">
                 <a:effectLst/>
                 <a:latin typeface="Consolas" panose="020B0609020204030204" pitchFamily="49" charset="0"/>
               </a:rPr>
               <a:t>Diccionario de datos </a:t>
             </a:r>
-            <a:endParaRPr lang="es-MX" b="0" dirty="0">
-              <a:solidFill>
-                <a:srgbClr val="ABB2BF"/>
-              </a:solidFill>
+            <a:endParaRPr lang="es-MX" b="1" dirty="0">
               <a:effectLst/>
               <a:latin typeface="Consolas" panose="020B0609020204030204" pitchFamily="49" charset="0"/>
             </a:endParaRPr>
           </a:p>
           <a:p>
-            <a:endParaRPr lang="es-MX" dirty="0"/>
+            <a:endParaRPr lang="es-MX" b="1" dirty="0"/>
           </a:p>
         </p:txBody>
       </p:sp>
@@ -13471,8 +13354,8 @@
           <a:lstStyle/>
           <a:p>
             <a:r>
-              <a:rPr lang="en-US" dirty="0" err="1"/>
-              <a:t>Analis</a:t>
+              <a:rPr lang="es-MX" dirty="0" err="1"/>
+              <a:t>Analisis</a:t>
             </a:r>
             <a:r>
               <a:rPr lang="en-US" dirty="0"/>
@@ -13491,31 +13374,6 @@
               <a:t>datos</a:t>
             </a:r>
             <a:endParaRPr lang="es-MX" dirty="0"/>
-          </a:p>
-        </p:txBody>
-      </p:sp>
-      <p:sp>
-        <p:nvSpPr>
-          <p:cNvPr id="3" name="Subtítulo 2">
-            <a:extLst>
-              <a:ext uri="{FF2B5EF4-FFF2-40B4-BE49-F238E27FC236}">
-                <a16:creationId xmlns:a16="http://schemas.microsoft.com/office/drawing/2014/main" id="{1DEDC75A-F1F4-8CB3-D1C8-5994BD500C4B}"/>
-              </a:ext>
-            </a:extLst>
-          </p:cNvPr>
-          <p:cNvSpPr>
-            <a:spLocks noGrp="1"/>
-          </p:cNvSpPr>
-          <p:nvPr>
-            <p:ph type="subTitle" idx="1"/>
-          </p:nvPr>
-        </p:nvSpPr>
-        <p:spPr/>
-        <p:txBody>
-          <a:bodyPr/>
-          <a:lstStyle/>
-          <a:p>
-            <a:endParaRPr lang="es-MX"/>
           </a:p>
         </p:txBody>
       </p:sp>
@@ -13668,8 +13526,8 @@
         </p:blipFill>
         <p:spPr>
           <a:xfrm>
-            <a:off x="1108329" y="156127"/>
-            <a:ext cx="7529450" cy="5015450"/>
+            <a:off x="435977" y="1025704"/>
+            <a:ext cx="5857247" cy="4146932"/>
           </a:xfrm>
           <a:prstGeom prst="rect">
             <a:avLst/>
@@ -13688,8 +13546,8 @@
         </p:nvSpPr>
         <p:spPr>
           <a:xfrm>
-            <a:off x="247075" y="5386800"/>
-            <a:ext cx="9600600" cy="1293000"/>
+            <a:off x="6818204" y="1379577"/>
+            <a:ext cx="4306996" cy="2677626"/>
           </a:xfrm>
           <a:prstGeom prst="rect">
             <a:avLst/>
@@ -13802,7 +13660,7 @@
         </p:blipFill>
         <p:spPr>
           <a:xfrm>
-            <a:off x="364471" y="482321"/>
+            <a:off x="355506" y="769192"/>
             <a:ext cx="5224013" cy="4762222"/>
           </a:xfrm>
           <a:prstGeom prst="rect">
@@ -13822,8 +13680,8 @@
         </p:nvSpPr>
         <p:spPr>
           <a:xfrm>
-            <a:off x="6376550" y="692725"/>
-            <a:ext cx="3255900" cy="4520100"/>
+            <a:off x="6376549" y="692724"/>
+            <a:ext cx="5062415" cy="4999863"/>
           </a:xfrm>
           <a:prstGeom prst="rect">
             <a:avLst/>
@@ -13937,7 +13795,7 @@
         <p:spPr>
           <a:xfrm>
             <a:off x="424325" y="1062575"/>
-            <a:ext cx="7718674" cy="3706375"/>
+            <a:ext cx="6155769" cy="3706375"/>
           </a:xfrm>
           <a:prstGeom prst="rect">
             <a:avLst/>
@@ -13956,8 +13814,8 @@
         </p:nvSpPr>
         <p:spPr>
           <a:xfrm>
-            <a:off x="8489375" y="935175"/>
-            <a:ext cx="3411600" cy="5056800"/>
+            <a:off x="6956612" y="935175"/>
+            <a:ext cx="4944363" cy="5056800"/>
           </a:xfrm>
           <a:prstGeom prst="rect">
             <a:avLst/>
@@ -14056,8 +13914,8 @@
         </p:blipFill>
         <p:spPr>
           <a:xfrm>
-            <a:off x="223144" y="311972"/>
-            <a:ext cx="5738019" cy="3818965"/>
+            <a:off x="232109" y="796066"/>
+            <a:ext cx="5738019" cy="4573793"/>
           </a:xfrm>
           <a:prstGeom prst="rect">
             <a:avLst/>
@@ -14079,7 +13937,7 @@
         <p:spPr>
           <a:xfrm>
             <a:off x="6535271" y="573741"/>
-            <a:ext cx="4563035" cy="5632311"/>
+            <a:ext cx="5082988" cy="5078313"/>
           </a:xfrm>
           <a:prstGeom prst="rect">
             <a:avLst/>
@@ -14094,117 +13952,49 @@
           <a:p>
             <a:r>
               <a:rPr lang="es-MX" b="0" dirty="0">
-                <a:solidFill>
-                  <a:srgbClr val="ABB2BF"/>
-                </a:solidFill>
-                <a:effectLst/>
-                <a:highlight>
-                  <a:srgbClr val="23272E"/>
-                </a:highlight>
-                <a:latin typeface="Consolas" panose="020B0609020204030204" pitchFamily="49" charset="0"/>
-              </a:rPr>
-              <a:t>Podemos observar en el grafico anterior 2 </a:t>
+                <a:effectLst/>
+                <a:latin typeface="Consolas" panose="020B0609020204030204" pitchFamily="49" charset="0"/>
+              </a:rPr>
+              <a:t>Podemos observar en el grafico anterior 2 anomalías de compras, las cuales al verificar la primera es un cliente que ha realizado ya varias compras con nosotros y el otro es un cliente que sus primeras 2 compras fueron pequeñas pero luego el 9 de diciembre de 2020 realiza una compra grande de (80995) </a:t>
             </a:r>
             <a:r>
               <a:rPr lang="es-MX" b="0" dirty="0" err="1">
-                <a:solidFill>
-                  <a:srgbClr val="ABB2BF"/>
-                </a:solidFill>
-                <a:effectLst/>
-                <a:highlight>
-                  <a:srgbClr val="23272E"/>
-                </a:highlight>
-                <a:latin typeface="Consolas" panose="020B0609020204030204" pitchFamily="49" charset="0"/>
-              </a:rPr>
-              <a:t>anomalias</a:t>
+                <a:effectLst/>
+                <a:latin typeface="Consolas" panose="020B0609020204030204" pitchFamily="49" charset="0"/>
+              </a:rPr>
+              <a:t>paper</a:t>
             </a:r>
             <a:r>
               <a:rPr lang="es-MX" b="0" dirty="0">
-                <a:solidFill>
-                  <a:srgbClr val="ABB2BF"/>
-                </a:solidFill>
-                <a:effectLst/>
-                <a:highlight>
-                  <a:srgbClr val="23272E"/>
-                </a:highlight>
-                <a:latin typeface="Consolas" panose="020B0609020204030204" pitchFamily="49" charset="0"/>
-              </a:rPr>
-              <a:t> de compras, las cuales al verificar la primera es un cliente que ha realizado ya varias compras con nosotros y el otro es un cliente que sus primeras 2 compras fueron pequeñas pero luego el 9 de diciembre de 2020 realiza una compra grande de (80995) </a:t>
+                <a:effectLst/>
+                <a:latin typeface="Consolas" panose="020B0609020204030204" pitchFamily="49" charset="0"/>
+              </a:rPr>
+              <a:t> </a:t>
             </a:r>
             <a:r>
               <a:rPr lang="es-MX" b="0" dirty="0" err="1">
-                <a:solidFill>
-                  <a:srgbClr val="ABB2BF"/>
-                </a:solidFill>
-                <a:effectLst/>
-                <a:highlight>
-                  <a:srgbClr val="23272E"/>
-                </a:highlight>
-                <a:latin typeface="Consolas" panose="020B0609020204030204" pitchFamily="49" charset="0"/>
-              </a:rPr>
-              <a:t>paper</a:t>
+                <a:effectLst/>
+                <a:latin typeface="Consolas" panose="020B0609020204030204" pitchFamily="49" charset="0"/>
+              </a:rPr>
+              <a:t>craft</a:t>
             </a:r>
             <a:r>
               <a:rPr lang="es-MX" b="0" dirty="0">
-                <a:solidFill>
-                  <a:srgbClr val="ABB2BF"/>
-                </a:solidFill>
-                <a:effectLst/>
-                <a:highlight>
-                  <a:srgbClr val="23272E"/>
-                </a:highlight>
+                <a:effectLst/>
                 <a:latin typeface="Consolas" panose="020B0609020204030204" pitchFamily="49" charset="0"/>
               </a:rPr>
               <a:t> </a:t>
             </a:r>
             <a:r>
               <a:rPr lang="es-MX" b="0" dirty="0" err="1">
-                <a:solidFill>
-                  <a:srgbClr val="ABB2BF"/>
-                </a:solidFill>
-                <a:effectLst/>
-                <a:highlight>
-                  <a:srgbClr val="23272E"/>
-                </a:highlight>
-                <a:latin typeface="Consolas" panose="020B0609020204030204" pitchFamily="49" charset="0"/>
-              </a:rPr>
-              <a:t>craft</a:t>
+                <a:effectLst/>
+                <a:latin typeface="Consolas" panose="020B0609020204030204" pitchFamily="49" charset="0"/>
+              </a:rPr>
+              <a:t>little</a:t>
             </a:r>
             <a:r>
               <a:rPr lang="es-MX" b="0" dirty="0">
-                <a:solidFill>
-                  <a:srgbClr val="ABB2BF"/>
-                </a:solidFill>
-                <a:effectLst/>
-                <a:highlight>
-                  <a:srgbClr val="23272E"/>
-                </a:highlight>
-                <a:latin typeface="Consolas" panose="020B0609020204030204" pitchFamily="49" charset="0"/>
-              </a:rPr>
-              <a:t> </a:t>
-            </a:r>
-            <a:r>
-              <a:rPr lang="es-MX" b="0" dirty="0" err="1">
-                <a:solidFill>
-                  <a:srgbClr val="ABB2BF"/>
-                </a:solidFill>
-                <a:effectLst/>
-                <a:highlight>
-                  <a:srgbClr val="23272E"/>
-                </a:highlight>
-                <a:latin typeface="Consolas" panose="020B0609020204030204" pitchFamily="49" charset="0"/>
-              </a:rPr>
-              <a:t>little</a:t>
-            </a:r>
-            <a:r>
-              <a:rPr lang="es-MX" b="0" dirty="0">
-                <a:solidFill>
-                  <a:srgbClr val="ABB2BF"/>
-                </a:solidFill>
-                <a:effectLst/>
-                <a:highlight>
-                  <a:srgbClr val="23272E"/>
-                </a:highlight>
+                <a:effectLst/>
                 <a:latin typeface="Consolas" panose="020B0609020204030204" pitchFamily="49" charset="0"/>
               </a:rPr>
               <a:t> birdie. el cual da un total de 168469.60</a:t>
@@ -14213,54 +14003,16 @@
           <a:p>
             <a:br>
               <a:rPr lang="es-MX" b="0" dirty="0">
-                <a:solidFill>
-                  <a:srgbClr val="ABB2BF"/>
-                </a:solidFill>
-                <a:effectLst/>
-                <a:highlight>
-                  <a:srgbClr val="23272E"/>
-                </a:highlight>
+                <a:effectLst/>
                 <a:latin typeface="Consolas" panose="020B0609020204030204" pitchFamily="49" charset="0"/>
               </a:rPr>
             </a:br>
             <a:r>
               <a:rPr lang="es-MX" b="0" dirty="0">
-                <a:solidFill>
-                  <a:srgbClr val="ABB2BF"/>
-                </a:solidFill>
-                <a:effectLst/>
-                <a:highlight>
-                  <a:srgbClr val="23272E"/>
-                </a:highlight>
-                <a:latin typeface="Consolas" panose="020B0609020204030204" pitchFamily="49" charset="0"/>
-              </a:rPr>
-              <a:t>Este ultimo cliente en particular nos sugiere la posibilidad de que existan clientes que compran mayoreo de ciertos productos, para los cuales se </a:t>
-            </a:r>
-            <a:r>
-              <a:rPr lang="es-MX" b="0" dirty="0" err="1">
-                <a:solidFill>
-                  <a:srgbClr val="ABB2BF"/>
-                </a:solidFill>
-                <a:effectLst/>
-                <a:highlight>
-                  <a:srgbClr val="23272E"/>
-                </a:highlight>
-                <a:latin typeface="Consolas" panose="020B0609020204030204" pitchFamily="49" charset="0"/>
-              </a:rPr>
-              <a:t>podrian</a:t>
-            </a:r>
-            <a:r>
-              <a:rPr lang="es-MX" b="0" dirty="0">
-                <a:solidFill>
-                  <a:srgbClr val="ABB2BF"/>
-                </a:solidFill>
-                <a:effectLst/>
-                <a:highlight>
-                  <a:srgbClr val="23272E"/>
-                </a:highlight>
-                <a:latin typeface="Consolas" panose="020B0609020204030204" pitchFamily="49" charset="0"/>
-              </a:rPr>
-              <a:t> crear estrategias de marketing especiales. </a:t>
+                <a:effectLst/>
+                <a:latin typeface="Consolas" panose="020B0609020204030204" pitchFamily="49" charset="0"/>
+              </a:rPr>
+              <a:t>Este ultimo cliente en particular nos sugiere la posibilidad de que existan clientes que compran mayoreo de ciertos productos, para los cuales se podrían crear estrategias de marketing especiales. </a:t>
             </a:r>
           </a:p>
           <a:p>
